--- a/figures/figures.pptx
+++ b/figures/figures.pptx
@@ -5,11 +5,12 @@
     <p:sldMasterId id="2147483648" r:id="rId1"/>
   </p:sldMasterIdLst>
   <p:notesMasterIdLst>
-    <p:notesMasterId r:id="rId4"/>
+    <p:notesMasterId r:id="rId5"/>
   </p:notesMasterIdLst>
   <p:sldIdLst>
     <p:sldId id="256" r:id="rId2"/>
     <p:sldId id="257" r:id="rId3"/>
+    <p:sldId id="258" r:id="rId4"/>
   </p:sldIdLst>
   <p:sldSz cx="12192000" cy="6858000"/>
   <p:notesSz cx="6858000" cy="9144000"/>
@@ -108,6 +109,11 @@
       </a:defRPr>
     </a:lvl9pPr>
   </p:defaultTextStyle>
+  <p:extLst>
+    <p:ext uri="{EFAFB233-063F-42B5-8137-9DF3F51BA10A}">
+      <p15:sldGuideLst xmlns:p15="http://schemas.microsoft.com/office/powerpoint/2012/main"/>
+    </p:ext>
+  </p:extLst>
 </p:presentation>
 </file>
 
@@ -2890,7 +2896,7 @@
           <a:p>
             <a:fld id="{8CF8B62D-F47B-43DC-854F-884833B98021}" type="datetimeFigureOut">
               <a:rPr lang="de-DE" smtClean="0"/>
-              <a:t>30.07.2025</a:t>
+              <a:t>05.08.2025</a:t>
             </a:fld>
             <a:endParaRPr lang="de-DE"/>
           </a:p>
@@ -3307,7 +3313,7 @@
           <a:p>
             <a:fld id="{3146589B-F63A-42CD-B487-02649808258F}" type="datetimeFigureOut">
               <a:rPr lang="de-DE" smtClean="0"/>
-              <a:t>30.07.2025</a:t>
+              <a:t>05.08.2025</a:t>
             </a:fld>
             <a:endParaRPr lang="de-DE"/>
           </a:p>
@@ -3507,7 +3513,7 @@
           <a:p>
             <a:fld id="{3146589B-F63A-42CD-B487-02649808258F}" type="datetimeFigureOut">
               <a:rPr lang="de-DE" smtClean="0"/>
-              <a:t>30.07.2025</a:t>
+              <a:t>05.08.2025</a:t>
             </a:fld>
             <a:endParaRPr lang="de-DE"/>
           </a:p>
@@ -3717,7 +3723,7 @@
           <a:p>
             <a:fld id="{3146589B-F63A-42CD-B487-02649808258F}" type="datetimeFigureOut">
               <a:rPr lang="de-DE" smtClean="0"/>
-              <a:t>30.07.2025</a:t>
+              <a:t>05.08.2025</a:t>
             </a:fld>
             <a:endParaRPr lang="de-DE"/>
           </a:p>
@@ -3917,7 +3923,7 @@
           <a:p>
             <a:fld id="{3146589B-F63A-42CD-B487-02649808258F}" type="datetimeFigureOut">
               <a:rPr lang="de-DE" smtClean="0"/>
-              <a:t>30.07.2025</a:t>
+              <a:t>05.08.2025</a:t>
             </a:fld>
             <a:endParaRPr lang="de-DE"/>
           </a:p>
@@ -4193,7 +4199,7 @@
           <a:p>
             <a:fld id="{3146589B-F63A-42CD-B487-02649808258F}" type="datetimeFigureOut">
               <a:rPr lang="de-DE" smtClean="0"/>
-              <a:t>30.07.2025</a:t>
+              <a:t>05.08.2025</a:t>
             </a:fld>
             <a:endParaRPr lang="de-DE"/>
           </a:p>
@@ -4461,7 +4467,7 @@
           <a:p>
             <a:fld id="{3146589B-F63A-42CD-B487-02649808258F}" type="datetimeFigureOut">
               <a:rPr lang="de-DE" smtClean="0"/>
-              <a:t>30.07.2025</a:t>
+              <a:t>05.08.2025</a:t>
             </a:fld>
             <a:endParaRPr lang="de-DE"/>
           </a:p>
@@ -4876,7 +4882,7 @@
           <a:p>
             <a:fld id="{3146589B-F63A-42CD-B487-02649808258F}" type="datetimeFigureOut">
               <a:rPr lang="de-DE" smtClean="0"/>
-              <a:t>30.07.2025</a:t>
+              <a:t>05.08.2025</a:t>
             </a:fld>
             <a:endParaRPr lang="de-DE"/>
           </a:p>
@@ -5018,7 +5024,7 @@
           <a:p>
             <a:fld id="{3146589B-F63A-42CD-B487-02649808258F}" type="datetimeFigureOut">
               <a:rPr lang="de-DE" smtClean="0"/>
-              <a:t>30.07.2025</a:t>
+              <a:t>05.08.2025</a:t>
             </a:fld>
             <a:endParaRPr lang="de-DE"/>
           </a:p>
@@ -5131,7 +5137,7 @@
           <a:p>
             <a:fld id="{3146589B-F63A-42CD-B487-02649808258F}" type="datetimeFigureOut">
               <a:rPr lang="de-DE" smtClean="0"/>
-              <a:t>30.07.2025</a:t>
+              <a:t>05.08.2025</a:t>
             </a:fld>
             <a:endParaRPr lang="de-DE"/>
           </a:p>
@@ -5444,7 +5450,7 @@
           <a:p>
             <a:fld id="{3146589B-F63A-42CD-B487-02649808258F}" type="datetimeFigureOut">
               <a:rPr lang="de-DE" smtClean="0"/>
-              <a:t>30.07.2025</a:t>
+              <a:t>05.08.2025</a:t>
             </a:fld>
             <a:endParaRPr lang="de-DE"/>
           </a:p>
@@ -5733,7 +5739,7 @@
           <a:p>
             <a:fld id="{3146589B-F63A-42CD-B487-02649808258F}" type="datetimeFigureOut">
               <a:rPr lang="de-DE" smtClean="0"/>
-              <a:t>30.07.2025</a:t>
+              <a:t>05.08.2025</a:t>
             </a:fld>
             <a:endParaRPr lang="de-DE"/>
           </a:p>
@@ -5976,7 +5982,7 @@
           <a:p>
             <a:fld id="{3146589B-F63A-42CD-B487-02649808258F}" type="datetimeFigureOut">
               <a:rPr lang="de-DE" smtClean="0"/>
-              <a:t>30.07.2025</a:t>
+              <a:t>05.08.2025</a:t>
             </a:fld>
             <a:endParaRPr lang="de-DE"/>
           </a:p>
@@ -6565,8 +6571,8 @@
           </a:p>
         </p:txBody>
       </p:sp>
-      <mc:AlternateContent xmlns:mc="http://schemas.openxmlformats.org/markup-compatibility/2006">
-        <mc:Choice xmlns:a14="http://schemas.microsoft.com/office/drawing/2010/main" Requires="a14">
+      <mc:AlternateContent xmlns:mc="http://schemas.openxmlformats.org/markup-compatibility/2006" xmlns:a14="http://schemas.microsoft.com/office/drawing/2010/main">
+        <mc:Choice Requires="a14">
           <p:sp>
             <p:nvSpPr>
               <p:cNvPr id="25" name="TextBox 24">
@@ -6595,6 +6601,7 @@
               </a:bodyPr>
               <a:lstStyle/>
               <a:p>
+                <a:pPr/>
                 <a14:m>
                   <m:oMathPara xmlns:m="http://schemas.openxmlformats.org/officeDocument/2006/math">
                     <m:oMathParaPr>
@@ -6621,7 +6628,7 @@
             </p:txBody>
           </p:sp>
         </mc:Choice>
-        <mc:Fallback>
+        <mc:Fallback xmlns="">
           <p:sp>
             <p:nvSpPr>
               <p:cNvPr id="25" name="TextBox 24">
@@ -6666,8 +6673,8 @@
           </p:sp>
         </mc:Fallback>
       </mc:AlternateContent>
-      <mc:AlternateContent xmlns:mc="http://schemas.openxmlformats.org/markup-compatibility/2006">
-        <mc:Choice xmlns:a14="http://schemas.microsoft.com/office/drawing/2010/main" Requires="a14">
+      <mc:AlternateContent xmlns:mc="http://schemas.openxmlformats.org/markup-compatibility/2006" xmlns:a14="http://schemas.microsoft.com/office/drawing/2010/main">
+        <mc:Choice Requires="a14">
           <p:sp>
             <p:nvSpPr>
               <p:cNvPr id="26" name="TextBox 25">
@@ -6696,6 +6703,7 @@
               </a:bodyPr>
               <a:lstStyle/>
               <a:p>
+                <a:pPr/>
                 <a14:m>
                   <m:oMathPara xmlns:m="http://schemas.openxmlformats.org/officeDocument/2006/math">
                     <m:oMathParaPr>
@@ -6716,7 +6724,7 @@
             </p:txBody>
           </p:sp>
         </mc:Choice>
-        <mc:Fallback>
+        <mc:Fallback xmlns="">
           <p:sp>
             <p:nvSpPr>
               <p:cNvPr id="26" name="TextBox 25">
@@ -6761,8 +6769,8 @@
           </p:sp>
         </mc:Fallback>
       </mc:AlternateContent>
-      <mc:AlternateContent xmlns:mc="http://schemas.openxmlformats.org/markup-compatibility/2006">
-        <mc:Choice xmlns:a14="http://schemas.microsoft.com/office/drawing/2010/main" Requires="a14">
+      <mc:AlternateContent xmlns:mc="http://schemas.openxmlformats.org/markup-compatibility/2006" xmlns:a14="http://schemas.microsoft.com/office/drawing/2010/main">
+        <mc:Choice Requires="a14">
           <p:sp>
             <p:nvSpPr>
               <p:cNvPr id="27" name="TextBox 26">
@@ -6810,7 +6818,7 @@
             </p:txBody>
           </p:sp>
         </mc:Choice>
-        <mc:Fallback>
+        <mc:Fallback xmlns="">
           <p:sp>
             <p:nvSpPr>
               <p:cNvPr id="27" name="TextBox 26">
@@ -6855,8 +6863,8 @@
           </p:sp>
         </mc:Fallback>
       </mc:AlternateContent>
-      <mc:AlternateContent xmlns:mc="http://schemas.openxmlformats.org/markup-compatibility/2006">
-        <mc:Choice xmlns:a14="http://schemas.microsoft.com/office/drawing/2010/main" Requires="a14">
+      <mc:AlternateContent xmlns:mc="http://schemas.openxmlformats.org/markup-compatibility/2006" xmlns:a14="http://schemas.microsoft.com/office/drawing/2010/main">
+        <mc:Choice Requires="a14">
           <p:sp>
             <p:nvSpPr>
               <p:cNvPr id="28" name="TextBox 27">
@@ -6910,7 +6918,7 @@
             </p:txBody>
           </p:sp>
         </mc:Choice>
-        <mc:Fallback>
+        <mc:Fallback xmlns="">
           <p:sp>
             <p:nvSpPr>
               <p:cNvPr id="28" name="TextBox 27">
@@ -7296,8 +7304,8 @@
           </a:p>
         </p:txBody>
       </p:sp>
-      <mc:AlternateContent xmlns:mc="http://schemas.openxmlformats.org/markup-compatibility/2006">
-        <mc:Choice xmlns:a14="http://schemas.microsoft.com/office/drawing/2010/main" Requires="a14">
+      <mc:AlternateContent xmlns:mc="http://schemas.openxmlformats.org/markup-compatibility/2006" xmlns:a14="http://schemas.microsoft.com/office/drawing/2010/main">
+        <mc:Choice Requires="a14">
           <p:sp>
             <p:nvSpPr>
               <p:cNvPr id="73" name="TextBox 72">
@@ -7326,6 +7334,7 @@
               </a:bodyPr>
               <a:lstStyle/>
               <a:p>
+                <a:pPr/>
                 <a14:m>
                   <m:oMathPara xmlns:m="http://schemas.openxmlformats.org/officeDocument/2006/math">
                     <m:oMathParaPr>
@@ -7352,7 +7361,7 @@
             </p:txBody>
           </p:sp>
         </mc:Choice>
-        <mc:Fallback>
+        <mc:Fallback xmlns="">
           <p:sp>
             <p:nvSpPr>
               <p:cNvPr id="73" name="TextBox 72">
@@ -7397,8 +7406,8 @@
           </p:sp>
         </mc:Fallback>
       </mc:AlternateContent>
-      <mc:AlternateContent xmlns:mc="http://schemas.openxmlformats.org/markup-compatibility/2006">
-        <mc:Choice xmlns:a14="http://schemas.microsoft.com/office/drawing/2010/main" Requires="a14">
+      <mc:AlternateContent xmlns:mc="http://schemas.openxmlformats.org/markup-compatibility/2006" xmlns:a14="http://schemas.microsoft.com/office/drawing/2010/main">
+        <mc:Choice Requires="a14">
           <p:sp>
             <p:nvSpPr>
               <p:cNvPr id="74" name="TextBox 73">
@@ -7427,6 +7436,7 @@
               </a:bodyPr>
               <a:lstStyle/>
               <a:p>
+                <a:pPr/>
                 <a14:m>
                   <m:oMathPara xmlns:m="http://schemas.openxmlformats.org/officeDocument/2006/math">
                     <m:oMathParaPr>
@@ -7447,7 +7457,7 @@
             </p:txBody>
           </p:sp>
         </mc:Choice>
-        <mc:Fallback>
+        <mc:Fallback xmlns="">
           <p:sp>
             <p:nvSpPr>
               <p:cNvPr id="74" name="TextBox 73">
@@ -7492,8 +7502,8 @@
           </p:sp>
         </mc:Fallback>
       </mc:AlternateContent>
-      <mc:AlternateContent xmlns:mc="http://schemas.openxmlformats.org/markup-compatibility/2006">
-        <mc:Choice xmlns:a14="http://schemas.microsoft.com/office/drawing/2010/main" Requires="a14">
+      <mc:AlternateContent xmlns:mc="http://schemas.openxmlformats.org/markup-compatibility/2006" xmlns:a14="http://schemas.microsoft.com/office/drawing/2010/main">
+        <mc:Choice Requires="a14">
           <p:sp>
             <p:nvSpPr>
               <p:cNvPr id="75" name="TextBox 74">
@@ -7541,7 +7551,7 @@
             </p:txBody>
           </p:sp>
         </mc:Choice>
-        <mc:Fallback>
+        <mc:Fallback xmlns="">
           <p:sp>
             <p:nvSpPr>
               <p:cNvPr id="75" name="TextBox 74">
@@ -7586,8 +7596,8 @@
           </p:sp>
         </mc:Fallback>
       </mc:AlternateContent>
-      <mc:AlternateContent xmlns:mc="http://schemas.openxmlformats.org/markup-compatibility/2006">
-        <mc:Choice xmlns:a14="http://schemas.microsoft.com/office/drawing/2010/main" Requires="a14">
+      <mc:AlternateContent xmlns:mc="http://schemas.openxmlformats.org/markup-compatibility/2006" xmlns:a14="http://schemas.microsoft.com/office/drawing/2010/main">
+        <mc:Choice Requires="a14">
           <p:sp>
             <p:nvSpPr>
               <p:cNvPr id="76" name="TextBox 75">
@@ -7641,7 +7651,7 @@
             </p:txBody>
           </p:sp>
         </mc:Choice>
-        <mc:Fallback>
+        <mc:Fallback xmlns="">
           <p:sp>
             <p:nvSpPr>
               <p:cNvPr id="76" name="TextBox 75">
@@ -7984,8 +7994,8 @@
           </a:fontRef>
         </p:style>
       </p:cxnSp>
-      <mc:AlternateContent xmlns:mc="http://schemas.openxmlformats.org/markup-compatibility/2006">
-        <mc:Choice xmlns:a14="http://schemas.microsoft.com/office/drawing/2010/main" Requires="a14">
+      <mc:AlternateContent xmlns:mc="http://schemas.openxmlformats.org/markup-compatibility/2006" xmlns:a14="http://schemas.microsoft.com/office/drawing/2010/main">
+        <mc:Choice Requires="a14">
           <p:sp>
             <p:nvSpPr>
               <p:cNvPr id="91" name="TextBox 90">
@@ -8020,6 +8030,7 @@
                 </a:r>
               </a:p>
               <a:p>
+                <a:pPr/>
                 <a14:m>
                   <m:oMathPara xmlns:m="http://schemas.openxmlformats.org/officeDocument/2006/math">
                     <m:oMathParaPr>
@@ -8052,7 +8063,7 @@
             </p:txBody>
           </p:sp>
         </mc:Choice>
-        <mc:Fallback>
+        <mc:Fallback xmlns="">
           <p:sp>
             <p:nvSpPr>
               <p:cNvPr id="91" name="TextBox 90">
@@ -8138,8 +8149,8 @@
           </a:fontRef>
         </p:style>
       </p:cxnSp>
-      <mc:AlternateContent xmlns:mc="http://schemas.openxmlformats.org/markup-compatibility/2006">
-        <mc:Choice xmlns:a14="http://schemas.microsoft.com/office/drawing/2010/main" Requires="a14">
+      <mc:AlternateContent xmlns:mc="http://schemas.openxmlformats.org/markup-compatibility/2006" xmlns:a14="http://schemas.microsoft.com/office/drawing/2010/main">
+        <mc:Choice Requires="a14">
           <p:sp>
             <p:nvSpPr>
               <p:cNvPr id="94" name="TextBox 93">
@@ -8174,6 +8185,7 @@
                 </a:r>
               </a:p>
               <a:p>
+                <a:pPr/>
                 <a14:m>
                   <m:oMathPara xmlns:m="http://schemas.openxmlformats.org/officeDocument/2006/math">
                     <m:oMathParaPr>
@@ -8212,7 +8224,7 @@
             </p:txBody>
           </p:sp>
         </mc:Choice>
-        <mc:Fallback>
+        <mc:Fallback xmlns="">
           <p:sp>
             <p:nvSpPr>
               <p:cNvPr id="94" name="TextBox 93">
@@ -8359,8 +8371,8 @@
           </a:prstGeom>
         </p:spPr>
       </p:pic>
-      <mc:AlternateContent xmlns:mc="http://schemas.openxmlformats.org/markup-compatibility/2006">
-        <mc:Choice xmlns:p14="http://schemas.microsoft.com/office/powerpoint/2010/main" Requires="p14">
+      <mc:AlternateContent xmlns:mc="http://schemas.openxmlformats.org/markup-compatibility/2006" xmlns:p14="http://schemas.microsoft.com/office/powerpoint/2010/main">
+        <mc:Choice Requires="p14">
           <p:contentPart p14:bwMode="auto" r:id="rId4">
             <p14:nvContentPartPr>
               <p14:cNvPr id="15" name="Ink 14">
@@ -8379,7 +8391,7 @@
             </p14:xfrm>
           </p:contentPart>
         </mc:Choice>
-        <mc:Fallback>
+        <mc:Fallback xmlns="">
           <p:pic>
             <p:nvPicPr>
               <p:cNvPr id="15" name="Ink 14">
@@ -8410,8 +8422,8 @@
           </p:pic>
         </mc:Fallback>
       </mc:AlternateContent>
-      <mc:AlternateContent xmlns:mc="http://schemas.openxmlformats.org/markup-compatibility/2006">
-        <mc:Choice xmlns:p14="http://schemas.microsoft.com/office/powerpoint/2010/main" Requires="p14">
+      <mc:AlternateContent xmlns:mc="http://schemas.openxmlformats.org/markup-compatibility/2006" xmlns:p14="http://schemas.microsoft.com/office/powerpoint/2010/main">
+        <mc:Choice Requires="p14">
           <p:contentPart p14:bwMode="auto" r:id="rId6">
             <p14:nvContentPartPr>
               <p14:cNvPr id="17" name="Ink 16">
@@ -8430,7 +8442,7 @@
             </p14:xfrm>
           </p:contentPart>
         </mc:Choice>
-        <mc:Fallback>
+        <mc:Fallback xmlns="">
           <p:pic>
             <p:nvPicPr>
               <p:cNvPr id="17" name="Ink 16">
@@ -8461,8 +8473,8 @@
           </p:pic>
         </mc:Fallback>
       </mc:AlternateContent>
-      <mc:AlternateContent xmlns:mc="http://schemas.openxmlformats.org/markup-compatibility/2006">
-        <mc:Choice xmlns:p14="http://schemas.microsoft.com/office/powerpoint/2010/main" Requires="p14">
+      <mc:AlternateContent xmlns:mc="http://schemas.openxmlformats.org/markup-compatibility/2006" xmlns:p14="http://schemas.microsoft.com/office/powerpoint/2010/main">
+        <mc:Choice Requires="p14">
           <p:contentPart p14:bwMode="auto" r:id="rId8">
             <p14:nvContentPartPr>
               <p14:cNvPr id="19" name="Ink 18">
@@ -8481,7 +8493,7 @@
             </p14:xfrm>
           </p:contentPart>
         </mc:Choice>
-        <mc:Fallback>
+        <mc:Fallback xmlns="">
           <p:pic>
             <p:nvPicPr>
               <p:cNvPr id="19" name="Ink 18">
@@ -8532,8 +8544,8 @@
             <a:chExt cx="2623320" cy="2167560"/>
           </a:xfrm>
         </p:grpSpPr>
-        <mc:AlternateContent xmlns:mc="http://schemas.openxmlformats.org/markup-compatibility/2006">
-          <mc:Choice xmlns:p14="http://schemas.microsoft.com/office/powerpoint/2010/main" Requires="p14">
+        <mc:AlternateContent xmlns:mc="http://schemas.openxmlformats.org/markup-compatibility/2006" xmlns:p14="http://schemas.microsoft.com/office/powerpoint/2010/main">
+          <mc:Choice Requires="p14">
             <p:contentPart p14:bwMode="auto" r:id="rId10">
               <p14:nvContentPartPr>
                 <p14:cNvPr id="9" name="Ink 8">
@@ -8552,7 +8564,7 @@
               </p14:xfrm>
             </p:contentPart>
           </mc:Choice>
-          <mc:Fallback>
+          <mc:Fallback xmlns="">
             <p:pic>
               <p:nvPicPr>
                 <p:cNvPr id="9" name="Ink 8">
@@ -8583,8 +8595,8 @@
             </p:pic>
           </mc:Fallback>
         </mc:AlternateContent>
-        <mc:AlternateContent xmlns:mc="http://schemas.openxmlformats.org/markup-compatibility/2006">
-          <mc:Choice xmlns:p14="http://schemas.microsoft.com/office/powerpoint/2010/main" Requires="p14">
+        <mc:AlternateContent xmlns:mc="http://schemas.openxmlformats.org/markup-compatibility/2006" xmlns:p14="http://schemas.microsoft.com/office/powerpoint/2010/main">
+          <mc:Choice Requires="p14">
             <p:contentPart p14:bwMode="auto" r:id="rId12">
               <p14:nvContentPartPr>
                 <p14:cNvPr id="10" name="Ink 9">
@@ -8603,7 +8615,7 @@
               </p14:xfrm>
             </p:contentPart>
           </mc:Choice>
-          <mc:Fallback>
+          <mc:Fallback xmlns="">
             <p:pic>
               <p:nvPicPr>
                 <p:cNvPr id="10" name="Ink 9">
@@ -8634,8 +8646,8 @@
             </p:pic>
           </mc:Fallback>
         </mc:AlternateContent>
-        <mc:AlternateContent xmlns:mc="http://schemas.openxmlformats.org/markup-compatibility/2006">
-          <mc:Choice xmlns:p14="http://schemas.microsoft.com/office/powerpoint/2010/main" Requires="p14">
+        <mc:AlternateContent xmlns:mc="http://schemas.openxmlformats.org/markup-compatibility/2006" xmlns:p14="http://schemas.microsoft.com/office/powerpoint/2010/main">
+          <mc:Choice Requires="p14">
             <p:contentPart p14:bwMode="auto" r:id="rId14">
               <p14:nvContentPartPr>
                 <p14:cNvPr id="11" name="Ink 10">
@@ -8654,7 +8666,7 @@
               </p14:xfrm>
             </p:contentPart>
           </mc:Choice>
-          <mc:Fallback>
+          <mc:Fallback xmlns="">
             <p:pic>
               <p:nvPicPr>
                 <p:cNvPr id="11" name="Ink 10">
@@ -8685,8 +8697,8 @@
             </p:pic>
           </mc:Fallback>
         </mc:AlternateContent>
-        <mc:AlternateContent xmlns:mc="http://schemas.openxmlformats.org/markup-compatibility/2006">
-          <mc:Choice xmlns:p14="http://schemas.microsoft.com/office/powerpoint/2010/main" Requires="p14">
+        <mc:AlternateContent xmlns:mc="http://schemas.openxmlformats.org/markup-compatibility/2006" xmlns:p14="http://schemas.microsoft.com/office/powerpoint/2010/main">
+          <mc:Choice Requires="p14">
             <p:contentPart p14:bwMode="auto" r:id="rId16">
               <p14:nvContentPartPr>
                 <p14:cNvPr id="12" name="Ink 11">
@@ -8705,7 +8717,7 @@
               </p14:xfrm>
             </p:contentPart>
           </mc:Choice>
-          <mc:Fallback>
+          <mc:Fallback xmlns="">
             <p:pic>
               <p:nvPicPr>
                 <p:cNvPr id="12" name="Ink 11">
@@ -8736,8 +8748,8 @@
             </p:pic>
           </mc:Fallback>
         </mc:AlternateContent>
-        <mc:AlternateContent xmlns:mc="http://schemas.openxmlformats.org/markup-compatibility/2006">
-          <mc:Choice xmlns:p14="http://schemas.microsoft.com/office/powerpoint/2010/main" Requires="p14">
+        <mc:AlternateContent xmlns:mc="http://schemas.openxmlformats.org/markup-compatibility/2006" xmlns:p14="http://schemas.microsoft.com/office/powerpoint/2010/main">
+          <mc:Choice Requires="p14">
             <p:contentPart p14:bwMode="auto" r:id="rId18">
               <p14:nvContentPartPr>
                 <p14:cNvPr id="13" name="Ink 12">
@@ -8756,7 +8768,7 @@
               </p14:xfrm>
             </p:contentPart>
           </mc:Choice>
-          <mc:Fallback>
+          <mc:Fallback xmlns="">
             <p:pic>
               <p:nvPicPr>
                 <p:cNvPr id="13" name="Ink 12">
@@ -8787,8 +8799,8 @@
             </p:pic>
           </mc:Fallback>
         </mc:AlternateContent>
-        <mc:AlternateContent xmlns:mc="http://schemas.openxmlformats.org/markup-compatibility/2006">
-          <mc:Choice xmlns:p14="http://schemas.microsoft.com/office/powerpoint/2010/main" Requires="p14">
+        <mc:AlternateContent xmlns:mc="http://schemas.openxmlformats.org/markup-compatibility/2006" xmlns:p14="http://schemas.microsoft.com/office/powerpoint/2010/main">
+          <mc:Choice Requires="p14">
             <p:contentPart p14:bwMode="auto" r:id="rId20">
               <p14:nvContentPartPr>
                 <p14:cNvPr id="21" name="Ink 20">
@@ -8807,7 +8819,7 @@
               </p14:xfrm>
             </p:contentPart>
           </mc:Choice>
-          <mc:Fallback>
+          <mc:Fallback xmlns="">
             <p:pic>
               <p:nvPicPr>
                 <p:cNvPr id="21" name="Ink 20">
@@ -8838,8 +8850,8 @@
             </p:pic>
           </mc:Fallback>
         </mc:AlternateContent>
-        <mc:AlternateContent xmlns:mc="http://schemas.openxmlformats.org/markup-compatibility/2006">
-          <mc:Choice xmlns:p14="http://schemas.microsoft.com/office/powerpoint/2010/main" Requires="p14">
+        <mc:AlternateContent xmlns:mc="http://schemas.openxmlformats.org/markup-compatibility/2006" xmlns:p14="http://schemas.microsoft.com/office/powerpoint/2010/main">
+          <mc:Choice Requires="p14">
             <p:contentPart p14:bwMode="auto" r:id="rId22">
               <p14:nvContentPartPr>
                 <p14:cNvPr id="22" name="Ink 21">
@@ -8858,7 +8870,7 @@
               </p14:xfrm>
             </p:contentPart>
           </mc:Choice>
-          <mc:Fallback>
+          <mc:Fallback xmlns="">
             <p:pic>
               <p:nvPicPr>
                 <p:cNvPr id="22" name="Ink 21">
@@ -8889,8 +8901,8 @@
             </p:pic>
           </mc:Fallback>
         </mc:AlternateContent>
-        <mc:AlternateContent xmlns:mc="http://schemas.openxmlformats.org/markup-compatibility/2006">
-          <mc:Choice xmlns:p14="http://schemas.microsoft.com/office/powerpoint/2010/main" Requires="p14">
+        <mc:AlternateContent xmlns:mc="http://schemas.openxmlformats.org/markup-compatibility/2006" xmlns:p14="http://schemas.microsoft.com/office/powerpoint/2010/main">
+          <mc:Choice Requires="p14">
             <p:contentPart p14:bwMode="auto" r:id="rId24">
               <p14:nvContentPartPr>
                 <p14:cNvPr id="23" name="Ink 22">
@@ -8909,7 +8921,7 @@
               </p14:xfrm>
             </p:contentPart>
           </mc:Choice>
-          <mc:Fallback>
+          <mc:Fallback xmlns="">
             <p:pic>
               <p:nvPicPr>
                 <p:cNvPr id="23" name="Ink 22">
@@ -8940,8 +8952,8 @@
             </p:pic>
           </mc:Fallback>
         </mc:AlternateContent>
-        <mc:AlternateContent xmlns:mc="http://schemas.openxmlformats.org/markup-compatibility/2006">
-          <mc:Choice xmlns:p14="http://schemas.microsoft.com/office/powerpoint/2010/main" Requires="p14">
+        <mc:AlternateContent xmlns:mc="http://schemas.openxmlformats.org/markup-compatibility/2006" xmlns:p14="http://schemas.microsoft.com/office/powerpoint/2010/main">
+          <mc:Choice Requires="p14">
             <p:contentPart p14:bwMode="auto" r:id="rId26">
               <p14:nvContentPartPr>
                 <p14:cNvPr id="25" name="Ink 24">
@@ -8960,7 +8972,7 @@
               </p14:xfrm>
             </p:contentPart>
           </mc:Choice>
-          <mc:Fallback>
+          <mc:Fallback xmlns="">
             <p:pic>
               <p:nvPicPr>
                 <p:cNvPr id="25" name="Ink 24">
@@ -8991,8 +9003,8 @@
             </p:pic>
           </mc:Fallback>
         </mc:AlternateContent>
-        <mc:AlternateContent xmlns:mc="http://schemas.openxmlformats.org/markup-compatibility/2006">
-          <mc:Choice xmlns:p14="http://schemas.microsoft.com/office/powerpoint/2010/main" Requires="p14">
+        <mc:AlternateContent xmlns:mc="http://schemas.openxmlformats.org/markup-compatibility/2006" xmlns:p14="http://schemas.microsoft.com/office/powerpoint/2010/main">
+          <mc:Choice Requires="p14">
             <p:contentPart p14:bwMode="auto" r:id="rId28">
               <p14:nvContentPartPr>
                 <p14:cNvPr id="26" name="Ink 25">
@@ -9011,7 +9023,7 @@
               </p14:xfrm>
             </p:contentPart>
           </mc:Choice>
-          <mc:Fallback>
+          <mc:Fallback xmlns="">
             <p:pic>
               <p:nvPicPr>
                 <p:cNvPr id="26" name="Ink 25">
@@ -9042,8 +9054,8 @@
             </p:pic>
           </mc:Fallback>
         </mc:AlternateContent>
-        <mc:AlternateContent xmlns:mc="http://schemas.openxmlformats.org/markup-compatibility/2006">
-          <mc:Choice xmlns:p14="http://schemas.microsoft.com/office/powerpoint/2010/main" Requires="p14">
+        <mc:AlternateContent xmlns:mc="http://schemas.openxmlformats.org/markup-compatibility/2006" xmlns:p14="http://schemas.microsoft.com/office/powerpoint/2010/main">
+          <mc:Choice Requires="p14">
             <p:contentPart p14:bwMode="auto" r:id="rId30">
               <p14:nvContentPartPr>
                 <p14:cNvPr id="27" name="Ink 26">
@@ -9062,7 +9074,7 @@
               </p14:xfrm>
             </p:contentPart>
           </mc:Choice>
-          <mc:Fallback>
+          <mc:Fallback xmlns="">
             <p:pic>
               <p:nvPicPr>
                 <p:cNvPr id="27" name="Ink 26">
@@ -9093,8 +9105,8 @@
             </p:pic>
           </mc:Fallback>
         </mc:AlternateContent>
-        <mc:AlternateContent xmlns:mc="http://schemas.openxmlformats.org/markup-compatibility/2006">
-          <mc:Choice xmlns:p14="http://schemas.microsoft.com/office/powerpoint/2010/main" Requires="p14">
+        <mc:AlternateContent xmlns:mc="http://schemas.openxmlformats.org/markup-compatibility/2006" xmlns:p14="http://schemas.microsoft.com/office/powerpoint/2010/main">
+          <mc:Choice Requires="p14">
             <p:contentPart p14:bwMode="auto" r:id="rId31">
               <p14:nvContentPartPr>
                 <p14:cNvPr id="28" name="Ink 27">
@@ -9113,7 +9125,7 @@
               </p14:xfrm>
             </p:contentPart>
           </mc:Choice>
-          <mc:Fallback>
+          <mc:Fallback xmlns="">
             <p:pic>
               <p:nvPicPr>
                 <p:cNvPr id="28" name="Ink 27">
@@ -9144,8 +9156,8 @@
             </p:pic>
           </mc:Fallback>
         </mc:AlternateContent>
-        <mc:AlternateContent xmlns:mc="http://schemas.openxmlformats.org/markup-compatibility/2006">
-          <mc:Choice xmlns:p14="http://schemas.microsoft.com/office/powerpoint/2010/main" Requires="p14">
+        <mc:AlternateContent xmlns:mc="http://schemas.openxmlformats.org/markup-compatibility/2006" xmlns:p14="http://schemas.microsoft.com/office/powerpoint/2010/main">
+          <mc:Choice Requires="p14">
             <p:contentPart p14:bwMode="auto" r:id="rId32">
               <p14:nvContentPartPr>
                 <p14:cNvPr id="29" name="Ink 28">
@@ -9164,7 +9176,7 @@
               </p14:xfrm>
             </p:contentPart>
           </mc:Choice>
-          <mc:Fallback>
+          <mc:Fallback xmlns="">
             <p:pic>
               <p:nvPicPr>
                 <p:cNvPr id="29" name="Ink 28">
@@ -9195,8 +9207,8 @@
             </p:pic>
           </mc:Fallback>
         </mc:AlternateContent>
-        <mc:AlternateContent xmlns:mc="http://schemas.openxmlformats.org/markup-compatibility/2006">
-          <mc:Choice xmlns:p14="http://schemas.microsoft.com/office/powerpoint/2010/main" Requires="p14">
+        <mc:AlternateContent xmlns:mc="http://schemas.openxmlformats.org/markup-compatibility/2006" xmlns:p14="http://schemas.microsoft.com/office/powerpoint/2010/main">
+          <mc:Choice Requires="p14">
             <p:contentPart p14:bwMode="auto" r:id="rId34">
               <p14:nvContentPartPr>
                 <p14:cNvPr id="30" name="Ink 29">
@@ -9215,7 +9227,7 @@
               </p14:xfrm>
             </p:contentPart>
           </mc:Choice>
-          <mc:Fallback>
+          <mc:Fallback xmlns="">
             <p:pic>
               <p:nvPicPr>
                 <p:cNvPr id="30" name="Ink 29">
@@ -9246,8 +9258,8 @@
             </p:pic>
           </mc:Fallback>
         </mc:AlternateContent>
-        <mc:AlternateContent xmlns:mc="http://schemas.openxmlformats.org/markup-compatibility/2006">
-          <mc:Choice xmlns:p14="http://schemas.microsoft.com/office/powerpoint/2010/main" Requires="p14">
+        <mc:AlternateContent xmlns:mc="http://schemas.openxmlformats.org/markup-compatibility/2006" xmlns:p14="http://schemas.microsoft.com/office/powerpoint/2010/main">
+          <mc:Choice Requires="p14">
             <p:contentPart p14:bwMode="auto" r:id="rId36">
               <p14:nvContentPartPr>
                 <p14:cNvPr id="31" name="Ink 30">
@@ -9266,7 +9278,7 @@
               </p14:xfrm>
             </p:contentPart>
           </mc:Choice>
-          <mc:Fallback>
+          <mc:Fallback xmlns="">
             <p:pic>
               <p:nvPicPr>
                 <p:cNvPr id="31" name="Ink 30">
@@ -9297,8 +9309,8 @@
             </p:pic>
           </mc:Fallback>
         </mc:AlternateContent>
-        <mc:AlternateContent xmlns:mc="http://schemas.openxmlformats.org/markup-compatibility/2006">
-          <mc:Choice xmlns:p14="http://schemas.microsoft.com/office/powerpoint/2010/main" Requires="p14">
+        <mc:AlternateContent xmlns:mc="http://schemas.openxmlformats.org/markup-compatibility/2006" xmlns:p14="http://schemas.microsoft.com/office/powerpoint/2010/main">
+          <mc:Choice Requires="p14">
             <p:contentPart p14:bwMode="auto" r:id="rId37">
               <p14:nvContentPartPr>
                 <p14:cNvPr id="32" name="Ink 31">
@@ -9317,7 +9329,7 @@
               </p14:xfrm>
             </p:contentPart>
           </mc:Choice>
-          <mc:Fallback>
+          <mc:Fallback xmlns="">
             <p:pic>
               <p:nvPicPr>
                 <p:cNvPr id="32" name="Ink 31">
@@ -9348,8 +9360,8 @@
             </p:pic>
           </mc:Fallback>
         </mc:AlternateContent>
-        <mc:AlternateContent xmlns:mc="http://schemas.openxmlformats.org/markup-compatibility/2006">
-          <mc:Choice xmlns:p14="http://schemas.microsoft.com/office/powerpoint/2010/main" Requires="p14">
+        <mc:AlternateContent xmlns:mc="http://schemas.openxmlformats.org/markup-compatibility/2006" xmlns:p14="http://schemas.microsoft.com/office/powerpoint/2010/main">
+          <mc:Choice Requires="p14">
             <p:contentPart p14:bwMode="auto" r:id="rId38">
               <p14:nvContentPartPr>
                 <p14:cNvPr id="33" name="Ink 32">
@@ -9368,7 +9380,7 @@
               </p14:xfrm>
             </p:contentPart>
           </mc:Choice>
-          <mc:Fallback>
+          <mc:Fallback xmlns="">
             <p:pic>
               <p:nvPicPr>
                 <p:cNvPr id="33" name="Ink 32">
@@ -9399,8 +9411,8 @@
             </p:pic>
           </mc:Fallback>
         </mc:AlternateContent>
-        <mc:AlternateContent xmlns:mc="http://schemas.openxmlformats.org/markup-compatibility/2006">
-          <mc:Choice xmlns:p14="http://schemas.microsoft.com/office/powerpoint/2010/main" Requires="p14">
+        <mc:AlternateContent xmlns:mc="http://schemas.openxmlformats.org/markup-compatibility/2006" xmlns:p14="http://schemas.microsoft.com/office/powerpoint/2010/main">
+          <mc:Choice Requires="p14">
             <p:contentPart p14:bwMode="auto" r:id="rId39">
               <p14:nvContentPartPr>
                 <p14:cNvPr id="34" name="Ink 33">
@@ -9419,7 +9431,7 @@
               </p14:xfrm>
             </p:contentPart>
           </mc:Choice>
-          <mc:Fallback>
+          <mc:Fallback xmlns="">
             <p:pic>
               <p:nvPicPr>
                 <p:cNvPr id="34" name="Ink 33">
@@ -9450,8 +9462,8 @@
             </p:pic>
           </mc:Fallback>
         </mc:AlternateContent>
-        <mc:AlternateContent xmlns:mc="http://schemas.openxmlformats.org/markup-compatibility/2006">
-          <mc:Choice xmlns:p14="http://schemas.microsoft.com/office/powerpoint/2010/main" Requires="p14">
+        <mc:AlternateContent xmlns:mc="http://schemas.openxmlformats.org/markup-compatibility/2006" xmlns:p14="http://schemas.microsoft.com/office/powerpoint/2010/main">
+          <mc:Choice Requires="p14">
             <p:contentPart p14:bwMode="auto" r:id="rId40">
               <p14:nvContentPartPr>
                 <p14:cNvPr id="35" name="Ink 34">
@@ -9470,7 +9482,7 @@
               </p14:xfrm>
             </p:contentPart>
           </mc:Choice>
-          <mc:Fallback>
+          <mc:Fallback xmlns="">
             <p:pic>
               <p:nvPicPr>
                 <p:cNvPr id="35" name="Ink 34">
@@ -9501,8 +9513,8 @@
             </p:pic>
           </mc:Fallback>
         </mc:AlternateContent>
-        <mc:AlternateContent xmlns:mc="http://schemas.openxmlformats.org/markup-compatibility/2006">
-          <mc:Choice xmlns:p14="http://schemas.microsoft.com/office/powerpoint/2010/main" Requires="p14">
+        <mc:AlternateContent xmlns:mc="http://schemas.openxmlformats.org/markup-compatibility/2006" xmlns:p14="http://schemas.microsoft.com/office/powerpoint/2010/main">
+          <mc:Choice Requires="p14">
             <p:contentPart p14:bwMode="auto" r:id="rId41">
               <p14:nvContentPartPr>
                 <p14:cNvPr id="36" name="Ink 35">
@@ -9521,7 +9533,7 @@
               </p14:xfrm>
             </p:contentPart>
           </mc:Choice>
-          <mc:Fallback>
+          <mc:Fallback xmlns="">
             <p:pic>
               <p:nvPicPr>
                 <p:cNvPr id="36" name="Ink 35">
@@ -9552,8 +9564,8 @@
             </p:pic>
           </mc:Fallback>
         </mc:AlternateContent>
-        <mc:AlternateContent xmlns:mc="http://schemas.openxmlformats.org/markup-compatibility/2006">
-          <mc:Choice xmlns:p14="http://schemas.microsoft.com/office/powerpoint/2010/main" Requires="p14">
+        <mc:AlternateContent xmlns:mc="http://schemas.openxmlformats.org/markup-compatibility/2006" xmlns:p14="http://schemas.microsoft.com/office/powerpoint/2010/main">
+          <mc:Choice Requires="p14">
             <p:contentPart p14:bwMode="auto" r:id="rId42">
               <p14:nvContentPartPr>
                 <p14:cNvPr id="37" name="Ink 36">
@@ -9572,7 +9584,7 @@
               </p14:xfrm>
             </p:contentPart>
           </mc:Choice>
-          <mc:Fallback>
+          <mc:Fallback xmlns="">
             <p:pic>
               <p:nvPicPr>
                 <p:cNvPr id="37" name="Ink 36">
@@ -9603,8 +9615,8 @@
             </p:pic>
           </mc:Fallback>
         </mc:AlternateContent>
-        <mc:AlternateContent xmlns:mc="http://schemas.openxmlformats.org/markup-compatibility/2006">
-          <mc:Choice xmlns:p14="http://schemas.microsoft.com/office/powerpoint/2010/main" Requires="p14">
+        <mc:AlternateContent xmlns:mc="http://schemas.openxmlformats.org/markup-compatibility/2006" xmlns:p14="http://schemas.microsoft.com/office/powerpoint/2010/main">
+          <mc:Choice Requires="p14">
             <p:contentPart p14:bwMode="auto" r:id="rId43">
               <p14:nvContentPartPr>
                 <p14:cNvPr id="38" name="Ink 37">
@@ -9623,7 +9635,7 @@
               </p14:xfrm>
             </p:contentPart>
           </mc:Choice>
-          <mc:Fallback>
+          <mc:Fallback xmlns="">
             <p:pic>
               <p:nvPicPr>
                 <p:cNvPr id="38" name="Ink 37">
@@ -9654,8 +9666,8 @@
             </p:pic>
           </mc:Fallback>
         </mc:AlternateContent>
-        <mc:AlternateContent xmlns:mc="http://schemas.openxmlformats.org/markup-compatibility/2006">
-          <mc:Choice xmlns:p14="http://schemas.microsoft.com/office/powerpoint/2010/main" Requires="p14">
+        <mc:AlternateContent xmlns:mc="http://schemas.openxmlformats.org/markup-compatibility/2006" xmlns:p14="http://schemas.microsoft.com/office/powerpoint/2010/main">
+          <mc:Choice Requires="p14">
             <p:contentPart p14:bwMode="auto" r:id="rId44">
               <p14:nvContentPartPr>
                 <p14:cNvPr id="40" name="Ink 39">
@@ -9674,7 +9686,7 @@
               </p14:xfrm>
             </p:contentPart>
           </mc:Choice>
-          <mc:Fallback>
+          <mc:Fallback xmlns="">
             <p:pic>
               <p:nvPicPr>
                 <p:cNvPr id="40" name="Ink 39">
@@ -9705,8 +9717,8 @@
             </p:pic>
           </mc:Fallback>
         </mc:AlternateContent>
-        <mc:AlternateContent xmlns:mc="http://schemas.openxmlformats.org/markup-compatibility/2006">
-          <mc:Choice xmlns:p14="http://schemas.microsoft.com/office/powerpoint/2010/main" Requires="p14">
+        <mc:AlternateContent xmlns:mc="http://schemas.openxmlformats.org/markup-compatibility/2006" xmlns:p14="http://schemas.microsoft.com/office/powerpoint/2010/main">
+          <mc:Choice Requires="p14">
             <p:contentPart p14:bwMode="auto" r:id="rId45">
               <p14:nvContentPartPr>
                 <p14:cNvPr id="41" name="Ink 40">
@@ -9725,7 +9737,7 @@
               </p14:xfrm>
             </p:contentPart>
           </mc:Choice>
-          <mc:Fallback>
+          <mc:Fallback xmlns="">
             <p:pic>
               <p:nvPicPr>
                 <p:cNvPr id="41" name="Ink 40">
@@ -9756,8 +9768,8 @@
             </p:pic>
           </mc:Fallback>
         </mc:AlternateContent>
-        <mc:AlternateContent xmlns:mc="http://schemas.openxmlformats.org/markup-compatibility/2006">
-          <mc:Choice xmlns:p14="http://schemas.microsoft.com/office/powerpoint/2010/main" Requires="p14">
+        <mc:AlternateContent xmlns:mc="http://schemas.openxmlformats.org/markup-compatibility/2006" xmlns:p14="http://schemas.microsoft.com/office/powerpoint/2010/main">
+          <mc:Choice Requires="p14">
             <p:contentPart p14:bwMode="auto" r:id="rId46">
               <p14:nvContentPartPr>
                 <p14:cNvPr id="42" name="Ink 41">
@@ -9776,7 +9788,7 @@
               </p14:xfrm>
             </p:contentPart>
           </mc:Choice>
-          <mc:Fallback>
+          <mc:Fallback xmlns="">
             <p:pic>
               <p:nvPicPr>
                 <p:cNvPr id="42" name="Ink 41">
@@ -9807,8 +9819,8 @@
             </p:pic>
           </mc:Fallback>
         </mc:AlternateContent>
-        <mc:AlternateContent xmlns:mc="http://schemas.openxmlformats.org/markup-compatibility/2006">
-          <mc:Choice xmlns:p14="http://schemas.microsoft.com/office/powerpoint/2010/main" Requires="p14">
+        <mc:AlternateContent xmlns:mc="http://schemas.openxmlformats.org/markup-compatibility/2006" xmlns:p14="http://schemas.microsoft.com/office/powerpoint/2010/main">
+          <mc:Choice Requires="p14">
             <p:contentPart p14:bwMode="auto" r:id="rId47">
               <p14:nvContentPartPr>
                 <p14:cNvPr id="44" name="Ink 43">
@@ -9827,7 +9839,7 @@
               </p14:xfrm>
             </p:contentPart>
           </mc:Choice>
-          <mc:Fallback>
+          <mc:Fallback xmlns="">
             <p:pic>
               <p:nvPicPr>
                 <p:cNvPr id="44" name="Ink 43">
@@ -9858,8 +9870,8 @@
             </p:pic>
           </mc:Fallback>
         </mc:AlternateContent>
-        <mc:AlternateContent xmlns:mc="http://schemas.openxmlformats.org/markup-compatibility/2006">
-          <mc:Choice xmlns:p14="http://schemas.microsoft.com/office/powerpoint/2010/main" Requires="p14">
+        <mc:AlternateContent xmlns:mc="http://schemas.openxmlformats.org/markup-compatibility/2006" xmlns:p14="http://schemas.microsoft.com/office/powerpoint/2010/main">
+          <mc:Choice Requires="p14">
             <p:contentPart p14:bwMode="auto" r:id="rId49">
               <p14:nvContentPartPr>
                 <p14:cNvPr id="46" name="Ink 45">
@@ -9878,7 +9890,7 @@
               </p14:xfrm>
             </p:contentPart>
           </mc:Choice>
-          <mc:Fallback>
+          <mc:Fallback xmlns="">
             <p:pic>
               <p:nvPicPr>
                 <p:cNvPr id="46" name="Ink 45">
@@ -9909,8 +9921,8 @@
             </p:pic>
           </mc:Fallback>
         </mc:AlternateContent>
-        <mc:AlternateContent xmlns:mc="http://schemas.openxmlformats.org/markup-compatibility/2006">
-          <mc:Choice xmlns:p14="http://schemas.microsoft.com/office/powerpoint/2010/main" Requires="p14">
+        <mc:AlternateContent xmlns:mc="http://schemas.openxmlformats.org/markup-compatibility/2006" xmlns:p14="http://schemas.microsoft.com/office/powerpoint/2010/main">
+          <mc:Choice Requires="p14">
             <p:contentPart p14:bwMode="auto" r:id="rId51">
               <p14:nvContentPartPr>
                 <p14:cNvPr id="47" name="Ink 46">
@@ -9929,7 +9941,7 @@
               </p14:xfrm>
             </p:contentPart>
           </mc:Choice>
-          <mc:Fallback>
+          <mc:Fallback xmlns="">
             <p:pic>
               <p:nvPicPr>
                 <p:cNvPr id="47" name="Ink 46">
@@ -9960,8 +9972,8 @@
             </p:pic>
           </mc:Fallback>
         </mc:AlternateContent>
-        <mc:AlternateContent xmlns:mc="http://schemas.openxmlformats.org/markup-compatibility/2006">
-          <mc:Choice xmlns:p14="http://schemas.microsoft.com/office/powerpoint/2010/main" Requires="p14">
+        <mc:AlternateContent xmlns:mc="http://schemas.openxmlformats.org/markup-compatibility/2006" xmlns:p14="http://schemas.microsoft.com/office/powerpoint/2010/main">
+          <mc:Choice Requires="p14">
             <p:contentPart p14:bwMode="auto" r:id="rId53">
               <p14:nvContentPartPr>
                 <p14:cNvPr id="48" name="Ink 47">
@@ -9980,7 +9992,7 @@
               </p14:xfrm>
             </p:contentPart>
           </mc:Choice>
-          <mc:Fallback>
+          <mc:Fallback xmlns="">
             <p:pic>
               <p:nvPicPr>
                 <p:cNvPr id="48" name="Ink 47">
@@ -10011,8 +10023,8 @@
             </p:pic>
           </mc:Fallback>
         </mc:AlternateContent>
-        <mc:AlternateContent xmlns:mc="http://schemas.openxmlformats.org/markup-compatibility/2006">
-          <mc:Choice xmlns:p14="http://schemas.microsoft.com/office/powerpoint/2010/main" Requires="p14">
+        <mc:AlternateContent xmlns:mc="http://schemas.openxmlformats.org/markup-compatibility/2006" xmlns:p14="http://schemas.microsoft.com/office/powerpoint/2010/main">
+          <mc:Choice Requires="p14">
             <p:contentPart p14:bwMode="auto" r:id="rId55">
               <p14:nvContentPartPr>
                 <p14:cNvPr id="49" name="Ink 48">
@@ -10031,7 +10043,7 @@
               </p14:xfrm>
             </p:contentPart>
           </mc:Choice>
-          <mc:Fallback>
+          <mc:Fallback xmlns="">
             <p:pic>
               <p:nvPicPr>
                 <p:cNvPr id="49" name="Ink 48">
@@ -10062,8 +10074,8 @@
             </p:pic>
           </mc:Fallback>
         </mc:AlternateContent>
-        <mc:AlternateContent xmlns:mc="http://schemas.openxmlformats.org/markup-compatibility/2006">
-          <mc:Choice xmlns:p14="http://schemas.microsoft.com/office/powerpoint/2010/main" Requires="p14">
+        <mc:AlternateContent xmlns:mc="http://schemas.openxmlformats.org/markup-compatibility/2006" xmlns:p14="http://schemas.microsoft.com/office/powerpoint/2010/main">
+          <mc:Choice Requires="p14">
             <p:contentPart p14:bwMode="auto" r:id="rId57">
               <p14:nvContentPartPr>
                 <p14:cNvPr id="51" name="Ink 50">
@@ -10082,7 +10094,7 @@
               </p14:xfrm>
             </p:contentPart>
           </mc:Choice>
-          <mc:Fallback>
+          <mc:Fallback xmlns="">
             <p:pic>
               <p:nvPicPr>
                 <p:cNvPr id="51" name="Ink 50">
@@ -10113,8 +10125,8 @@
             </p:pic>
           </mc:Fallback>
         </mc:AlternateContent>
-        <mc:AlternateContent xmlns:mc="http://schemas.openxmlformats.org/markup-compatibility/2006">
-          <mc:Choice xmlns:p14="http://schemas.microsoft.com/office/powerpoint/2010/main" Requires="p14">
+        <mc:AlternateContent xmlns:mc="http://schemas.openxmlformats.org/markup-compatibility/2006" xmlns:p14="http://schemas.microsoft.com/office/powerpoint/2010/main">
+          <mc:Choice Requires="p14">
             <p:contentPart p14:bwMode="auto" r:id="rId58">
               <p14:nvContentPartPr>
                 <p14:cNvPr id="52" name="Ink 51">
@@ -10133,7 +10145,7 @@
               </p14:xfrm>
             </p:contentPart>
           </mc:Choice>
-          <mc:Fallback>
+          <mc:Fallback xmlns="">
             <p:pic>
               <p:nvPicPr>
                 <p:cNvPr id="52" name="Ink 51">
@@ -10165,8 +10177,8 @@
           </mc:Fallback>
         </mc:AlternateContent>
       </p:grpSp>
-      <mc:AlternateContent xmlns:mc="http://schemas.openxmlformats.org/markup-compatibility/2006">
-        <mc:Choice xmlns:p14="http://schemas.microsoft.com/office/powerpoint/2010/main" Requires="p14">
+      <mc:AlternateContent xmlns:mc="http://schemas.openxmlformats.org/markup-compatibility/2006" xmlns:p14="http://schemas.microsoft.com/office/powerpoint/2010/main">
+        <mc:Choice Requires="p14">
           <p:contentPart p14:bwMode="auto" r:id="rId60">
             <p14:nvContentPartPr>
               <p14:cNvPr id="108" name="Ink 107">
@@ -10185,7 +10197,7 @@
             </p14:xfrm>
           </p:contentPart>
         </mc:Choice>
-        <mc:Fallback>
+        <mc:Fallback xmlns="">
           <p:pic>
             <p:nvPicPr>
               <p:cNvPr id="108" name="Ink 107">
@@ -10236,8 +10248,8 @@
             <a:chExt cx="2595600" cy="2307600"/>
           </a:xfrm>
         </p:grpSpPr>
-        <mc:AlternateContent xmlns:mc="http://schemas.openxmlformats.org/markup-compatibility/2006">
-          <mc:Choice xmlns:p14="http://schemas.microsoft.com/office/powerpoint/2010/main" Requires="p14">
+        <mc:AlternateContent xmlns:mc="http://schemas.openxmlformats.org/markup-compatibility/2006" xmlns:p14="http://schemas.microsoft.com/office/powerpoint/2010/main">
+          <mc:Choice Requires="p14">
             <p:contentPart p14:bwMode="auto" r:id="rId62">
               <p14:nvContentPartPr>
                 <p14:cNvPr id="54" name="Ink 53">
@@ -10256,7 +10268,7 @@
               </p14:xfrm>
             </p:contentPart>
           </mc:Choice>
-          <mc:Fallback>
+          <mc:Fallback xmlns="">
             <p:pic>
               <p:nvPicPr>
                 <p:cNvPr id="54" name="Ink 53">
@@ -10287,8 +10299,8 @@
             </p:pic>
           </mc:Fallback>
         </mc:AlternateContent>
-        <mc:AlternateContent xmlns:mc="http://schemas.openxmlformats.org/markup-compatibility/2006">
-          <mc:Choice xmlns:p14="http://schemas.microsoft.com/office/powerpoint/2010/main" Requires="p14">
+        <mc:AlternateContent xmlns:mc="http://schemas.openxmlformats.org/markup-compatibility/2006" xmlns:p14="http://schemas.microsoft.com/office/powerpoint/2010/main">
+          <mc:Choice Requires="p14">
             <p:contentPart p14:bwMode="auto" r:id="rId64">
               <p14:nvContentPartPr>
                 <p14:cNvPr id="55" name="Ink 54">
@@ -10307,7 +10319,7 @@
               </p14:xfrm>
             </p:contentPart>
           </mc:Choice>
-          <mc:Fallback>
+          <mc:Fallback xmlns="">
             <p:pic>
               <p:nvPicPr>
                 <p:cNvPr id="55" name="Ink 54">
@@ -10338,8 +10350,8 @@
             </p:pic>
           </mc:Fallback>
         </mc:AlternateContent>
-        <mc:AlternateContent xmlns:mc="http://schemas.openxmlformats.org/markup-compatibility/2006">
-          <mc:Choice xmlns:p14="http://schemas.microsoft.com/office/powerpoint/2010/main" Requires="p14">
+        <mc:AlternateContent xmlns:mc="http://schemas.openxmlformats.org/markup-compatibility/2006" xmlns:p14="http://schemas.microsoft.com/office/powerpoint/2010/main">
+          <mc:Choice Requires="p14">
             <p:contentPart p14:bwMode="auto" r:id="rId66">
               <p14:nvContentPartPr>
                 <p14:cNvPr id="56" name="Ink 55">
@@ -10358,7 +10370,7 @@
               </p14:xfrm>
             </p:contentPart>
           </mc:Choice>
-          <mc:Fallback>
+          <mc:Fallback xmlns="">
             <p:pic>
               <p:nvPicPr>
                 <p:cNvPr id="56" name="Ink 55">
@@ -10389,8 +10401,8 @@
             </p:pic>
           </mc:Fallback>
         </mc:AlternateContent>
-        <mc:AlternateContent xmlns:mc="http://schemas.openxmlformats.org/markup-compatibility/2006">
-          <mc:Choice xmlns:p14="http://schemas.microsoft.com/office/powerpoint/2010/main" Requires="p14">
+        <mc:AlternateContent xmlns:mc="http://schemas.openxmlformats.org/markup-compatibility/2006" xmlns:p14="http://schemas.microsoft.com/office/powerpoint/2010/main">
+          <mc:Choice Requires="p14">
             <p:contentPart p14:bwMode="auto" r:id="rId68">
               <p14:nvContentPartPr>
                 <p14:cNvPr id="57" name="Ink 56">
@@ -10409,7 +10421,7 @@
               </p14:xfrm>
             </p:contentPart>
           </mc:Choice>
-          <mc:Fallback>
+          <mc:Fallback xmlns="">
             <p:pic>
               <p:nvPicPr>
                 <p:cNvPr id="57" name="Ink 56">
@@ -10440,8 +10452,8 @@
             </p:pic>
           </mc:Fallback>
         </mc:AlternateContent>
-        <mc:AlternateContent xmlns:mc="http://schemas.openxmlformats.org/markup-compatibility/2006">
-          <mc:Choice xmlns:p14="http://schemas.microsoft.com/office/powerpoint/2010/main" Requires="p14">
+        <mc:AlternateContent xmlns:mc="http://schemas.openxmlformats.org/markup-compatibility/2006" xmlns:p14="http://schemas.microsoft.com/office/powerpoint/2010/main">
+          <mc:Choice Requires="p14">
             <p:contentPart p14:bwMode="auto" r:id="rId70">
               <p14:nvContentPartPr>
                 <p14:cNvPr id="58" name="Ink 57">
@@ -10460,7 +10472,7 @@
               </p14:xfrm>
             </p:contentPart>
           </mc:Choice>
-          <mc:Fallback>
+          <mc:Fallback xmlns="">
             <p:pic>
               <p:nvPicPr>
                 <p:cNvPr id="58" name="Ink 57">
@@ -10491,8 +10503,8 @@
             </p:pic>
           </mc:Fallback>
         </mc:AlternateContent>
-        <mc:AlternateContent xmlns:mc="http://schemas.openxmlformats.org/markup-compatibility/2006">
-          <mc:Choice xmlns:p14="http://schemas.microsoft.com/office/powerpoint/2010/main" Requires="p14">
+        <mc:AlternateContent xmlns:mc="http://schemas.openxmlformats.org/markup-compatibility/2006" xmlns:p14="http://schemas.microsoft.com/office/powerpoint/2010/main">
+          <mc:Choice Requires="p14">
             <p:contentPart p14:bwMode="auto" r:id="rId71">
               <p14:nvContentPartPr>
                 <p14:cNvPr id="59" name="Ink 58">
@@ -10511,7 +10523,7 @@
               </p14:xfrm>
             </p:contentPart>
           </mc:Choice>
-          <mc:Fallback>
+          <mc:Fallback xmlns="">
             <p:pic>
               <p:nvPicPr>
                 <p:cNvPr id="59" name="Ink 58">
@@ -10542,8 +10554,8 @@
             </p:pic>
           </mc:Fallback>
         </mc:AlternateContent>
-        <mc:AlternateContent xmlns:mc="http://schemas.openxmlformats.org/markup-compatibility/2006">
-          <mc:Choice xmlns:p14="http://schemas.microsoft.com/office/powerpoint/2010/main" Requires="p14">
+        <mc:AlternateContent xmlns:mc="http://schemas.openxmlformats.org/markup-compatibility/2006" xmlns:p14="http://schemas.microsoft.com/office/powerpoint/2010/main">
+          <mc:Choice Requires="p14">
             <p:contentPart p14:bwMode="auto" r:id="rId72">
               <p14:nvContentPartPr>
                 <p14:cNvPr id="60" name="Ink 59">
@@ -10562,7 +10574,7 @@
               </p14:xfrm>
             </p:contentPart>
           </mc:Choice>
-          <mc:Fallback>
+          <mc:Fallback xmlns="">
             <p:pic>
               <p:nvPicPr>
                 <p:cNvPr id="60" name="Ink 59">
@@ -10593,8 +10605,8 @@
             </p:pic>
           </mc:Fallback>
         </mc:AlternateContent>
-        <mc:AlternateContent xmlns:mc="http://schemas.openxmlformats.org/markup-compatibility/2006">
-          <mc:Choice xmlns:p14="http://schemas.microsoft.com/office/powerpoint/2010/main" Requires="p14">
+        <mc:AlternateContent xmlns:mc="http://schemas.openxmlformats.org/markup-compatibility/2006" xmlns:p14="http://schemas.microsoft.com/office/powerpoint/2010/main">
+          <mc:Choice Requires="p14">
             <p:contentPart p14:bwMode="auto" r:id="rId74">
               <p14:nvContentPartPr>
                 <p14:cNvPr id="61" name="Ink 60">
@@ -10613,7 +10625,7 @@
               </p14:xfrm>
             </p:contentPart>
           </mc:Choice>
-          <mc:Fallback>
+          <mc:Fallback xmlns="">
             <p:pic>
               <p:nvPicPr>
                 <p:cNvPr id="61" name="Ink 60">
@@ -10644,8 +10656,8 @@
             </p:pic>
           </mc:Fallback>
         </mc:AlternateContent>
-        <mc:AlternateContent xmlns:mc="http://schemas.openxmlformats.org/markup-compatibility/2006">
-          <mc:Choice xmlns:p14="http://schemas.microsoft.com/office/powerpoint/2010/main" Requires="p14">
+        <mc:AlternateContent xmlns:mc="http://schemas.openxmlformats.org/markup-compatibility/2006" xmlns:p14="http://schemas.microsoft.com/office/powerpoint/2010/main">
+          <mc:Choice Requires="p14">
             <p:contentPart p14:bwMode="auto" r:id="rId76">
               <p14:nvContentPartPr>
                 <p14:cNvPr id="62" name="Ink 61">
@@ -10664,7 +10676,7 @@
               </p14:xfrm>
             </p:contentPart>
           </mc:Choice>
-          <mc:Fallback>
+          <mc:Fallback xmlns="">
             <p:pic>
               <p:nvPicPr>
                 <p:cNvPr id="62" name="Ink 61">
@@ -10695,8 +10707,8 @@
             </p:pic>
           </mc:Fallback>
         </mc:AlternateContent>
-        <mc:AlternateContent xmlns:mc="http://schemas.openxmlformats.org/markup-compatibility/2006">
-          <mc:Choice xmlns:p14="http://schemas.microsoft.com/office/powerpoint/2010/main" Requires="p14">
+        <mc:AlternateContent xmlns:mc="http://schemas.openxmlformats.org/markup-compatibility/2006" xmlns:p14="http://schemas.microsoft.com/office/powerpoint/2010/main">
+          <mc:Choice Requires="p14">
             <p:contentPart p14:bwMode="auto" r:id="rId77">
               <p14:nvContentPartPr>
                 <p14:cNvPr id="64" name="Ink 63">
@@ -10715,7 +10727,7 @@
               </p14:xfrm>
             </p:contentPart>
           </mc:Choice>
-          <mc:Fallback>
+          <mc:Fallback xmlns="">
             <p:pic>
               <p:nvPicPr>
                 <p:cNvPr id="64" name="Ink 63">
@@ -10746,8 +10758,8 @@
             </p:pic>
           </mc:Fallback>
         </mc:AlternateContent>
-        <mc:AlternateContent xmlns:mc="http://schemas.openxmlformats.org/markup-compatibility/2006">
-          <mc:Choice xmlns:p14="http://schemas.microsoft.com/office/powerpoint/2010/main" Requires="p14">
+        <mc:AlternateContent xmlns:mc="http://schemas.openxmlformats.org/markup-compatibility/2006" xmlns:p14="http://schemas.microsoft.com/office/powerpoint/2010/main">
+          <mc:Choice Requires="p14">
             <p:contentPart p14:bwMode="auto" r:id="rId78">
               <p14:nvContentPartPr>
                 <p14:cNvPr id="65" name="Ink 64">
@@ -10766,7 +10778,7 @@
               </p14:xfrm>
             </p:contentPart>
           </mc:Choice>
-          <mc:Fallback>
+          <mc:Fallback xmlns="">
             <p:pic>
               <p:nvPicPr>
                 <p:cNvPr id="65" name="Ink 64">
@@ -10797,8 +10809,8 @@
             </p:pic>
           </mc:Fallback>
         </mc:AlternateContent>
-        <mc:AlternateContent xmlns:mc="http://schemas.openxmlformats.org/markup-compatibility/2006">
-          <mc:Choice xmlns:p14="http://schemas.microsoft.com/office/powerpoint/2010/main" Requires="p14">
+        <mc:AlternateContent xmlns:mc="http://schemas.openxmlformats.org/markup-compatibility/2006" xmlns:p14="http://schemas.microsoft.com/office/powerpoint/2010/main">
+          <mc:Choice Requires="p14">
             <p:contentPart p14:bwMode="auto" r:id="rId79">
               <p14:nvContentPartPr>
                 <p14:cNvPr id="66" name="Ink 65">
@@ -10817,7 +10829,7 @@
               </p14:xfrm>
             </p:contentPart>
           </mc:Choice>
-          <mc:Fallback>
+          <mc:Fallback xmlns="">
             <p:pic>
               <p:nvPicPr>
                 <p:cNvPr id="66" name="Ink 65">
@@ -10848,8 +10860,8 @@
             </p:pic>
           </mc:Fallback>
         </mc:AlternateContent>
-        <mc:AlternateContent xmlns:mc="http://schemas.openxmlformats.org/markup-compatibility/2006">
-          <mc:Choice xmlns:p14="http://schemas.microsoft.com/office/powerpoint/2010/main" Requires="p14">
+        <mc:AlternateContent xmlns:mc="http://schemas.openxmlformats.org/markup-compatibility/2006" xmlns:p14="http://schemas.microsoft.com/office/powerpoint/2010/main">
+          <mc:Choice Requires="p14">
             <p:contentPart p14:bwMode="auto" r:id="rId80">
               <p14:nvContentPartPr>
                 <p14:cNvPr id="67" name="Ink 66">
@@ -10868,7 +10880,7 @@
               </p14:xfrm>
             </p:contentPart>
           </mc:Choice>
-          <mc:Fallback>
+          <mc:Fallback xmlns="">
             <p:pic>
               <p:nvPicPr>
                 <p:cNvPr id="67" name="Ink 66">
@@ -10899,8 +10911,8 @@
             </p:pic>
           </mc:Fallback>
         </mc:AlternateContent>
-        <mc:AlternateContent xmlns:mc="http://schemas.openxmlformats.org/markup-compatibility/2006">
-          <mc:Choice xmlns:p14="http://schemas.microsoft.com/office/powerpoint/2010/main" Requires="p14">
+        <mc:AlternateContent xmlns:mc="http://schemas.openxmlformats.org/markup-compatibility/2006" xmlns:p14="http://schemas.microsoft.com/office/powerpoint/2010/main">
+          <mc:Choice Requires="p14">
             <p:contentPart p14:bwMode="auto" r:id="rId81">
               <p14:nvContentPartPr>
                 <p14:cNvPr id="68" name="Ink 67">
@@ -10919,7 +10931,7 @@
               </p14:xfrm>
             </p:contentPart>
           </mc:Choice>
-          <mc:Fallback>
+          <mc:Fallback xmlns="">
             <p:pic>
               <p:nvPicPr>
                 <p:cNvPr id="68" name="Ink 67">
@@ -10950,8 +10962,8 @@
             </p:pic>
           </mc:Fallback>
         </mc:AlternateContent>
-        <mc:AlternateContent xmlns:mc="http://schemas.openxmlformats.org/markup-compatibility/2006">
-          <mc:Choice xmlns:p14="http://schemas.microsoft.com/office/powerpoint/2010/main" Requires="p14">
+        <mc:AlternateContent xmlns:mc="http://schemas.openxmlformats.org/markup-compatibility/2006" xmlns:p14="http://schemas.microsoft.com/office/powerpoint/2010/main">
+          <mc:Choice Requires="p14">
             <p:contentPart p14:bwMode="auto" r:id="rId82">
               <p14:nvContentPartPr>
                 <p14:cNvPr id="69" name="Ink 68">
@@ -10970,7 +10982,7 @@
               </p14:xfrm>
             </p:contentPart>
           </mc:Choice>
-          <mc:Fallback>
+          <mc:Fallback xmlns="">
             <p:pic>
               <p:nvPicPr>
                 <p:cNvPr id="69" name="Ink 68">
@@ -11001,8 +11013,8 @@
             </p:pic>
           </mc:Fallback>
         </mc:AlternateContent>
-        <mc:AlternateContent xmlns:mc="http://schemas.openxmlformats.org/markup-compatibility/2006">
-          <mc:Choice xmlns:p14="http://schemas.microsoft.com/office/powerpoint/2010/main" Requires="p14">
+        <mc:AlternateContent xmlns:mc="http://schemas.openxmlformats.org/markup-compatibility/2006" xmlns:p14="http://schemas.microsoft.com/office/powerpoint/2010/main">
+          <mc:Choice Requires="p14">
             <p:contentPart p14:bwMode="auto" r:id="rId84">
               <p14:nvContentPartPr>
                 <p14:cNvPr id="70" name="Ink 69">
@@ -11021,7 +11033,7 @@
               </p14:xfrm>
             </p:contentPart>
           </mc:Choice>
-          <mc:Fallback>
+          <mc:Fallback xmlns="">
             <p:pic>
               <p:nvPicPr>
                 <p:cNvPr id="70" name="Ink 69">
@@ -11052,8 +11064,8 @@
             </p:pic>
           </mc:Fallback>
         </mc:AlternateContent>
-        <mc:AlternateContent xmlns:mc="http://schemas.openxmlformats.org/markup-compatibility/2006">
-          <mc:Choice xmlns:p14="http://schemas.microsoft.com/office/powerpoint/2010/main" Requires="p14">
+        <mc:AlternateContent xmlns:mc="http://schemas.openxmlformats.org/markup-compatibility/2006" xmlns:p14="http://schemas.microsoft.com/office/powerpoint/2010/main">
+          <mc:Choice Requires="p14">
             <p:contentPart p14:bwMode="auto" r:id="rId86">
               <p14:nvContentPartPr>
                 <p14:cNvPr id="71" name="Ink 70">
@@ -11072,7 +11084,7 @@
               </p14:xfrm>
             </p:contentPart>
           </mc:Choice>
-          <mc:Fallback>
+          <mc:Fallback xmlns="">
             <p:pic>
               <p:nvPicPr>
                 <p:cNvPr id="71" name="Ink 70">
@@ -11103,8 +11115,8 @@
             </p:pic>
           </mc:Fallback>
         </mc:AlternateContent>
-        <mc:AlternateContent xmlns:mc="http://schemas.openxmlformats.org/markup-compatibility/2006">
-          <mc:Choice xmlns:p14="http://schemas.microsoft.com/office/powerpoint/2010/main" Requires="p14">
+        <mc:AlternateContent xmlns:mc="http://schemas.openxmlformats.org/markup-compatibility/2006" xmlns:p14="http://schemas.microsoft.com/office/powerpoint/2010/main">
+          <mc:Choice Requires="p14">
             <p:contentPart p14:bwMode="auto" r:id="rId88">
               <p14:nvContentPartPr>
                 <p14:cNvPr id="72" name="Ink 71">
@@ -11123,7 +11135,7 @@
               </p14:xfrm>
             </p:contentPart>
           </mc:Choice>
-          <mc:Fallback>
+          <mc:Fallback xmlns="">
             <p:pic>
               <p:nvPicPr>
                 <p:cNvPr id="72" name="Ink 71">
@@ -11154,8 +11166,8 @@
             </p:pic>
           </mc:Fallback>
         </mc:AlternateContent>
-        <mc:AlternateContent xmlns:mc="http://schemas.openxmlformats.org/markup-compatibility/2006">
-          <mc:Choice xmlns:p14="http://schemas.microsoft.com/office/powerpoint/2010/main" Requires="p14">
+        <mc:AlternateContent xmlns:mc="http://schemas.openxmlformats.org/markup-compatibility/2006" xmlns:p14="http://schemas.microsoft.com/office/powerpoint/2010/main">
+          <mc:Choice Requires="p14">
             <p:contentPart p14:bwMode="auto" r:id="rId89">
               <p14:nvContentPartPr>
                 <p14:cNvPr id="73" name="Ink 72">
@@ -11174,7 +11186,7 @@
               </p14:xfrm>
             </p:contentPart>
           </mc:Choice>
-          <mc:Fallback>
+          <mc:Fallback xmlns="">
             <p:pic>
               <p:nvPicPr>
                 <p:cNvPr id="73" name="Ink 72">
@@ -11205,8 +11217,8 @@
             </p:pic>
           </mc:Fallback>
         </mc:AlternateContent>
-        <mc:AlternateContent xmlns:mc="http://schemas.openxmlformats.org/markup-compatibility/2006">
-          <mc:Choice xmlns:p14="http://schemas.microsoft.com/office/powerpoint/2010/main" Requires="p14">
+        <mc:AlternateContent xmlns:mc="http://schemas.openxmlformats.org/markup-compatibility/2006" xmlns:p14="http://schemas.microsoft.com/office/powerpoint/2010/main">
+          <mc:Choice Requires="p14">
             <p:contentPart p14:bwMode="auto" r:id="rId91">
               <p14:nvContentPartPr>
                 <p14:cNvPr id="74" name="Ink 73">
@@ -11225,7 +11237,7 @@
               </p14:xfrm>
             </p:contentPart>
           </mc:Choice>
-          <mc:Fallback>
+          <mc:Fallback xmlns="">
             <p:pic>
               <p:nvPicPr>
                 <p:cNvPr id="74" name="Ink 73">
@@ -11256,8 +11268,8 @@
             </p:pic>
           </mc:Fallback>
         </mc:AlternateContent>
-        <mc:AlternateContent xmlns:mc="http://schemas.openxmlformats.org/markup-compatibility/2006">
-          <mc:Choice xmlns:p14="http://schemas.microsoft.com/office/powerpoint/2010/main" Requires="p14">
+        <mc:AlternateContent xmlns:mc="http://schemas.openxmlformats.org/markup-compatibility/2006" xmlns:p14="http://schemas.microsoft.com/office/powerpoint/2010/main">
+          <mc:Choice Requires="p14">
             <p:contentPart p14:bwMode="auto" r:id="rId93">
               <p14:nvContentPartPr>
                 <p14:cNvPr id="75" name="Ink 74">
@@ -11276,7 +11288,7 @@
               </p14:xfrm>
             </p:contentPart>
           </mc:Choice>
-          <mc:Fallback>
+          <mc:Fallback xmlns="">
             <p:pic>
               <p:nvPicPr>
                 <p:cNvPr id="75" name="Ink 74">
@@ -11307,8 +11319,8 @@
             </p:pic>
           </mc:Fallback>
         </mc:AlternateContent>
-        <mc:AlternateContent xmlns:mc="http://schemas.openxmlformats.org/markup-compatibility/2006">
-          <mc:Choice xmlns:p14="http://schemas.microsoft.com/office/powerpoint/2010/main" Requires="p14">
+        <mc:AlternateContent xmlns:mc="http://schemas.openxmlformats.org/markup-compatibility/2006" xmlns:p14="http://schemas.microsoft.com/office/powerpoint/2010/main">
+          <mc:Choice Requires="p14">
             <p:contentPart p14:bwMode="auto" r:id="rId94">
               <p14:nvContentPartPr>
                 <p14:cNvPr id="76" name="Ink 75">
@@ -11327,7 +11339,7 @@
               </p14:xfrm>
             </p:contentPart>
           </mc:Choice>
-          <mc:Fallback>
+          <mc:Fallback xmlns="">
             <p:pic>
               <p:nvPicPr>
                 <p:cNvPr id="76" name="Ink 75">
@@ -11358,8 +11370,8 @@
             </p:pic>
           </mc:Fallback>
         </mc:AlternateContent>
-        <mc:AlternateContent xmlns:mc="http://schemas.openxmlformats.org/markup-compatibility/2006">
-          <mc:Choice xmlns:p14="http://schemas.microsoft.com/office/powerpoint/2010/main" Requires="p14">
+        <mc:AlternateContent xmlns:mc="http://schemas.openxmlformats.org/markup-compatibility/2006" xmlns:p14="http://schemas.microsoft.com/office/powerpoint/2010/main">
+          <mc:Choice Requires="p14">
             <p:contentPart p14:bwMode="auto" r:id="rId95">
               <p14:nvContentPartPr>
                 <p14:cNvPr id="77" name="Ink 76">
@@ -11378,7 +11390,7 @@
               </p14:xfrm>
             </p:contentPart>
           </mc:Choice>
-          <mc:Fallback>
+          <mc:Fallback xmlns="">
             <p:pic>
               <p:nvPicPr>
                 <p:cNvPr id="77" name="Ink 76">
@@ -11409,8 +11421,8 @@
             </p:pic>
           </mc:Fallback>
         </mc:AlternateContent>
-        <mc:AlternateContent xmlns:mc="http://schemas.openxmlformats.org/markup-compatibility/2006">
-          <mc:Choice xmlns:p14="http://schemas.microsoft.com/office/powerpoint/2010/main" Requires="p14">
+        <mc:AlternateContent xmlns:mc="http://schemas.openxmlformats.org/markup-compatibility/2006" xmlns:p14="http://schemas.microsoft.com/office/powerpoint/2010/main">
+          <mc:Choice Requires="p14">
             <p:contentPart p14:bwMode="auto" r:id="rId97">
               <p14:nvContentPartPr>
                 <p14:cNvPr id="78" name="Ink 77">
@@ -11429,7 +11441,7 @@
               </p14:xfrm>
             </p:contentPart>
           </mc:Choice>
-          <mc:Fallback>
+          <mc:Fallback xmlns="">
             <p:pic>
               <p:nvPicPr>
                 <p:cNvPr id="78" name="Ink 77">
@@ -11460,8 +11472,8 @@
             </p:pic>
           </mc:Fallback>
         </mc:AlternateContent>
-        <mc:AlternateContent xmlns:mc="http://schemas.openxmlformats.org/markup-compatibility/2006">
-          <mc:Choice xmlns:p14="http://schemas.microsoft.com/office/powerpoint/2010/main" Requires="p14">
+        <mc:AlternateContent xmlns:mc="http://schemas.openxmlformats.org/markup-compatibility/2006" xmlns:p14="http://schemas.microsoft.com/office/powerpoint/2010/main">
+          <mc:Choice Requires="p14">
             <p:contentPart p14:bwMode="auto" r:id="rId98">
               <p14:nvContentPartPr>
                 <p14:cNvPr id="79" name="Ink 78">
@@ -11480,7 +11492,7 @@
               </p14:xfrm>
             </p:contentPart>
           </mc:Choice>
-          <mc:Fallback>
+          <mc:Fallback xmlns="">
             <p:pic>
               <p:nvPicPr>
                 <p:cNvPr id="79" name="Ink 78">
@@ -11511,8 +11523,8 @@
             </p:pic>
           </mc:Fallback>
         </mc:AlternateContent>
-        <mc:AlternateContent xmlns:mc="http://schemas.openxmlformats.org/markup-compatibility/2006">
-          <mc:Choice xmlns:p14="http://schemas.microsoft.com/office/powerpoint/2010/main" Requires="p14">
+        <mc:AlternateContent xmlns:mc="http://schemas.openxmlformats.org/markup-compatibility/2006" xmlns:p14="http://schemas.microsoft.com/office/powerpoint/2010/main">
+          <mc:Choice Requires="p14">
             <p:contentPart p14:bwMode="auto" r:id="rId100">
               <p14:nvContentPartPr>
                 <p14:cNvPr id="80" name="Ink 79">
@@ -11531,7 +11543,7 @@
               </p14:xfrm>
             </p:contentPart>
           </mc:Choice>
-          <mc:Fallback>
+          <mc:Fallback xmlns="">
             <p:pic>
               <p:nvPicPr>
                 <p:cNvPr id="80" name="Ink 79">
@@ -11562,8 +11574,8 @@
             </p:pic>
           </mc:Fallback>
         </mc:AlternateContent>
-        <mc:AlternateContent xmlns:mc="http://schemas.openxmlformats.org/markup-compatibility/2006">
-          <mc:Choice xmlns:p14="http://schemas.microsoft.com/office/powerpoint/2010/main" Requires="p14">
+        <mc:AlternateContent xmlns:mc="http://schemas.openxmlformats.org/markup-compatibility/2006" xmlns:p14="http://schemas.microsoft.com/office/powerpoint/2010/main">
+          <mc:Choice Requires="p14">
             <p:contentPart p14:bwMode="auto" r:id="rId102">
               <p14:nvContentPartPr>
                 <p14:cNvPr id="81" name="Ink 80">
@@ -11582,7 +11594,7 @@
               </p14:xfrm>
             </p:contentPart>
           </mc:Choice>
-          <mc:Fallback>
+          <mc:Fallback xmlns="">
             <p:pic>
               <p:nvPicPr>
                 <p:cNvPr id="81" name="Ink 80">
@@ -11613,8 +11625,8 @@
             </p:pic>
           </mc:Fallback>
         </mc:AlternateContent>
-        <mc:AlternateContent xmlns:mc="http://schemas.openxmlformats.org/markup-compatibility/2006">
-          <mc:Choice xmlns:p14="http://schemas.microsoft.com/office/powerpoint/2010/main" Requires="p14">
+        <mc:AlternateContent xmlns:mc="http://schemas.openxmlformats.org/markup-compatibility/2006" xmlns:p14="http://schemas.microsoft.com/office/powerpoint/2010/main">
+          <mc:Choice Requires="p14">
             <p:contentPart p14:bwMode="auto" r:id="rId103">
               <p14:nvContentPartPr>
                 <p14:cNvPr id="82" name="Ink 81">
@@ -11633,7 +11645,7 @@
               </p14:xfrm>
             </p:contentPart>
           </mc:Choice>
-          <mc:Fallback>
+          <mc:Fallback xmlns="">
             <p:pic>
               <p:nvPicPr>
                 <p:cNvPr id="82" name="Ink 81">
@@ -11664,8 +11676,8 @@
             </p:pic>
           </mc:Fallback>
         </mc:AlternateContent>
-        <mc:AlternateContent xmlns:mc="http://schemas.openxmlformats.org/markup-compatibility/2006">
-          <mc:Choice xmlns:p14="http://schemas.microsoft.com/office/powerpoint/2010/main" Requires="p14">
+        <mc:AlternateContent xmlns:mc="http://schemas.openxmlformats.org/markup-compatibility/2006" xmlns:p14="http://schemas.microsoft.com/office/powerpoint/2010/main">
+          <mc:Choice Requires="p14">
             <p:contentPart p14:bwMode="auto" r:id="rId104">
               <p14:nvContentPartPr>
                 <p14:cNvPr id="83" name="Ink 82">
@@ -11684,7 +11696,7 @@
               </p14:xfrm>
             </p:contentPart>
           </mc:Choice>
-          <mc:Fallback>
+          <mc:Fallback xmlns="">
             <p:pic>
               <p:nvPicPr>
                 <p:cNvPr id="83" name="Ink 82">
@@ -11715,8 +11727,8 @@
             </p:pic>
           </mc:Fallback>
         </mc:AlternateContent>
-        <mc:AlternateContent xmlns:mc="http://schemas.openxmlformats.org/markup-compatibility/2006">
-          <mc:Choice xmlns:p14="http://schemas.microsoft.com/office/powerpoint/2010/main" Requires="p14">
+        <mc:AlternateContent xmlns:mc="http://schemas.openxmlformats.org/markup-compatibility/2006" xmlns:p14="http://schemas.microsoft.com/office/powerpoint/2010/main">
+          <mc:Choice Requires="p14">
             <p:contentPart p14:bwMode="auto" r:id="rId105">
               <p14:nvContentPartPr>
                 <p14:cNvPr id="84" name="Ink 83">
@@ -11735,7 +11747,7 @@
               </p14:xfrm>
             </p:contentPart>
           </mc:Choice>
-          <mc:Fallback>
+          <mc:Fallback xmlns="">
             <p:pic>
               <p:nvPicPr>
                 <p:cNvPr id="84" name="Ink 83">
@@ -11766,8 +11778,8 @@
             </p:pic>
           </mc:Fallback>
         </mc:AlternateContent>
-        <mc:AlternateContent xmlns:mc="http://schemas.openxmlformats.org/markup-compatibility/2006">
-          <mc:Choice xmlns:p14="http://schemas.microsoft.com/office/powerpoint/2010/main" Requires="p14">
+        <mc:AlternateContent xmlns:mc="http://schemas.openxmlformats.org/markup-compatibility/2006" xmlns:p14="http://schemas.microsoft.com/office/powerpoint/2010/main">
+          <mc:Choice Requires="p14">
             <p:contentPart p14:bwMode="auto" r:id="rId106">
               <p14:nvContentPartPr>
                 <p14:cNvPr id="85" name="Ink 84">
@@ -11786,7 +11798,7 @@
               </p14:xfrm>
             </p:contentPart>
           </mc:Choice>
-          <mc:Fallback>
+          <mc:Fallback xmlns="">
             <p:pic>
               <p:nvPicPr>
                 <p:cNvPr id="85" name="Ink 84">
@@ -11817,8 +11829,8 @@
             </p:pic>
           </mc:Fallback>
         </mc:AlternateContent>
-        <mc:AlternateContent xmlns:mc="http://schemas.openxmlformats.org/markup-compatibility/2006">
-          <mc:Choice xmlns:p14="http://schemas.microsoft.com/office/powerpoint/2010/main" Requires="p14">
+        <mc:AlternateContent xmlns:mc="http://schemas.openxmlformats.org/markup-compatibility/2006" xmlns:p14="http://schemas.microsoft.com/office/powerpoint/2010/main">
+          <mc:Choice Requires="p14">
             <p:contentPart p14:bwMode="auto" r:id="rId107">
               <p14:nvContentPartPr>
                 <p14:cNvPr id="86" name="Ink 85">
@@ -11837,7 +11849,7 @@
               </p14:xfrm>
             </p:contentPart>
           </mc:Choice>
-          <mc:Fallback>
+          <mc:Fallback xmlns="">
             <p:pic>
               <p:nvPicPr>
                 <p:cNvPr id="86" name="Ink 85">
@@ -11868,8 +11880,8 @@
             </p:pic>
           </mc:Fallback>
         </mc:AlternateContent>
-        <mc:AlternateContent xmlns:mc="http://schemas.openxmlformats.org/markup-compatibility/2006">
-          <mc:Choice xmlns:p14="http://schemas.microsoft.com/office/powerpoint/2010/main" Requires="p14">
+        <mc:AlternateContent xmlns:mc="http://schemas.openxmlformats.org/markup-compatibility/2006" xmlns:p14="http://schemas.microsoft.com/office/powerpoint/2010/main">
+          <mc:Choice Requires="p14">
             <p:contentPart p14:bwMode="auto" r:id="rId109">
               <p14:nvContentPartPr>
                 <p14:cNvPr id="87" name="Ink 86">
@@ -11888,7 +11900,7 @@
               </p14:xfrm>
             </p:contentPart>
           </mc:Choice>
-          <mc:Fallback>
+          <mc:Fallback xmlns="">
             <p:pic>
               <p:nvPicPr>
                 <p:cNvPr id="87" name="Ink 86">
@@ -11919,8 +11931,8 @@
             </p:pic>
           </mc:Fallback>
         </mc:AlternateContent>
-        <mc:AlternateContent xmlns:mc="http://schemas.openxmlformats.org/markup-compatibility/2006">
-          <mc:Choice xmlns:p14="http://schemas.microsoft.com/office/powerpoint/2010/main" Requires="p14">
+        <mc:AlternateContent xmlns:mc="http://schemas.openxmlformats.org/markup-compatibility/2006" xmlns:p14="http://schemas.microsoft.com/office/powerpoint/2010/main">
+          <mc:Choice Requires="p14">
             <p:contentPart p14:bwMode="auto" r:id="rId111">
               <p14:nvContentPartPr>
                 <p14:cNvPr id="88" name="Ink 87">
@@ -11939,7 +11951,7 @@
               </p14:xfrm>
             </p:contentPart>
           </mc:Choice>
-          <mc:Fallback>
+          <mc:Fallback xmlns="">
             <p:pic>
               <p:nvPicPr>
                 <p:cNvPr id="88" name="Ink 87">
@@ -11970,8 +11982,8 @@
             </p:pic>
           </mc:Fallback>
         </mc:AlternateContent>
-        <mc:AlternateContent xmlns:mc="http://schemas.openxmlformats.org/markup-compatibility/2006">
-          <mc:Choice xmlns:p14="http://schemas.microsoft.com/office/powerpoint/2010/main" Requires="p14">
+        <mc:AlternateContent xmlns:mc="http://schemas.openxmlformats.org/markup-compatibility/2006" xmlns:p14="http://schemas.microsoft.com/office/powerpoint/2010/main">
+          <mc:Choice Requires="p14">
             <p:contentPart p14:bwMode="auto" r:id="rId113">
               <p14:nvContentPartPr>
                 <p14:cNvPr id="89" name="Ink 88">
@@ -11990,7 +12002,7 @@
               </p14:xfrm>
             </p:contentPart>
           </mc:Choice>
-          <mc:Fallback>
+          <mc:Fallback xmlns="">
             <p:pic>
               <p:nvPicPr>
                 <p:cNvPr id="89" name="Ink 88">
@@ -12021,8 +12033,8 @@
             </p:pic>
           </mc:Fallback>
         </mc:AlternateContent>
-        <mc:AlternateContent xmlns:mc="http://schemas.openxmlformats.org/markup-compatibility/2006">
-          <mc:Choice xmlns:p14="http://schemas.microsoft.com/office/powerpoint/2010/main" Requires="p14">
+        <mc:AlternateContent xmlns:mc="http://schemas.openxmlformats.org/markup-compatibility/2006" xmlns:p14="http://schemas.microsoft.com/office/powerpoint/2010/main">
+          <mc:Choice Requires="p14">
             <p:contentPart p14:bwMode="auto" r:id="rId114">
               <p14:nvContentPartPr>
                 <p14:cNvPr id="90" name="Ink 89">
@@ -12041,7 +12053,7 @@
               </p14:xfrm>
             </p:contentPart>
           </mc:Choice>
-          <mc:Fallback>
+          <mc:Fallback xmlns="">
             <p:pic>
               <p:nvPicPr>
                 <p:cNvPr id="90" name="Ink 89">
@@ -12072,8 +12084,8 @@
             </p:pic>
           </mc:Fallback>
         </mc:AlternateContent>
-        <mc:AlternateContent xmlns:mc="http://schemas.openxmlformats.org/markup-compatibility/2006">
-          <mc:Choice xmlns:p14="http://schemas.microsoft.com/office/powerpoint/2010/main" Requires="p14">
+        <mc:AlternateContent xmlns:mc="http://schemas.openxmlformats.org/markup-compatibility/2006" xmlns:p14="http://schemas.microsoft.com/office/powerpoint/2010/main">
+          <mc:Choice Requires="p14">
             <p:contentPart p14:bwMode="auto" r:id="rId115">
               <p14:nvContentPartPr>
                 <p14:cNvPr id="91" name="Ink 90">
@@ -12092,7 +12104,7 @@
               </p14:xfrm>
             </p:contentPart>
           </mc:Choice>
-          <mc:Fallback>
+          <mc:Fallback xmlns="">
             <p:pic>
               <p:nvPicPr>
                 <p:cNvPr id="91" name="Ink 90">
@@ -12123,8 +12135,8 @@
             </p:pic>
           </mc:Fallback>
         </mc:AlternateContent>
-        <mc:AlternateContent xmlns:mc="http://schemas.openxmlformats.org/markup-compatibility/2006">
-          <mc:Choice xmlns:p14="http://schemas.microsoft.com/office/powerpoint/2010/main" Requires="p14">
+        <mc:AlternateContent xmlns:mc="http://schemas.openxmlformats.org/markup-compatibility/2006" xmlns:p14="http://schemas.microsoft.com/office/powerpoint/2010/main">
+          <mc:Choice Requires="p14">
             <p:contentPart p14:bwMode="auto" r:id="rId117">
               <p14:nvContentPartPr>
                 <p14:cNvPr id="92" name="Ink 91">
@@ -12143,7 +12155,7 @@
               </p14:xfrm>
             </p:contentPart>
           </mc:Choice>
-          <mc:Fallback>
+          <mc:Fallback xmlns="">
             <p:pic>
               <p:nvPicPr>
                 <p:cNvPr id="92" name="Ink 91">
@@ -12174,8 +12186,8 @@
             </p:pic>
           </mc:Fallback>
         </mc:AlternateContent>
-        <mc:AlternateContent xmlns:mc="http://schemas.openxmlformats.org/markup-compatibility/2006">
-          <mc:Choice xmlns:p14="http://schemas.microsoft.com/office/powerpoint/2010/main" Requires="p14">
+        <mc:AlternateContent xmlns:mc="http://schemas.openxmlformats.org/markup-compatibility/2006" xmlns:p14="http://schemas.microsoft.com/office/powerpoint/2010/main">
+          <mc:Choice Requires="p14">
             <p:contentPart p14:bwMode="auto" r:id="rId119">
               <p14:nvContentPartPr>
                 <p14:cNvPr id="93" name="Ink 92">
@@ -12194,7 +12206,7 @@
               </p14:xfrm>
             </p:contentPart>
           </mc:Choice>
-          <mc:Fallback>
+          <mc:Fallback xmlns="">
             <p:pic>
               <p:nvPicPr>
                 <p:cNvPr id="93" name="Ink 92">
@@ -12225,8 +12237,8 @@
             </p:pic>
           </mc:Fallback>
         </mc:AlternateContent>
-        <mc:AlternateContent xmlns:mc="http://schemas.openxmlformats.org/markup-compatibility/2006">
-          <mc:Choice xmlns:p14="http://schemas.microsoft.com/office/powerpoint/2010/main" Requires="p14">
+        <mc:AlternateContent xmlns:mc="http://schemas.openxmlformats.org/markup-compatibility/2006" xmlns:p14="http://schemas.microsoft.com/office/powerpoint/2010/main">
+          <mc:Choice Requires="p14">
             <p:contentPart p14:bwMode="auto" r:id="rId121">
               <p14:nvContentPartPr>
                 <p14:cNvPr id="94" name="Ink 93">
@@ -12245,7 +12257,7 @@
               </p14:xfrm>
             </p:contentPart>
           </mc:Choice>
-          <mc:Fallback>
+          <mc:Fallback xmlns="">
             <p:pic>
               <p:nvPicPr>
                 <p:cNvPr id="94" name="Ink 93">
@@ -12276,8 +12288,8 @@
             </p:pic>
           </mc:Fallback>
         </mc:AlternateContent>
-        <mc:AlternateContent xmlns:mc="http://schemas.openxmlformats.org/markup-compatibility/2006">
-          <mc:Choice xmlns:p14="http://schemas.microsoft.com/office/powerpoint/2010/main" Requires="p14">
+        <mc:AlternateContent xmlns:mc="http://schemas.openxmlformats.org/markup-compatibility/2006" xmlns:p14="http://schemas.microsoft.com/office/powerpoint/2010/main">
+          <mc:Choice Requires="p14">
             <p:contentPart p14:bwMode="auto" r:id="rId122">
               <p14:nvContentPartPr>
                 <p14:cNvPr id="95" name="Ink 94">
@@ -12296,7 +12308,7 @@
               </p14:xfrm>
             </p:contentPart>
           </mc:Choice>
-          <mc:Fallback>
+          <mc:Fallback xmlns="">
             <p:pic>
               <p:nvPicPr>
                 <p:cNvPr id="95" name="Ink 94">
@@ -12327,8 +12339,8 @@
             </p:pic>
           </mc:Fallback>
         </mc:AlternateContent>
-        <mc:AlternateContent xmlns:mc="http://schemas.openxmlformats.org/markup-compatibility/2006">
-          <mc:Choice xmlns:p14="http://schemas.microsoft.com/office/powerpoint/2010/main" Requires="p14">
+        <mc:AlternateContent xmlns:mc="http://schemas.openxmlformats.org/markup-compatibility/2006" xmlns:p14="http://schemas.microsoft.com/office/powerpoint/2010/main">
+          <mc:Choice Requires="p14">
             <p:contentPart p14:bwMode="auto" r:id="rId124">
               <p14:nvContentPartPr>
                 <p14:cNvPr id="96" name="Ink 95">
@@ -12347,7 +12359,7 @@
               </p14:xfrm>
             </p:contentPart>
           </mc:Choice>
-          <mc:Fallback>
+          <mc:Fallback xmlns="">
             <p:pic>
               <p:nvPicPr>
                 <p:cNvPr id="96" name="Ink 95">
@@ -12378,8 +12390,8 @@
             </p:pic>
           </mc:Fallback>
         </mc:AlternateContent>
-        <mc:AlternateContent xmlns:mc="http://schemas.openxmlformats.org/markup-compatibility/2006">
-          <mc:Choice xmlns:p14="http://schemas.microsoft.com/office/powerpoint/2010/main" Requires="p14">
+        <mc:AlternateContent xmlns:mc="http://schemas.openxmlformats.org/markup-compatibility/2006" xmlns:p14="http://schemas.microsoft.com/office/powerpoint/2010/main">
+          <mc:Choice Requires="p14">
             <p:contentPart p14:bwMode="auto" r:id="rId125">
               <p14:nvContentPartPr>
                 <p14:cNvPr id="97" name="Ink 96">
@@ -12398,7 +12410,7 @@
               </p14:xfrm>
             </p:contentPart>
           </mc:Choice>
-          <mc:Fallback>
+          <mc:Fallback xmlns="">
             <p:pic>
               <p:nvPicPr>
                 <p:cNvPr id="97" name="Ink 96">
@@ -12429,8 +12441,8 @@
             </p:pic>
           </mc:Fallback>
         </mc:AlternateContent>
-        <mc:AlternateContent xmlns:mc="http://schemas.openxmlformats.org/markup-compatibility/2006">
-          <mc:Choice xmlns:p14="http://schemas.microsoft.com/office/powerpoint/2010/main" Requires="p14">
+        <mc:AlternateContent xmlns:mc="http://schemas.openxmlformats.org/markup-compatibility/2006" xmlns:p14="http://schemas.microsoft.com/office/powerpoint/2010/main">
+          <mc:Choice Requires="p14">
             <p:contentPart p14:bwMode="auto" r:id="rId127">
               <p14:nvContentPartPr>
                 <p14:cNvPr id="98" name="Ink 97">
@@ -12449,7 +12461,7 @@
               </p14:xfrm>
             </p:contentPart>
           </mc:Choice>
-          <mc:Fallback>
+          <mc:Fallback xmlns="">
             <p:pic>
               <p:nvPicPr>
                 <p:cNvPr id="98" name="Ink 97">
@@ -12480,8 +12492,8 @@
             </p:pic>
           </mc:Fallback>
         </mc:AlternateContent>
-        <mc:AlternateContent xmlns:mc="http://schemas.openxmlformats.org/markup-compatibility/2006">
-          <mc:Choice xmlns:p14="http://schemas.microsoft.com/office/powerpoint/2010/main" Requires="p14">
+        <mc:AlternateContent xmlns:mc="http://schemas.openxmlformats.org/markup-compatibility/2006" xmlns:p14="http://schemas.microsoft.com/office/powerpoint/2010/main">
+          <mc:Choice Requires="p14">
             <p:contentPart p14:bwMode="auto" r:id="rId128">
               <p14:nvContentPartPr>
                 <p14:cNvPr id="99" name="Ink 98">
@@ -12500,7 +12512,7 @@
               </p14:xfrm>
             </p:contentPart>
           </mc:Choice>
-          <mc:Fallback>
+          <mc:Fallback xmlns="">
             <p:pic>
               <p:nvPicPr>
                 <p:cNvPr id="99" name="Ink 98">
@@ -12531,8 +12543,8 @@
             </p:pic>
           </mc:Fallback>
         </mc:AlternateContent>
-        <mc:AlternateContent xmlns:mc="http://schemas.openxmlformats.org/markup-compatibility/2006">
-          <mc:Choice xmlns:p14="http://schemas.microsoft.com/office/powerpoint/2010/main" Requires="p14">
+        <mc:AlternateContent xmlns:mc="http://schemas.openxmlformats.org/markup-compatibility/2006" xmlns:p14="http://schemas.microsoft.com/office/powerpoint/2010/main">
+          <mc:Choice Requires="p14">
             <p:contentPart p14:bwMode="auto" r:id="rId129">
               <p14:nvContentPartPr>
                 <p14:cNvPr id="102" name="Ink 101">
@@ -12551,7 +12563,7 @@
               </p14:xfrm>
             </p:contentPart>
           </mc:Choice>
-          <mc:Fallback>
+          <mc:Fallback xmlns="">
             <p:pic>
               <p:nvPicPr>
                 <p:cNvPr id="102" name="Ink 101">
@@ -12582,8 +12594,8 @@
             </p:pic>
           </mc:Fallback>
         </mc:AlternateContent>
-        <mc:AlternateContent xmlns:mc="http://schemas.openxmlformats.org/markup-compatibility/2006">
-          <mc:Choice xmlns:p14="http://schemas.microsoft.com/office/powerpoint/2010/main" Requires="p14">
+        <mc:AlternateContent xmlns:mc="http://schemas.openxmlformats.org/markup-compatibility/2006" xmlns:p14="http://schemas.microsoft.com/office/powerpoint/2010/main">
+          <mc:Choice Requires="p14">
             <p:contentPart p14:bwMode="auto" r:id="rId130">
               <p14:nvContentPartPr>
                 <p14:cNvPr id="100" name="Ink 99">
@@ -12602,7 +12614,7 @@
               </p14:xfrm>
             </p:contentPart>
           </mc:Choice>
-          <mc:Fallback>
+          <mc:Fallback xmlns="">
             <p:pic>
               <p:nvPicPr>
                 <p:cNvPr id="100" name="Ink 99">
@@ -12633,8 +12645,8 @@
             </p:pic>
           </mc:Fallback>
         </mc:AlternateContent>
-        <mc:AlternateContent xmlns:mc="http://schemas.openxmlformats.org/markup-compatibility/2006">
-          <mc:Choice xmlns:p14="http://schemas.microsoft.com/office/powerpoint/2010/main" Requires="p14">
+        <mc:AlternateContent xmlns:mc="http://schemas.openxmlformats.org/markup-compatibility/2006" xmlns:p14="http://schemas.microsoft.com/office/powerpoint/2010/main">
+          <mc:Choice Requires="p14">
             <p:contentPart p14:bwMode="auto" r:id="rId131">
               <p14:nvContentPartPr>
                 <p14:cNvPr id="101" name="Ink 100">
@@ -12653,7 +12665,7 @@
               </p14:xfrm>
             </p:contentPart>
           </mc:Choice>
-          <mc:Fallback>
+          <mc:Fallback xmlns="">
             <p:pic>
               <p:nvPicPr>
                 <p:cNvPr id="101" name="Ink 100">
@@ -12684,8 +12696,8 @@
             </p:pic>
           </mc:Fallback>
         </mc:AlternateContent>
-        <mc:AlternateContent xmlns:mc="http://schemas.openxmlformats.org/markup-compatibility/2006">
-          <mc:Choice xmlns:p14="http://schemas.microsoft.com/office/powerpoint/2010/main" Requires="p14">
+        <mc:AlternateContent xmlns:mc="http://schemas.openxmlformats.org/markup-compatibility/2006" xmlns:p14="http://schemas.microsoft.com/office/powerpoint/2010/main">
+          <mc:Choice Requires="p14">
             <p:contentPart p14:bwMode="auto" r:id="rId132">
               <p14:nvContentPartPr>
                 <p14:cNvPr id="103" name="Ink 102">
@@ -12704,7 +12716,7 @@
               </p14:xfrm>
             </p:contentPart>
           </mc:Choice>
-          <mc:Fallback>
+          <mc:Fallback xmlns="">
             <p:pic>
               <p:nvPicPr>
                 <p:cNvPr id="103" name="Ink 102">
@@ -12735,8 +12747,8 @@
             </p:pic>
           </mc:Fallback>
         </mc:AlternateContent>
-        <mc:AlternateContent xmlns:mc="http://schemas.openxmlformats.org/markup-compatibility/2006">
-          <mc:Choice xmlns:p14="http://schemas.microsoft.com/office/powerpoint/2010/main" Requires="p14">
+        <mc:AlternateContent xmlns:mc="http://schemas.openxmlformats.org/markup-compatibility/2006" xmlns:p14="http://schemas.microsoft.com/office/powerpoint/2010/main">
+          <mc:Choice Requires="p14">
             <p:contentPart p14:bwMode="auto" r:id="rId133">
               <p14:nvContentPartPr>
                 <p14:cNvPr id="104" name="Ink 103">
@@ -12755,7 +12767,7 @@
               </p14:xfrm>
             </p:contentPart>
           </mc:Choice>
-          <mc:Fallback>
+          <mc:Fallback xmlns="">
             <p:pic>
               <p:nvPicPr>
                 <p:cNvPr id="104" name="Ink 103">
@@ -12786,8 +12798,8 @@
             </p:pic>
           </mc:Fallback>
         </mc:AlternateContent>
-        <mc:AlternateContent xmlns:mc="http://schemas.openxmlformats.org/markup-compatibility/2006">
-          <mc:Choice xmlns:p14="http://schemas.microsoft.com/office/powerpoint/2010/main" Requires="p14">
+        <mc:AlternateContent xmlns:mc="http://schemas.openxmlformats.org/markup-compatibility/2006" xmlns:p14="http://schemas.microsoft.com/office/powerpoint/2010/main">
+          <mc:Choice Requires="p14">
             <p:contentPart p14:bwMode="auto" r:id="rId134">
               <p14:nvContentPartPr>
                 <p14:cNvPr id="110" name="Ink 109">
@@ -12806,7 +12818,7 @@
               </p14:xfrm>
             </p:contentPart>
           </mc:Choice>
-          <mc:Fallback>
+          <mc:Fallback xmlns="">
             <p:pic>
               <p:nvPicPr>
                 <p:cNvPr id="110" name="Ink 109">
@@ -12842,6 +12854,623 @@
     <p:extLst>
       <p:ext uri="{BB962C8B-B14F-4D97-AF65-F5344CB8AC3E}">
         <p14:creationId xmlns:p14="http://schemas.microsoft.com/office/powerpoint/2010/main" val="1039183563"/>
+      </p:ext>
+    </p:extLst>
+  </p:cSld>
+  <p:clrMapOvr>
+    <a:masterClrMapping/>
+  </p:clrMapOvr>
+</p:sld>
+</file>
+
+<file path=ppt/slides/slide3.xml><?xml version="1.0" encoding="utf-8"?>
+<p:sld xmlns:a="http://schemas.openxmlformats.org/drawingml/2006/main" xmlns:r="http://schemas.openxmlformats.org/officeDocument/2006/relationships" xmlns:p="http://schemas.openxmlformats.org/presentationml/2006/main">
+  <p:cSld>
+    <p:spTree>
+      <p:nvGrpSpPr>
+        <p:cNvPr id="1" name=""/>
+        <p:cNvGrpSpPr/>
+        <p:nvPr/>
+      </p:nvGrpSpPr>
+      <p:grpSpPr>
+        <a:xfrm>
+          <a:off x="0" y="0"/>
+          <a:ext cx="0" cy="0"/>
+          <a:chOff x="0" y="0"/>
+          <a:chExt cx="0" cy="0"/>
+        </a:xfrm>
+      </p:grpSpPr>
+      <p:pic>
+        <p:nvPicPr>
+          <p:cNvPr id="5" name="Picture 4" descr="A black background with a white light&#10;&#10;AI-generated content may be incorrect.">
+            <a:extLst>
+              <a:ext uri="{FF2B5EF4-FFF2-40B4-BE49-F238E27FC236}">
+                <a16:creationId xmlns:a16="http://schemas.microsoft.com/office/drawing/2014/main" id="{93A6E355-02C1-1BAE-2D5C-86076BDA8267}"/>
+              </a:ext>
+            </a:extLst>
+          </p:cNvPr>
+          <p:cNvPicPr>
+            <a:picLocks noChangeAspect="1"/>
+          </p:cNvPicPr>
+          <p:nvPr/>
+        </p:nvPicPr>
+        <p:blipFill>
+          <a:blip r:embed="rId2">
+            <a:extLst>
+              <a:ext uri="{28A0092B-C50C-407E-A947-70E740481C1C}">
+                <a14:useLocalDpi xmlns:a14="http://schemas.microsoft.com/office/drawing/2010/main" val="0"/>
+              </a:ext>
+            </a:extLst>
+          </a:blip>
+          <a:stretch>
+            <a:fillRect/>
+          </a:stretch>
+        </p:blipFill>
+        <p:spPr>
+          <a:xfrm>
+            <a:off x="1205959" y="1970314"/>
+            <a:ext cx="1440000" cy="1440000"/>
+          </a:xfrm>
+          <a:prstGeom prst="rect">
+            <a:avLst/>
+          </a:prstGeom>
+        </p:spPr>
+      </p:pic>
+      <p:pic>
+        <p:nvPicPr>
+          <p:cNvPr id="7" name="Picture 6" descr="A black background with a white light&#10;&#10;AI-generated content may be incorrect.">
+            <a:extLst>
+              <a:ext uri="{FF2B5EF4-FFF2-40B4-BE49-F238E27FC236}">
+                <a16:creationId xmlns:a16="http://schemas.microsoft.com/office/drawing/2014/main" id="{6CFE4C82-F2C0-2E08-4DF3-73210F4E6027}"/>
+              </a:ext>
+            </a:extLst>
+          </p:cNvPr>
+          <p:cNvPicPr>
+            <a:picLocks noChangeAspect="1"/>
+          </p:cNvPicPr>
+          <p:nvPr/>
+        </p:nvPicPr>
+        <p:blipFill>
+          <a:blip r:embed="rId2">
+            <a:extLst>
+              <a:ext uri="{28A0092B-C50C-407E-A947-70E740481C1C}">
+                <a14:useLocalDpi xmlns:a14="http://schemas.microsoft.com/office/drawing/2010/main" val="0"/>
+              </a:ext>
+            </a:extLst>
+          </a:blip>
+          <a:stretch>
+            <a:fillRect/>
+          </a:stretch>
+        </p:blipFill>
+        <p:spPr>
+          <a:xfrm>
+            <a:off x="1877787" y="2820906"/>
+            <a:ext cx="1440000" cy="1440000"/>
+          </a:xfrm>
+          <a:prstGeom prst="rect">
+            <a:avLst/>
+          </a:prstGeom>
+        </p:spPr>
+      </p:pic>
+      <p:sp>
+        <p:nvSpPr>
+          <p:cNvPr id="8" name="Arrow: Right 7">
+            <a:extLst>
+              <a:ext uri="{FF2B5EF4-FFF2-40B4-BE49-F238E27FC236}">
+                <a16:creationId xmlns:a16="http://schemas.microsoft.com/office/drawing/2014/main" id="{43A9AAE6-2705-6A92-10AE-995BBD2DBD35}"/>
+              </a:ext>
+            </a:extLst>
+          </p:cNvPr>
+          <p:cNvSpPr/>
+          <p:nvPr/>
+        </p:nvSpPr>
+        <p:spPr>
+          <a:xfrm>
+            <a:off x="3744641" y="2925682"/>
+            <a:ext cx="978408" cy="484632"/>
+          </a:xfrm>
+          <a:prstGeom prst="rightArrow">
+            <a:avLst/>
+          </a:prstGeom>
+        </p:spPr>
+        <p:style>
+          <a:lnRef idx="2">
+            <a:schemeClr val="accent1">
+              <a:shade val="15000"/>
+            </a:schemeClr>
+          </a:lnRef>
+          <a:fillRef idx="1">
+            <a:schemeClr val="accent1"/>
+          </a:fillRef>
+          <a:effectRef idx="0">
+            <a:schemeClr val="accent1"/>
+          </a:effectRef>
+          <a:fontRef idx="minor">
+            <a:schemeClr val="lt1"/>
+          </a:fontRef>
+        </p:style>
+        <p:txBody>
+          <a:bodyPr rtlCol="0" anchor="ctr"/>
+          <a:lstStyle/>
+          <a:p>
+            <a:pPr algn="ctr"/>
+            <a:endParaRPr lang="de-DE"/>
+          </a:p>
+        </p:txBody>
+      </p:sp>
+      <p:sp>
+        <p:nvSpPr>
+          <p:cNvPr id="9" name="TextBox 8">
+            <a:extLst>
+              <a:ext uri="{FF2B5EF4-FFF2-40B4-BE49-F238E27FC236}">
+                <a16:creationId xmlns:a16="http://schemas.microsoft.com/office/drawing/2014/main" id="{79DFAC1E-A103-83B1-E158-EEA44EE51D49}"/>
+              </a:ext>
+            </a:extLst>
+          </p:cNvPr>
+          <p:cNvSpPr txBox="1"/>
+          <p:nvPr/>
+        </p:nvSpPr>
+        <p:spPr>
+          <a:xfrm>
+            <a:off x="1793859" y="1609991"/>
+            <a:ext cx="1259512" cy="400110"/>
+          </a:xfrm>
+          <a:prstGeom prst="rect">
+            <a:avLst/>
+          </a:prstGeom>
+          <a:noFill/>
+        </p:spPr>
+        <p:txBody>
+          <a:bodyPr wrap="none" rtlCol="0">
+            <a:spAutoFit/>
+          </a:bodyPr>
+          <a:lstStyle/>
+          <a:p>
+            <a:r>
+              <a:rPr lang="de-DE" sz="2000" b="1" dirty="0"/>
+              <a:t>Raw data</a:t>
+            </a:r>
+          </a:p>
+        </p:txBody>
+      </p:sp>
+      <p:pic>
+        <p:nvPicPr>
+          <p:cNvPr id="11" name="Picture 10" descr="A close-up of a foot&#10;&#10;AI-generated content may be incorrect.">
+            <a:extLst>
+              <a:ext uri="{FF2B5EF4-FFF2-40B4-BE49-F238E27FC236}">
+                <a16:creationId xmlns:a16="http://schemas.microsoft.com/office/drawing/2014/main" id="{CBE5D9DE-A071-0393-49A2-D9E5E9DF794C}"/>
+              </a:ext>
+            </a:extLst>
+          </p:cNvPr>
+          <p:cNvPicPr>
+            <a:picLocks noChangeAspect="1"/>
+          </p:cNvPicPr>
+          <p:nvPr/>
+        </p:nvPicPr>
+        <p:blipFill>
+          <a:blip r:embed="rId3">
+            <a:extLst>
+              <a:ext uri="{28A0092B-C50C-407E-A947-70E740481C1C}">
+                <a14:useLocalDpi xmlns:a14="http://schemas.microsoft.com/office/drawing/2010/main" val="0"/>
+              </a:ext>
+            </a:extLst>
+          </a:blip>
+          <a:stretch>
+            <a:fillRect/>
+          </a:stretch>
+        </p:blipFill>
+        <p:spPr>
+          <a:xfrm>
+            <a:off x="5038778" y="1970314"/>
+            <a:ext cx="1440000" cy="1440000"/>
+          </a:xfrm>
+          <a:prstGeom prst="rect">
+            <a:avLst/>
+          </a:prstGeom>
+        </p:spPr>
+      </p:pic>
+      <p:pic>
+        <p:nvPicPr>
+          <p:cNvPr id="13" name="Picture 12" descr="A close-up of a foot x-ray&#10;&#10;AI-generated content may be incorrect.">
+            <a:extLst>
+              <a:ext uri="{FF2B5EF4-FFF2-40B4-BE49-F238E27FC236}">
+                <a16:creationId xmlns:a16="http://schemas.microsoft.com/office/drawing/2014/main" id="{FD8020C9-99D2-77D7-6C9C-BA872977E3F5}"/>
+              </a:ext>
+            </a:extLst>
+          </p:cNvPr>
+          <p:cNvPicPr>
+            <a:picLocks noChangeAspect="1"/>
+          </p:cNvPicPr>
+          <p:nvPr/>
+        </p:nvPicPr>
+        <p:blipFill>
+          <a:blip r:embed="rId4">
+            <a:extLst>
+              <a:ext uri="{28A0092B-C50C-407E-A947-70E740481C1C}">
+                <a14:useLocalDpi xmlns:a14="http://schemas.microsoft.com/office/drawing/2010/main" val="0"/>
+              </a:ext>
+            </a:extLst>
+          </a:blip>
+          <a:stretch>
+            <a:fillRect/>
+          </a:stretch>
+        </p:blipFill>
+        <p:spPr>
+          <a:xfrm>
+            <a:off x="5747658" y="2820906"/>
+            <a:ext cx="1440000" cy="1440000"/>
+          </a:xfrm>
+          <a:prstGeom prst="rect">
+            <a:avLst/>
+          </a:prstGeom>
+        </p:spPr>
+      </p:pic>
+      <p:sp>
+        <p:nvSpPr>
+          <p:cNvPr id="14" name="Arrow: Right 13">
+            <a:extLst>
+              <a:ext uri="{FF2B5EF4-FFF2-40B4-BE49-F238E27FC236}">
+                <a16:creationId xmlns:a16="http://schemas.microsoft.com/office/drawing/2014/main" id="{75357071-0953-3E01-5B9A-296165B062F4}"/>
+              </a:ext>
+            </a:extLst>
+          </p:cNvPr>
+          <p:cNvSpPr/>
+          <p:nvPr/>
+        </p:nvSpPr>
+        <p:spPr>
+          <a:xfrm>
+            <a:off x="7734953" y="2871827"/>
+            <a:ext cx="978408" cy="484632"/>
+          </a:xfrm>
+          <a:prstGeom prst="rightArrow">
+            <a:avLst/>
+          </a:prstGeom>
+        </p:spPr>
+        <p:style>
+          <a:lnRef idx="2">
+            <a:schemeClr val="accent1">
+              <a:shade val="15000"/>
+            </a:schemeClr>
+          </a:lnRef>
+          <a:fillRef idx="1">
+            <a:schemeClr val="accent1"/>
+          </a:fillRef>
+          <a:effectRef idx="0">
+            <a:schemeClr val="accent1"/>
+          </a:effectRef>
+          <a:fontRef idx="minor">
+            <a:schemeClr val="lt1"/>
+          </a:fontRef>
+        </p:style>
+        <p:txBody>
+          <a:bodyPr rtlCol="0" anchor="ctr"/>
+          <a:lstStyle/>
+          <a:p>
+            <a:pPr algn="ctr"/>
+            <a:endParaRPr lang="de-DE"/>
+          </a:p>
+        </p:txBody>
+      </p:sp>
+      <p:pic>
+        <p:nvPicPr>
+          <p:cNvPr id="16" name="Picture 15" descr="A close-up of a foot x-ray&#10;&#10;AI-generated content may be incorrect.">
+            <a:extLst>
+              <a:ext uri="{FF2B5EF4-FFF2-40B4-BE49-F238E27FC236}">
+                <a16:creationId xmlns:a16="http://schemas.microsoft.com/office/drawing/2014/main" id="{AAD01A28-4EA5-A011-7152-558BA8CCD729}"/>
+              </a:ext>
+            </a:extLst>
+          </p:cNvPr>
+          <p:cNvPicPr>
+            <a:picLocks noChangeAspect="1"/>
+          </p:cNvPicPr>
+          <p:nvPr/>
+        </p:nvPicPr>
+        <p:blipFill>
+          <a:blip r:embed="rId5">
+            <a:extLst>
+              <a:ext uri="{28A0092B-C50C-407E-A947-70E740481C1C}">
+                <a14:useLocalDpi xmlns:a14="http://schemas.microsoft.com/office/drawing/2010/main" val="0"/>
+              </a:ext>
+            </a:extLst>
+          </a:blip>
+          <a:stretch>
+            <a:fillRect/>
+          </a:stretch>
+        </p:blipFill>
+        <p:spPr>
+          <a:xfrm>
+            <a:off x="8957572" y="2034143"/>
+            <a:ext cx="2160000" cy="2160000"/>
+          </a:xfrm>
+          <a:prstGeom prst="rect">
+            <a:avLst/>
+          </a:prstGeom>
+        </p:spPr>
+      </p:pic>
+      <p:sp>
+        <p:nvSpPr>
+          <p:cNvPr id="17" name="TextBox 16">
+            <a:extLst>
+              <a:ext uri="{FF2B5EF4-FFF2-40B4-BE49-F238E27FC236}">
+                <a16:creationId xmlns:a16="http://schemas.microsoft.com/office/drawing/2014/main" id="{ED53BAF1-A167-D8A2-0CDB-AD72E265538F}"/>
+              </a:ext>
+            </a:extLst>
+          </p:cNvPr>
+          <p:cNvSpPr txBox="1"/>
+          <p:nvPr/>
+        </p:nvSpPr>
+        <p:spPr>
+          <a:xfrm>
+            <a:off x="3887663" y="2676056"/>
+            <a:ext cx="494366" cy="369332"/>
+          </a:xfrm>
+          <a:prstGeom prst="rect">
+            <a:avLst/>
+          </a:prstGeom>
+          <a:noFill/>
+        </p:spPr>
+        <p:txBody>
+          <a:bodyPr wrap="none" rtlCol="0">
+            <a:spAutoFit/>
+          </a:bodyPr>
+          <a:lstStyle/>
+          <a:p>
+            <a:r>
+              <a:rPr lang="de-DE" b="1" dirty="0"/>
+              <a:t>IFT</a:t>
+            </a:r>
+          </a:p>
+        </p:txBody>
+      </p:sp>
+      <p:sp>
+        <p:nvSpPr>
+          <p:cNvPr id="18" name="TextBox 17">
+            <a:extLst>
+              <a:ext uri="{FF2B5EF4-FFF2-40B4-BE49-F238E27FC236}">
+                <a16:creationId xmlns:a16="http://schemas.microsoft.com/office/drawing/2014/main" id="{91A697C3-F840-6886-0B47-1A18BC01244C}"/>
+              </a:ext>
+            </a:extLst>
+          </p:cNvPr>
+          <p:cNvSpPr txBox="1"/>
+          <p:nvPr/>
+        </p:nvSpPr>
+        <p:spPr>
+          <a:xfrm>
+            <a:off x="7802989" y="2676056"/>
+            <a:ext cx="635110" cy="369332"/>
+          </a:xfrm>
+          <a:prstGeom prst="rect">
+            <a:avLst/>
+          </a:prstGeom>
+          <a:noFill/>
+        </p:spPr>
+        <p:txBody>
+          <a:bodyPr wrap="none" rtlCol="0">
+            <a:spAutoFit/>
+          </a:bodyPr>
+          <a:lstStyle/>
+          <a:p>
+            <a:r>
+              <a:rPr lang="de-DE" b="1" dirty="0"/>
+              <a:t>mag</a:t>
+            </a:r>
+          </a:p>
+        </p:txBody>
+      </p:sp>
+      <p:sp>
+        <p:nvSpPr>
+          <p:cNvPr id="25" name="TextBox 24">
+            <a:extLst>
+              <a:ext uri="{FF2B5EF4-FFF2-40B4-BE49-F238E27FC236}">
+                <a16:creationId xmlns:a16="http://schemas.microsoft.com/office/drawing/2014/main" id="{85686E64-DA0C-F704-C66C-9F0BB63BCB4A}"/>
+              </a:ext>
+            </a:extLst>
+          </p:cNvPr>
+          <p:cNvSpPr txBox="1"/>
+          <p:nvPr/>
+        </p:nvSpPr>
+        <p:spPr>
+          <a:xfrm>
+            <a:off x="5193842" y="1609991"/>
+            <a:ext cx="1993816" cy="400110"/>
+          </a:xfrm>
+          <a:prstGeom prst="rect">
+            <a:avLst/>
+          </a:prstGeom>
+          <a:noFill/>
+        </p:spPr>
+        <p:txBody>
+          <a:bodyPr wrap="none" rtlCol="0">
+            <a:spAutoFit/>
+          </a:bodyPr>
+          <a:lstStyle/>
+          <a:p>
+            <a:r>
+              <a:rPr lang="de-DE" sz="2000" b="1" dirty="0"/>
+              <a:t>Complex image</a:t>
+            </a:r>
+          </a:p>
+        </p:txBody>
+      </p:sp>
+      <p:sp>
+        <p:nvSpPr>
+          <p:cNvPr id="26" name="TextBox 25">
+            <a:extLst>
+              <a:ext uri="{FF2B5EF4-FFF2-40B4-BE49-F238E27FC236}">
+                <a16:creationId xmlns:a16="http://schemas.microsoft.com/office/drawing/2014/main" id="{C80C5226-4745-1626-7796-31C474BF0A41}"/>
+              </a:ext>
+            </a:extLst>
+          </p:cNvPr>
+          <p:cNvSpPr txBox="1"/>
+          <p:nvPr/>
+        </p:nvSpPr>
+        <p:spPr>
+          <a:xfrm>
+            <a:off x="1101085" y="3345354"/>
+            <a:ext cx="445956" cy="369332"/>
+          </a:xfrm>
+          <a:prstGeom prst="rect">
+            <a:avLst/>
+          </a:prstGeom>
+          <a:noFill/>
+        </p:spPr>
+        <p:txBody>
+          <a:bodyPr wrap="none" rtlCol="0">
+            <a:spAutoFit/>
+          </a:bodyPr>
+          <a:lstStyle/>
+          <a:p>
+            <a:r>
+              <a:rPr lang="de-DE" dirty="0"/>
+              <a:t>Re</a:t>
+            </a:r>
+          </a:p>
+        </p:txBody>
+      </p:sp>
+      <p:sp>
+        <p:nvSpPr>
+          <p:cNvPr id="27" name="TextBox 26">
+            <a:extLst>
+              <a:ext uri="{FF2B5EF4-FFF2-40B4-BE49-F238E27FC236}">
+                <a16:creationId xmlns:a16="http://schemas.microsoft.com/office/drawing/2014/main" id="{21A8AE9D-8266-1742-B988-BB0D8DF2FC4D}"/>
+              </a:ext>
+            </a:extLst>
+          </p:cNvPr>
+          <p:cNvSpPr txBox="1"/>
+          <p:nvPr/>
+        </p:nvSpPr>
+        <p:spPr>
+          <a:xfrm>
+            <a:off x="1779814" y="4206476"/>
+            <a:ext cx="441146" cy="369332"/>
+          </a:xfrm>
+          <a:prstGeom prst="rect">
+            <a:avLst/>
+          </a:prstGeom>
+          <a:noFill/>
+        </p:spPr>
+        <p:txBody>
+          <a:bodyPr wrap="none" rtlCol="0">
+            <a:spAutoFit/>
+          </a:bodyPr>
+          <a:lstStyle/>
+          <a:p>
+            <a:r>
+              <a:rPr lang="de-DE" dirty="0"/>
+              <a:t>Im</a:t>
+            </a:r>
+          </a:p>
+        </p:txBody>
+      </p:sp>
+      <p:sp>
+        <p:nvSpPr>
+          <p:cNvPr id="28" name="TextBox 27">
+            <a:extLst>
+              <a:ext uri="{FF2B5EF4-FFF2-40B4-BE49-F238E27FC236}">
+                <a16:creationId xmlns:a16="http://schemas.microsoft.com/office/drawing/2014/main" id="{FE318620-F4CB-FB97-3497-95182073BE2F}"/>
+              </a:ext>
+            </a:extLst>
+          </p:cNvPr>
+          <p:cNvSpPr txBox="1"/>
+          <p:nvPr/>
+        </p:nvSpPr>
+        <p:spPr>
+          <a:xfrm>
+            <a:off x="4942725" y="3345354"/>
+            <a:ext cx="445956" cy="369332"/>
+          </a:xfrm>
+          <a:prstGeom prst="rect">
+            <a:avLst/>
+          </a:prstGeom>
+          <a:noFill/>
+        </p:spPr>
+        <p:txBody>
+          <a:bodyPr wrap="none" rtlCol="0">
+            <a:spAutoFit/>
+          </a:bodyPr>
+          <a:lstStyle/>
+          <a:p>
+            <a:r>
+              <a:rPr lang="de-DE" dirty="0"/>
+              <a:t>Re</a:t>
+            </a:r>
+          </a:p>
+        </p:txBody>
+      </p:sp>
+      <p:sp>
+        <p:nvSpPr>
+          <p:cNvPr id="29" name="TextBox 28">
+            <a:extLst>
+              <a:ext uri="{FF2B5EF4-FFF2-40B4-BE49-F238E27FC236}">
+                <a16:creationId xmlns:a16="http://schemas.microsoft.com/office/drawing/2014/main" id="{9531A174-E7DD-FBCA-7C80-519265D368DC}"/>
+              </a:ext>
+            </a:extLst>
+          </p:cNvPr>
+          <p:cNvSpPr txBox="1"/>
+          <p:nvPr/>
+        </p:nvSpPr>
+        <p:spPr>
+          <a:xfrm>
+            <a:off x="5660570" y="4206476"/>
+            <a:ext cx="441146" cy="369332"/>
+          </a:xfrm>
+          <a:prstGeom prst="rect">
+            <a:avLst/>
+          </a:prstGeom>
+          <a:noFill/>
+        </p:spPr>
+        <p:txBody>
+          <a:bodyPr wrap="none" rtlCol="0">
+            <a:spAutoFit/>
+          </a:bodyPr>
+          <a:lstStyle/>
+          <a:p>
+            <a:r>
+              <a:rPr lang="de-DE" dirty="0"/>
+              <a:t>Im</a:t>
+            </a:r>
+          </a:p>
+        </p:txBody>
+      </p:sp>
+      <p:sp>
+        <p:nvSpPr>
+          <p:cNvPr id="30" name="TextBox 29">
+            <a:extLst>
+              <a:ext uri="{FF2B5EF4-FFF2-40B4-BE49-F238E27FC236}">
+                <a16:creationId xmlns:a16="http://schemas.microsoft.com/office/drawing/2014/main" id="{861768CE-637F-159E-CC0F-F2D9DED5E520}"/>
+              </a:ext>
+            </a:extLst>
+          </p:cNvPr>
+          <p:cNvSpPr txBox="1"/>
+          <p:nvPr/>
+        </p:nvSpPr>
+        <p:spPr>
+          <a:xfrm>
+            <a:off x="9048166" y="1640769"/>
+            <a:ext cx="1978811" cy="369332"/>
+          </a:xfrm>
+          <a:prstGeom prst="rect">
+            <a:avLst/>
+          </a:prstGeom>
+          <a:noFill/>
+        </p:spPr>
+        <p:txBody>
+          <a:bodyPr wrap="none" rtlCol="0">
+            <a:spAutoFit/>
+          </a:bodyPr>
+          <a:lstStyle/>
+          <a:p>
+            <a:r>
+              <a:rPr lang="de-DE" b="1" dirty="0"/>
+              <a:t>Magnitude image</a:t>
+            </a:r>
+          </a:p>
+        </p:txBody>
+      </p:sp>
+    </p:spTree>
+    <p:extLst>
+      <p:ext uri="{BB962C8B-B14F-4D97-AF65-F5344CB8AC3E}">
+        <p14:creationId xmlns:p14="http://schemas.microsoft.com/office/powerpoint/2010/main" val="2165784931"/>
       </p:ext>
     </p:extLst>
   </p:cSld>

--- a/figures/figures.pptx
+++ b/figures/figures.pptx
@@ -5,12 +5,23 @@
     <p:sldMasterId id="2147483648" r:id="rId1"/>
   </p:sldMasterIdLst>
   <p:notesMasterIdLst>
-    <p:notesMasterId r:id="rId5"/>
+    <p:notesMasterId r:id="rId16"/>
   </p:notesMasterIdLst>
   <p:sldIdLst>
     <p:sldId id="256" r:id="rId2"/>
     <p:sldId id="257" r:id="rId3"/>
     <p:sldId id="258" r:id="rId4"/>
+    <p:sldId id="259" r:id="rId5"/>
+    <p:sldId id="264" r:id="rId6"/>
+    <p:sldId id="268" r:id="rId7"/>
+    <p:sldId id="269" r:id="rId8"/>
+    <p:sldId id="260" r:id="rId9"/>
+    <p:sldId id="263" r:id="rId10"/>
+    <p:sldId id="261" r:id="rId11"/>
+    <p:sldId id="262" r:id="rId12"/>
+    <p:sldId id="265" r:id="rId13"/>
+    <p:sldId id="266" r:id="rId14"/>
+    <p:sldId id="267" r:id="rId15"/>
   </p:sldIdLst>
   <p:sldSz cx="12192000" cy="6858000"/>
   <p:notesSz cx="6858000" cy="9144000"/>
@@ -2896,7 +2907,7 @@
           <a:p>
             <a:fld id="{8CF8B62D-F47B-43DC-854F-884833B98021}" type="datetimeFigureOut">
               <a:rPr lang="de-DE" smtClean="0"/>
-              <a:t>05.08.2025</a:t>
+              <a:t>12.08.2025</a:t>
             </a:fld>
             <a:endParaRPr lang="de-DE"/>
           </a:p>
@@ -3164,6 +3175,258 @@
 </p:notesMaster>
 </file>
 
+<file path=ppt/notesSlides/notesSlide1.xml><?xml version="1.0" encoding="utf-8"?>
+<p:notes xmlns:a="http://schemas.openxmlformats.org/drawingml/2006/main" xmlns:r="http://schemas.openxmlformats.org/officeDocument/2006/relationships" xmlns:p="http://schemas.openxmlformats.org/presentationml/2006/main">
+  <p:cSld>
+    <p:spTree>
+      <p:nvGrpSpPr>
+        <p:cNvPr id="1" name=""/>
+        <p:cNvGrpSpPr/>
+        <p:nvPr/>
+      </p:nvGrpSpPr>
+      <p:grpSpPr>
+        <a:xfrm>
+          <a:off x="0" y="0"/>
+          <a:ext cx="0" cy="0"/>
+          <a:chOff x="0" y="0"/>
+          <a:chExt cx="0" cy="0"/>
+        </a:xfrm>
+      </p:grpSpPr>
+      <p:sp>
+        <p:nvSpPr>
+          <p:cNvPr id="2" name="Slide Image Placeholder 1"/>
+          <p:cNvSpPr>
+            <a:spLocks noGrp="1" noRot="1" noChangeAspect="1"/>
+          </p:cNvSpPr>
+          <p:nvPr>
+            <p:ph type="sldImg"/>
+          </p:nvPr>
+        </p:nvSpPr>
+        <p:spPr/>
+      </p:sp>
+      <p:sp>
+        <p:nvSpPr>
+          <p:cNvPr id="3" name="Notes Placeholder 2"/>
+          <p:cNvSpPr>
+            <a:spLocks noGrp="1"/>
+          </p:cNvSpPr>
+          <p:nvPr>
+            <p:ph type="body" idx="1"/>
+          </p:nvPr>
+        </p:nvSpPr>
+        <p:spPr/>
+        <p:txBody>
+          <a:bodyPr/>
+          <a:lstStyle/>
+          <a:p>
+            <a:endParaRPr lang="de-DE" dirty="0"/>
+          </a:p>
+        </p:txBody>
+      </p:sp>
+      <p:sp>
+        <p:nvSpPr>
+          <p:cNvPr id="4" name="Slide Number Placeholder 3"/>
+          <p:cNvSpPr>
+            <a:spLocks noGrp="1"/>
+          </p:cNvSpPr>
+          <p:nvPr>
+            <p:ph type="sldNum" sz="quarter" idx="5"/>
+          </p:nvPr>
+        </p:nvSpPr>
+        <p:spPr/>
+        <p:txBody>
+          <a:bodyPr/>
+          <a:lstStyle/>
+          <a:p>
+            <a:fld id="{AB2C2533-D42D-4AF8-9C02-1BDA65857909}" type="slidenum">
+              <a:rPr lang="de-DE" smtClean="0"/>
+              <a:t>4</a:t>
+            </a:fld>
+            <a:endParaRPr lang="de-DE"/>
+          </a:p>
+        </p:txBody>
+      </p:sp>
+    </p:spTree>
+    <p:extLst>
+      <p:ext uri="{BB962C8B-B14F-4D97-AF65-F5344CB8AC3E}">
+        <p14:creationId xmlns:p14="http://schemas.microsoft.com/office/powerpoint/2010/main" val="3854859648"/>
+      </p:ext>
+    </p:extLst>
+  </p:cSld>
+  <p:clrMapOvr>
+    <a:masterClrMapping/>
+  </p:clrMapOvr>
+</p:notes>
+</file>
+
+<file path=ppt/notesSlides/notesSlide2.xml><?xml version="1.0" encoding="utf-8"?>
+<p:notes xmlns:a="http://schemas.openxmlformats.org/drawingml/2006/main" xmlns:r="http://schemas.openxmlformats.org/officeDocument/2006/relationships" xmlns:p="http://schemas.openxmlformats.org/presentationml/2006/main">
+  <p:cSld>
+    <p:spTree>
+      <p:nvGrpSpPr>
+        <p:cNvPr id="1" name=""/>
+        <p:cNvGrpSpPr/>
+        <p:nvPr/>
+      </p:nvGrpSpPr>
+      <p:grpSpPr>
+        <a:xfrm>
+          <a:off x="0" y="0"/>
+          <a:ext cx="0" cy="0"/>
+          <a:chOff x="0" y="0"/>
+          <a:chExt cx="0" cy="0"/>
+        </a:xfrm>
+      </p:grpSpPr>
+      <p:sp>
+        <p:nvSpPr>
+          <p:cNvPr id="2" name="Slide Image Placeholder 1"/>
+          <p:cNvSpPr>
+            <a:spLocks noGrp="1" noRot="1" noChangeAspect="1"/>
+          </p:cNvSpPr>
+          <p:nvPr>
+            <p:ph type="sldImg"/>
+          </p:nvPr>
+        </p:nvSpPr>
+        <p:spPr/>
+      </p:sp>
+      <p:sp>
+        <p:nvSpPr>
+          <p:cNvPr id="3" name="Notes Placeholder 2"/>
+          <p:cNvSpPr>
+            <a:spLocks noGrp="1"/>
+          </p:cNvSpPr>
+          <p:nvPr>
+            <p:ph type="body" idx="1"/>
+          </p:nvPr>
+        </p:nvSpPr>
+        <p:spPr/>
+        <p:txBody>
+          <a:bodyPr/>
+          <a:lstStyle/>
+          <a:p>
+            <a:endParaRPr lang="de-DE" dirty="0"/>
+          </a:p>
+        </p:txBody>
+      </p:sp>
+      <p:sp>
+        <p:nvSpPr>
+          <p:cNvPr id="4" name="Slide Number Placeholder 3"/>
+          <p:cNvSpPr>
+            <a:spLocks noGrp="1"/>
+          </p:cNvSpPr>
+          <p:nvPr>
+            <p:ph type="sldNum" sz="quarter" idx="5"/>
+          </p:nvPr>
+        </p:nvSpPr>
+        <p:spPr/>
+        <p:txBody>
+          <a:bodyPr/>
+          <a:lstStyle/>
+          <a:p>
+            <a:fld id="{AB2C2533-D42D-4AF8-9C02-1BDA65857909}" type="slidenum">
+              <a:rPr lang="de-DE" smtClean="0"/>
+              <a:t>8</a:t>
+            </a:fld>
+            <a:endParaRPr lang="de-DE"/>
+          </a:p>
+        </p:txBody>
+      </p:sp>
+    </p:spTree>
+    <p:extLst>
+      <p:ext uri="{BB962C8B-B14F-4D97-AF65-F5344CB8AC3E}">
+        <p14:creationId xmlns:p14="http://schemas.microsoft.com/office/powerpoint/2010/main" val="598521160"/>
+      </p:ext>
+    </p:extLst>
+  </p:cSld>
+  <p:clrMapOvr>
+    <a:masterClrMapping/>
+  </p:clrMapOvr>
+</p:notes>
+</file>
+
+<file path=ppt/notesSlides/notesSlide3.xml><?xml version="1.0" encoding="utf-8"?>
+<p:notes xmlns:a="http://schemas.openxmlformats.org/drawingml/2006/main" xmlns:r="http://schemas.openxmlformats.org/officeDocument/2006/relationships" xmlns:p="http://schemas.openxmlformats.org/presentationml/2006/main">
+  <p:cSld>
+    <p:spTree>
+      <p:nvGrpSpPr>
+        <p:cNvPr id="1" name=""/>
+        <p:cNvGrpSpPr/>
+        <p:nvPr/>
+      </p:nvGrpSpPr>
+      <p:grpSpPr>
+        <a:xfrm>
+          <a:off x="0" y="0"/>
+          <a:ext cx="0" cy="0"/>
+          <a:chOff x="0" y="0"/>
+          <a:chExt cx="0" cy="0"/>
+        </a:xfrm>
+      </p:grpSpPr>
+      <p:sp>
+        <p:nvSpPr>
+          <p:cNvPr id="2" name="Slide Image Placeholder 1"/>
+          <p:cNvSpPr>
+            <a:spLocks noGrp="1" noRot="1" noChangeAspect="1"/>
+          </p:cNvSpPr>
+          <p:nvPr>
+            <p:ph type="sldImg"/>
+          </p:nvPr>
+        </p:nvSpPr>
+        <p:spPr/>
+      </p:sp>
+      <p:sp>
+        <p:nvSpPr>
+          <p:cNvPr id="3" name="Notes Placeholder 2"/>
+          <p:cNvSpPr>
+            <a:spLocks noGrp="1"/>
+          </p:cNvSpPr>
+          <p:nvPr>
+            <p:ph type="body" idx="1"/>
+          </p:nvPr>
+        </p:nvSpPr>
+        <p:spPr/>
+        <p:txBody>
+          <a:bodyPr/>
+          <a:lstStyle/>
+          <a:p>
+            <a:endParaRPr lang="de-DE" dirty="0"/>
+          </a:p>
+        </p:txBody>
+      </p:sp>
+      <p:sp>
+        <p:nvSpPr>
+          <p:cNvPr id="4" name="Slide Number Placeholder 3"/>
+          <p:cNvSpPr>
+            <a:spLocks noGrp="1"/>
+          </p:cNvSpPr>
+          <p:nvPr>
+            <p:ph type="sldNum" sz="quarter" idx="5"/>
+          </p:nvPr>
+        </p:nvSpPr>
+        <p:spPr/>
+        <p:txBody>
+          <a:bodyPr/>
+          <a:lstStyle/>
+          <a:p>
+            <a:fld id="{AB2C2533-D42D-4AF8-9C02-1BDA65857909}" type="slidenum">
+              <a:rPr lang="de-DE" smtClean="0"/>
+              <a:t>12</a:t>
+            </a:fld>
+            <a:endParaRPr lang="de-DE"/>
+          </a:p>
+        </p:txBody>
+      </p:sp>
+    </p:spTree>
+    <p:extLst>
+      <p:ext uri="{BB962C8B-B14F-4D97-AF65-F5344CB8AC3E}">
+        <p14:creationId xmlns:p14="http://schemas.microsoft.com/office/powerpoint/2010/main" val="2965620531"/>
+      </p:ext>
+    </p:extLst>
+  </p:cSld>
+  <p:clrMapOvr>
+    <a:masterClrMapping/>
+  </p:clrMapOvr>
+</p:notes>
+</file>
+
 <file path=ppt/slideLayouts/slideLayout1.xml><?xml version="1.0" encoding="utf-8"?>
 <p:sldLayout xmlns:a="http://schemas.openxmlformats.org/drawingml/2006/main" xmlns:r="http://schemas.openxmlformats.org/officeDocument/2006/relationships" xmlns:p="http://schemas.openxmlformats.org/presentationml/2006/main" type="title" preserve="1">
   <p:cSld name="Title Slide">
@@ -3313,7 +3576,7 @@
           <a:p>
             <a:fld id="{3146589B-F63A-42CD-B487-02649808258F}" type="datetimeFigureOut">
               <a:rPr lang="de-DE" smtClean="0"/>
-              <a:t>05.08.2025</a:t>
+              <a:t>12.08.2025</a:t>
             </a:fld>
             <a:endParaRPr lang="de-DE"/>
           </a:p>
@@ -3513,7 +3776,7 @@
           <a:p>
             <a:fld id="{3146589B-F63A-42CD-B487-02649808258F}" type="datetimeFigureOut">
               <a:rPr lang="de-DE" smtClean="0"/>
-              <a:t>05.08.2025</a:t>
+              <a:t>12.08.2025</a:t>
             </a:fld>
             <a:endParaRPr lang="de-DE"/>
           </a:p>
@@ -3723,7 +3986,7 @@
           <a:p>
             <a:fld id="{3146589B-F63A-42CD-B487-02649808258F}" type="datetimeFigureOut">
               <a:rPr lang="de-DE" smtClean="0"/>
-              <a:t>05.08.2025</a:t>
+              <a:t>12.08.2025</a:t>
             </a:fld>
             <a:endParaRPr lang="de-DE"/>
           </a:p>
@@ -3923,7 +4186,7 @@
           <a:p>
             <a:fld id="{3146589B-F63A-42CD-B487-02649808258F}" type="datetimeFigureOut">
               <a:rPr lang="de-DE" smtClean="0"/>
-              <a:t>05.08.2025</a:t>
+              <a:t>12.08.2025</a:t>
             </a:fld>
             <a:endParaRPr lang="de-DE"/>
           </a:p>
@@ -4199,7 +4462,7 @@
           <a:p>
             <a:fld id="{3146589B-F63A-42CD-B487-02649808258F}" type="datetimeFigureOut">
               <a:rPr lang="de-DE" smtClean="0"/>
-              <a:t>05.08.2025</a:t>
+              <a:t>12.08.2025</a:t>
             </a:fld>
             <a:endParaRPr lang="de-DE"/>
           </a:p>
@@ -4467,7 +4730,7 @@
           <a:p>
             <a:fld id="{3146589B-F63A-42CD-B487-02649808258F}" type="datetimeFigureOut">
               <a:rPr lang="de-DE" smtClean="0"/>
-              <a:t>05.08.2025</a:t>
+              <a:t>12.08.2025</a:t>
             </a:fld>
             <a:endParaRPr lang="de-DE"/>
           </a:p>
@@ -4882,7 +5145,7 @@
           <a:p>
             <a:fld id="{3146589B-F63A-42CD-B487-02649808258F}" type="datetimeFigureOut">
               <a:rPr lang="de-DE" smtClean="0"/>
-              <a:t>05.08.2025</a:t>
+              <a:t>12.08.2025</a:t>
             </a:fld>
             <a:endParaRPr lang="de-DE"/>
           </a:p>
@@ -5024,7 +5287,7 @@
           <a:p>
             <a:fld id="{3146589B-F63A-42CD-B487-02649808258F}" type="datetimeFigureOut">
               <a:rPr lang="de-DE" smtClean="0"/>
-              <a:t>05.08.2025</a:t>
+              <a:t>12.08.2025</a:t>
             </a:fld>
             <a:endParaRPr lang="de-DE"/>
           </a:p>
@@ -5137,7 +5400,7 @@
           <a:p>
             <a:fld id="{3146589B-F63A-42CD-B487-02649808258F}" type="datetimeFigureOut">
               <a:rPr lang="de-DE" smtClean="0"/>
-              <a:t>05.08.2025</a:t>
+              <a:t>12.08.2025</a:t>
             </a:fld>
             <a:endParaRPr lang="de-DE"/>
           </a:p>
@@ -5450,7 +5713,7 @@
           <a:p>
             <a:fld id="{3146589B-F63A-42CD-B487-02649808258F}" type="datetimeFigureOut">
               <a:rPr lang="de-DE" smtClean="0"/>
-              <a:t>05.08.2025</a:t>
+              <a:t>12.08.2025</a:t>
             </a:fld>
             <a:endParaRPr lang="de-DE"/>
           </a:p>
@@ -5739,7 +6002,7 @@
           <a:p>
             <a:fld id="{3146589B-F63A-42CD-B487-02649808258F}" type="datetimeFigureOut">
               <a:rPr lang="de-DE" smtClean="0"/>
-              <a:t>05.08.2025</a:t>
+              <a:t>12.08.2025</a:t>
             </a:fld>
             <a:endParaRPr lang="de-DE"/>
           </a:p>
@@ -5982,7 +6245,7 @@
           <a:p>
             <a:fld id="{3146589B-F63A-42CD-B487-02649808258F}" type="datetimeFigureOut">
               <a:rPr lang="de-DE" smtClean="0"/>
-              <a:t>05.08.2025</a:t>
+              <a:t>12.08.2025</a:t>
             </a:fld>
             <a:endParaRPr lang="de-DE"/>
           </a:p>
@@ -8273,6 +8536,1414 @@
     <p:extLst>
       <p:ext uri="{BB962C8B-B14F-4D97-AF65-F5344CB8AC3E}">
         <p14:creationId xmlns:p14="http://schemas.microsoft.com/office/powerpoint/2010/main" val="1494887623"/>
+      </p:ext>
+    </p:extLst>
+  </p:cSld>
+  <p:clrMapOvr>
+    <a:masterClrMapping/>
+  </p:clrMapOvr>
+</p:sld>
+</file>
+
+<file path=ppt/slides/slide10.xml><?xml version="1.0" encoding="utf-8"?>
+<p:sld xmlns:a="http://schemas.openxmlformats.org/drawingml/2006/main" xmlns:r="http://schemas.openxmlformats.org/officeDocument/2006/relationships" xmlns:p="http://schemas.openxmlformats.org/presentationml/2006/main">
+  <p:cSld>
+    <p:spTree>
+      <p:nvGrpSpPr>
+        <p:cNvPr id="1" name=""/>
+        <p:cNvGrpSpPr/>
+        <p:nvPr/>
+      </p:nvGrpSpPr>
+      <p:grpSpPr>
+        <a:xfrm>
+          <a:off x="0" y="0"/>
+          <a:ext cx="0" cy="0"/>
+          <a:chOff x="0" y="0"/>
+          <a:chExt cx="0" cy="0"/>
+        </a:xfrm>
+      </p:grpSpPr>
+      <p:cxnSp>
+        <p:nvCxnSpPr>
+          <p:cNvPr id="9" name="Straight Connector 8">
+            <a:extLst>
+              <a:ext uri="{FF2B5EF4-FFF2-40B4-BE49-F238E27FC236}">
+                <a16:creationId xmlns:a16="http://schemas.microsoft.com/office/drawing/2014/main" id="{388E9C69-89DF-B437-0400-C3DA0630562A}"/>
+              </a:ext>
+            </a:extLst>
+          </p:cNvPr>
+          <p:cNvCxnSpPr>
+            <a:cxnSpLocks/>
+          </p:cNvCxnSpPr>
+          <p:nvPr/>
+        </p:nvCxnSpPr>
+        <p:spPr>
+          <a:xfrm>
+            <a:off x="4445464" y="3045878"/>
+            <a:ext cx="3817692" cy="0"/>
+          </a:xfrm>
+          <a:prstGeom prst="line">
+            <a:avLst/>
+          </a:prstGeom>
+          <a:ln w="9525">
+            <a:solidFill>
+              <a:schemeClr val="tx1"/>
+            </a:solidFill>
+          </a:ln>
+        </p:spPr>
+        <p:style>
+          <a:lnRef idx="2">
+            <a:schemeClr val="accent1"/>
+          </a:lnRef>
+          <a:fillRef idx="0">
+            <a:schemeClr val="accent1"/>
+          </a:fillRef>
+          <a:effectRef idx="1">
+            <a:schemeClr val="accent1"/>
+          </a:effectRef>
+          <a:fontRef idx="minor">
+            <a:schemeClr val="tx1"/>
+          </a:fontRef>
+        </p:style>
+      </p:cxnSp>
+      <p:pic>
+        <p:nvPicPr>
+          <p:cNvPr id="15" name="Picture 14" descr="A graph with lines and numbers&#10;&#10;AI-generated content may be incorrect.">
+            <a:extLst>
+              <a:ext uri="{FF2B5EF4-FFF2-40B4-BE49-F238E27FC236}">
+                <a16:creationId xmlns:a16="http://schemas.microsoft.com/office/drawing/2014/main" id="{9DA96549-5C7F-B723-D597-BD670A699BBF}"/>
+              </a:ext>
+            </a:extLst>
+          </p:cNvPr>
+          <p:cNvPicPr>
+            <a:picLocks noChangeAspect="1"/>
+          </p:cNvPicPr>
+          <p:nvPr/>
+        </p:nvPicPr>
+        <p:blipFill>
+          <a:blip r:embed="rId2">
+            <a:extLst>
+              <a:ext uri="{28A0092B-C50C-407E-A947-70E740481C1C}">
+                <a14:useLocalDpi xmlns:a14="http://schemas.microsoft.com/office/drawing/2010/main" val="0"/>
+              </a:ext>
+            </a:extLst>
+          </a:blip>
+          <a:srcRect b="2633"/>
+          <a:stretch>
+            <a:fillRect/>
+          </a:stretch>
+        </p:blipFill>
+        <p:spPr>
+          <a:xfrm>
+            <a:off x="4079099" y="885126"/>
+            <a:ext cx="4319025" cy="2101172"/>
+          </a:xfrm>
+          <a:prstGeom prst="rect">
+            <a:avLst/>
+          </a:prstGeom>
+        </p:spPr>
+      </p:pic>
+      <p:cxnSp>
+        <p:nvCxnSpPr>
+          <p:cNvPr id="18" name="Straight Connector 17">
+            <a:extLst>
+              <a:ext uri="{FF2B5EF4-FFF2-40B4-BE49-F238E27FC236}">
+                <a16:creationId xmlns:a16="http://schemas.microsoft.com/office/drawing/2014/main" id="{BE754E9E-E7FB-3E00-B4D7-56CC44B956E8}"/>
+              </a:ext>
+            </a:extLst>
+          </p:cNvPr>
+          <p:cNvCxnSpPr>
+            <a:cxnSpLocks/>
+          </p:cNvCxnSpPr>
+          <p:nvPr/>
+        </p:nvCxnSpPr>
+        <p:spPr>
+          <a:xfrm>
+            <a:off x="4445464" y="2648125"/>
+            <a:ext cx="3817692" cy="0"/>
+          </a:xfrm>
+          <a:prstGeom prst="line">
+            <a:avLst/>
+          </a:prstGeom>
+          <a:ln w="9525">
+            <a:solidFill>
+              <a:schemeClr val="tx1"/>
+            </a:solidFill>
+            <a:headEnd type="none" w="med" len="med"/>
+            <a:tailEnd type="triangle" w="med" len="med"/>
+          </a:ln>
+        </p:spPr>
+        <p:style>
+          <a:lnRef idx="2">
+            <a:schemeClr val="accent1"/>
+          </a:lnRef>
+          <a:fillRef idx="0">
+            <a:schemeClr val="accent1"/>
+          </a:fillRef>
+          <a:effectRef idx="1">
+            <a:schemeClr val="accent1"/>
+          </a:effectRef>
+          <a:fontRef idx="minor">
+            <a:schemeClr val="tx1"/>
+          </a:fontRef>
+        </p:style>
+      </p:cxnSp>
+      <p:pic>
+        <p:nvPicPr>
+          <p:cNvPr id="23" name="Picture 22" descr="A graph with lines and numbers&#10;&#10;AI-generated content may be incorrect.">
+            <a:extLst>
+              <a:ext uri="{FF2B5EF4-FFF2-40B4-BE49-F238E27FC236}">
+                <a16:creationId xmlns:a16="http://schemas.microsoft.com/office/drawing/2014/main" id="{6A6A7DDB-2FA4-ADB5-8B9B-B239FD39C0D0}"/>
+              </a:ext>
+            </a:extLst>
+          </p:cNvPr>
+          <p:cNvPicPr>
+            <a:picLocks noChangeAspect="1"/>
+          </p:cNvPicPr>
+          <p:nvPr/>
+        </p:nvPicPr>
+        <p:blipFill>
+          <a:blip r:embed="rId3">
+            <a:extLst>
+              <a:ext uri="{28A0092B-C50C-407E-A947-70E740481C1C}">
+                <a14:useLocalDpi xmlns:a14="http://schemas.microsoft.com/office/drawing/2010/main" val="0"/>
+              </a:ext>
+            </a:extLst>
+          </a:blip>
+          <a:srcRect t="78608"/>
+          <a:stretch>
+            <a:fillRect/>
+          </a:stretch>
+        </p:blipFill>
+        <p:spPr>
+          <a:xfrm>
+            <a:off x="4079099" y="3045877"/>
+            <a:ext cx="4319025" cy="461639"/>
+          </a:xfrm>
+          <a:prstGeom prst="rect">
+            <a:avLst/>
+          </a:prstGeom>
+        </p:spPr>
+      </p:pic>
+    </p:spTree>
+    <p:extLst>
+      <p:ext uri="{BB962C8B-B14F-4D97-AF65-F5344CB8AC3E}">
+        <p14:creationId xmlns:p14="http://schemas.microsoft.com/office/powerpoint/2010/main" val="622767804"/>
+      </p:ext>
+    </p:extLst>
+  </p:cSld>
+  <p:clrMapOvr>
+    <a:masterClrMapping/>
+  </p:clrMapOvr>
+</p:sld>
+</file>
+
+<file path=ppt/slides/slide11.xml><?xml version="1.0" encoding="utf-8"?>
+<p:sld xmlns:a="http://schemas.openxmlformats.org/drawingml/2006/main" xmlns:r="http://schemas.openxmlformats.org/officeDocument/2006/relationships" xmlns:p="http://schemas.openxmlformats.org/presentationml/2006/main">
+  <p:cSld>
+    <p:spTree>
+      <p:nvGrpSpPr>
+        <p:cNvPr id="1" name=""/>
+        <p:cNvGrpSpPr/>
+        <p:nvPr/>
+      </p:nvGrpSpPr>
+      <p:grpSpPr>
+        <a:xfrm>
+          <a:off x="0" y="0"/>
+          <a:ext cx="0" cy="0"/>
+          <a:chOff x="0" y="0"/>
+          <a:chExt cx="0" cy="0"/>
+        </a:xfrm>
+      </p:grpSpPr>
+      <p:pic>
+        <p:nvPicPr>
+          <p:cNvPr id="5" name="Picture 4" descr="A pair of black and grey squares&#10;&#10;AI-generated content may be incorrect.">
+            <a:extLst>
+              <a:ext uri="{FF2B5EF4-FFF2-40B4-BE49-F238E27FC236}">
+                <a16:creationId xmlns:a16="http://schemas.microsoft.com/office/drawing/2014/main" id="{1C68E6C2-7F13-55CC-2FEC-A9D9482098C4}"/>
+              </a:ext>
+            </a:extLst>
+          </p:cNvPr>
+          <p:cNvPicPr>
+            <a:picLocks noChangeAspect="1"/>
+          </p:cNvPicPr>
+          <p:nvPr/>
+        </p:nvPicPr>
+        <p:blipFill>
+          <a:blip r:embed="rId2">
+            <a:extLst>
+              <a:ext uri="{28A0092B-C50C-407E-A947-70E740481C1C}">
+                <a14:useLocalDpi xmlns:a14="http://schemas.microsoft.com/office/drawing/2010/main" val="0"/>
+              </a:ext>
+            </a:extLst>
+          </a:blip>
+          <a:srcRect t="45079" b="45238"/>
+          <a:stretch>
+            <a:fillRect/>
+          </a:stretch>
+        </p:blipFill>
+        <p:spPr>
+          <a:xfrm>
+            <a:off x="2667000" y="3091542"/>
+            <a:ext cx="6858000" cy="664029"/>
+          </a:xfrm>
+          <a:prstGeom prst="rect">
+            <a:avLst/>
+          </a:prstGeom>
+        </p:spPr>
+      </p:pic>
+      <p:pic>
+        <p:nvPicPr>
+          <p:cNvPr id="7" name="Picture 6" descr="A black and white rectangles&#10;&#10;AI-generated content may be incorrect.">
+            <a:extLst>
+              <a:ext uri="{FF2B5EF4-FFF2-40B4-BE49-F238E27FC236}">
+                <a16:creationId xmlns:a16="http://schemas.microsoft.com/office/drawing/2014/main" id="{88A7C2FA-189D-6339-6973-A98D4AB7B556}"/>
+              </a:ext>
+            </a:extLst>
+          </p:cNvPr>
+          <p:cNvPicPr>
+            <a:picLocks noChangeAspect="1"/>
+          </p:cNvPicPr>
+          <p:nvPr/>
+        </p:nvPicPr>
+        <p:blipFill>
+          <a:blip r:embed="rId3">
+            <a:extLst>
+              <a:ext uri="{28A0092B-C50C-407E-A947-70E740481C1C}">
+                <a14:useLocalDpi xmlns:a14="http://schemas.microsoft.com/office/drawing/2010/main" val="0"/>
+              </a:ext>
+            </a:extLst>
+          </a:blip>
+          <a:srcRect t="42063" b="42222"/>
+          <a:stretch>
+            <a:fillRect/>
+          </a:stretch>
+        </p:blipFill>
+        <p:spPr>
+          <a:xfrm>
+            <a:off x="2569029" y="892629"/>
+            <a:ext cx="6858000" cy="1077685"/>
+          </a:xfrm>
+          <a:prstGeom prst="rect">
+            <a:avLst/>
+          </a:prstGeom>
+        </p:spPr>
+      </p:pic>
+    </p:spTree>
+    <p:extLst>
+      <p:ext uri="{BB962C8B-B14F-4D97-AF65-F5344CB8AC3E}">
+        <p14:creationId xmlns:p14="http://schemas.microsoft.com/office/powerpoint/2010/main" val="352272809"/>
+      </p:ext>
+    </p:extLst>
+  </p:cSld>
+  <p:clrMapOvr>
+    <a:masterClrMapping/>
+  </p:clrMapOvr>
+</p:sld>
+</file>
+
+<file path=ppt/slides/slide12.xml><?xml version="1.0" encoding="utf-8"?>
+<p:sld xmlns:a="http://schemas.openxmlformats.org/drawingml/2006/main" xmlns:r="http://schemas.openxmlformats.org/officeDocument/2006/relationships" xmlns:p="http://schemas.openxmlformats.org/presentationml/2006/main">
+  <p:cSld>
+    <p:spTree>
+      <p:nvGrpSpPr>
+        <p:cNvPr id="1" name=""/>
+        <p:cNvGrpSpPr/>
+        <p:nvPr/>
+      </p:nvGrpSpPr>
+      <p:grpSpPr>
+        <a:xfrm>
+          <a:off x="0" y="0"/>
+          <a:ext cx="0" cy="0"/>
+          <a:chOff x="0" y="0"/>
+          <a:chExt cx="0" cy="0"/>
+        </a:xfrm>
+      </p:grpSpPr>
+      <p:pic>
+        <p:nvPicPr>
+          <p:cNvPr id="80" name="Picture 79" descr="A graph of a line graph&#10;&#10;AI-generated content may be incorrect.">
+            <a:extLst>
+              <a:ext uri="{FF2B5EF4-FFF2-40B4-BE49-F238E27FC236}">
+                <a16:creationId xmlns:a16="http://schemas.microsoft.com/office/drawing/2014/main" id="{51A4EB75-62FE-A5CA-F24A-EE4F619D71AA}"/>
+              </a:ext>
+            </a:extLst>
+          </p:cNvPr>
+          <p:cNvPicPr>
+            <a:picLocks noChangeAspect="1"/>
+          </p:cNvPicPr>
+          <p:nvPr/>
+        </p:nvPicPr>
+        <p:blipFill>
+          <a:blip r:embed="rId3">
+            <a:extLst>
+              <a:ext uri="{28A0092B-C50C-407E-A947-70E740481C1C}">
+                <a14:useLocalDpi xmlns:a14="http://schemas.microsoft.com/office/drawing/2010/main" val="0"/>
+              </a:ext>
+            </a:extLst>
+          </a:blip>
+          <a:stretch>
+            <a:fillRect/>
+          </a:stretch>
+        </p:blipFill>
+        <p:spPr>
+          <a:xfrm>
+            <a:off x="6859459" y="-1010462"/>
+            <a:ext cx="5436624" cy="5436624"/>
+          </a:xfrm>
+          <a:prstGeom prst="rect">
+            <a:avLst/>
+          </a:prstGeom>
+        </p:spPr>
+      </p:pic>
+      <p:pic>
+        <p:nvPicPr>
+          <p:cNvPr id="70" name="Picture 69" descr="A black screen with white lines and red and blue lines&#10;&#10;AI-generated content may be incorrect.">
+            <a:extLst>
+              <a:ext uri="{FF2B5EF4-FFF2-40B4-BE49-F238E27FC236}">
+                <a16:creationId xmlns:a16="http://schemas.microsoft.com/office/drawing/2014/main" id="{994663FD-1F89-9101-5BFE-070CF067C76E}"/>
+              </a:ext>
+            </a:extLst>
+          </p:cNvPr>
+          <p:cNvPicPr>
+            <a:picLocks noChangeAspect="1"/>
+          </p:cNvPicPr>
+          <p:nvPr/>
+        </p:nvPicPr>
+        <p:blipFill>
+          <a:blip r:embed="rId4">
+            <a:extLst>
+              <a:ext uri="{28A0092B-C50C-407E-A947-70E740481C1C}">
+                <a14:useLocalDpi xmlns:a14="http://schemas.microsoft.com/office/drawing/2010/main" val="0"/>
+              </a:ext>
+            </a:extLst>
+          </a:blip>
+          <a:srcRect r="19102"/>
+          <a:stretch>
+            <a:fillRect/>
+          </a:stretch>
+        </p:blipFill>
+        <p:spPr>
+          <a:xfrm>
+            <a:off x="411751" y="89771"/>
+            <a:ext cx="6954250" cy="2157988"/>
+          </a:xfrm>
+          <a:prstGeom prst="rect">
+            <a:avLst/>
+          </a:prstGeom>
+        </p:spPr>
+      </p:pic>
+      <p:pic>
+        <p:nvPicPr>
+          <p:cNvPr id="74" name="Picture 73" descr="A graph of a function&#10;&#10;AI-generated content may be incorrect.">
+            <a:extLst>
+              <a:ext uri="{FF2B5EF4-FFF2-40B4-BE49-F238E27FC236}">
+                <a16:creationId xmlns:a16="http://schemas.microsoft.com/office/drawing/2014/main" id="{0E53596C-CB8D-7FA3-1C05-9317F738CAFE}"/>
+              </a:ext>
+            </a:extLst>
+          </p:cNvPr>
+          <p:cNvPicPr>
+            <a:picLocks/>
+          </p:cNvPicPr>
+          <p:nvPr/>
+        </p:nvPicPr>
+        <p:blipFill>
+          <a:blip r:embed="rId5">
+            <a:extLst>
+              <a:ext uri="{28A0092B-C50C-407E-A947-70E740481C1C}">
+                <a14:useLocalDpi xmlns:a14="http://schemas.microsoft.com/office/drawing/2010/main" val="0"/>
+              </a:ext>
+            </a:extLst>
+          </a:blip>
+          <a:srcRect r="18969"/>
+          <a:stretch>
+            <a:fillRect/>
+          </a:stretch>
+        </p:blipFill>
+        <p:spPr>
+          <a:xfrm>
+            <a:off x="277429" y="2268174"/>
+            <a:ext cx="5666171" cy="2157988"/>
+          </a:xfrm>
+          <a:prstGeom prst="rect">
+            <a:avLst/>
+          </a:prstGeom>
+        </p:spPr>
+      </p:pic>
+      <p:pic>
+        <p:nvPicPr>
+          <p:cNvPr id="75" name="Picture 74" descr="A graph of a function&#10;&#10;AI-generated content may be incorrect.">
+            <a:extLst>
+              <a:ext uri="{FF2B5EF4-FFF2-40B4-BE49-F238E27FC236}">
+                <a16:creationId xmlns:a16="http://schemas.microsoft.com/office/drawing/2014/main" id="{FD025E22-B6D6-7052-4316-F2CE4F9B3818}"/>
+              </a:ext>
+            </a:extLst>
+          </p:cNvPr>
+          <p:cNvPicPr>
+            <a:picLocks/>
+          </p:cNvPicPr>
+          <p:nvPr/>
+        </p:nvPicPr>
+        <p:blipFill>
+          <a:blip r:embed="rId5">
+            <a:extLst>
+              <a:ext uri="{28A0092B-C50C-407E-A947-70E740481C1C}">
+                <a14:useLocalDpi xmlns:a14="http://schemas.microsoft.com/office/drawing/2010/main" val="0"/>
+              </a:ext>
+            </a:extLst>
+          </a:blip>
+          <a:srcRect l="80553" t="17870" r="-152" b="31519"/>
+          <a:stretch>
+            <a:fillRect/>
+          </a:stretch>
+        </p:blipFill>
+        <p:spPr>
+          <a:xfrm>
+            <a:off x="7971516" y="391609"/>
+            <a:ext cx="1714500" cy="1092200"/>
+          </a:xfrm>
+          <a:prstGeom prst="rect">
+            <a:avLst/>
+          </a:prstGeom>
+        </p:spPr>
+      </p:pic>
+      <p:cxnSp>
+        <p:nvCxnSpPr>
+          <p:cNvPr id="82" name="Straight Arrow Connector 81">
+            <a:extLst>
+              <a:ext uri="{FF2B5EF4-FFF2-40B4-BE49-F238E27FC236}">
+                <a16:creationId xmlns:a16="http://schemas.microsoft.com/office/drawing/2014/main" id="{559586D9-312D-4F72-3FED-195305D08800}"/>
+              </a:ext>
+            </a:extLst>
+          </p:cNvPr>
+          <p:cNvCxnSpPr>
+            <a:cxnSpLocks/>
+          </p:cNvCxnSpPr>
+          <p:nvPr/>
+        </p:nvCxnSpPr>
+        <p:spPr>
+          <a:xfrm>
+            <a:off x="4381500" y="3587962"/>
+            <a:ext cx="1092200" cy="0"/>
+          </a:xfrm>
+          <a:prstGeom prst="straightConnector1">
+            <a:avLst/>
+          </a:prstGeom>
+          <a:ln>
+            <a:solidFill>
+              <a:srgbClr val="92D050"/>
+            </a:solidFill>
+            <a:headEnd type="triangle"/>
+            <a:tailEnd type="triangle"/>
+          </a:ln>
+        </p:spPr>
+        <p:style>
+          <a:lnRef idx="2">
+            <a:schemeClr val="accent1"/>
+          </a:lnRef>
+          <a:fillRef idx="0">
+            <a:schemeClr val="accent1"/>
+          </a:fillRef>
+          <a:effectRef idx="1">
+            <a:schemeClr val="accent1"/>
+          </a:effectRef>
+          <a:fontRef idx="minor">
+            <a:schemeClr val="tx1"/>
+          </a:fontRef>
+        </p:style>
+      </p:cxnSp>
+      <p:cxnSp>
+        <p:nvCxnSpPr>
+          <p:cNvPr id="84" name="Straight Arrow Connector 83">
+            <a:extLst>
+              <a:ext uri="{FF2B5EF4-FFF2-40B4-BE49-F238E27FC236}">
+                <a16:creationId xmlns:a16="http://schemas.microsoft.com/office/drawing/2014/main" id="{33366BEC-11DB-21C4-5D74-8FC19A59FFD1}"/>
+              </a:ext>
+            </a:extLst>
+          </p:cNvPr>
+          <p:cNvCxnSpPr>
+            <a:cxnSpLocks/>
+          </p:cNvCxnSpPr>
+          <p:nvPr/>
+        </p:nvCxnSpPr>
+        <p:spPr>
+          <a:xfrm flipV="1">
+            <a:off x="9944100" y="1917700"/>
+            <a:ext cx="0" cy="514562"/>
+          </a:xfrm>
+          <a:prstGeom prst="straightConnector1">
+            <a:avLst/>
+          </a:prstGeom>
+          <a:ln>
+            <a:solidFill>
+              <a:srgbClr val="92D050"/>
+            </a:solidFill>
+            <a:headEnd type="triangle"/>
+            <a:tailEnd type="triangle"/>
+          </a:ln>
+        </p:spPr>
+        <p:style>
+          <a:lnRef idx="2">
+            <a:schemeClr val="accent1"/>
+          </a:lnRef>
+          <a:fillRef idx="0">
+            <a:schemeClr val="accent1"/>
+          </a:fillRef>
+          <a:effectRef idx="1">
+            <a:schemeClr val="accent1"/>
+          </a:effectRef>
+          <a:fontRef idx="minor">
+            <a:schemeClr val="tx1"/>
+          </a:fontRef>
+        </p:style>
+      </p:cxnSp>
+      <p:cxnSp>
+        <p:nvCxnSpPr>
+          <p:cNvPr id="86" name="Straight Arrow Connector 85">
+            <a:extLst>
+              <a:ext uri="{FF2B5EF4-FFF2-40B4-BE49-F238E27FC236}">
+                <a16:creationId xmlns:a16="http://schemas.microsoft.com/office/drawing/2014/main" id="{87B1F74F-C7A6-FEAC-CA48-45278E9D7319}"/>
+              </a:ext>
+            </a:extLst>
+          </p:cNvPr>
+          <p:cNvCxnSpPr>
+            <a:cxnSpLocks/>
+          </p:cNvCxnSpPr>
+          <p:nvPr/>
+        </p:nvCxnSpPr>
+        <p:spPr>
+          <a:xfrm>
+            <a:off x="9944100" y="3918162"/>
+            <a:ext cx="622300" cy="0"/>
+          </a:xfrm>
+          <a:prstGeom prst="straightConnector1">
+            <a:avLst/>
+          </a:prstGeom>
+          <a:ln>
+            <a:solidFill>
+              <a:srgbClr val="92D050"/>
+            </a:solidFill>
+            <a:headEnd type="triangle"/>
+            <a:tailEnd type="triangle"/>
+          </a:ln>
+        </p:spPr>
+        <p:style>
+          <a:lnRef idx="2">
+            <a:schemeClr val="accent1"/>
+          </a:lnRef>
+          <a:fillRef idx="0">
+            <a:schemeClr val="accent1"/>
+          </a:fillRef>
+          <a:effectRef idx="1">
+            <a:schemeClr val="accent1"/>
+          </a:effectRef>
+          <a:fontRef idx="minor">
+            <a:schemeClr val="tx1"/>
+          </a:fontRef>
+        </p:style>
+      </p:cxnSp>
+    </p:spTree>
+    <p:extLst>
+      <p:ext uri="{BB962C8B-B14F-4D97-AF65-F5344CB8AC3E}">
+        <p14:creationId xmlns:p14="http://schemas.microsoft.com/office/powerpoint/2010/main" val="1337732958"/>
+      </p:ext>
+    </p:extLst>
+  </p:cSld>
+  <p:clrMapOvr>
+    <a:masterClrMapping/>
+  </p:clrMapOvr>
+</p:sld>
+</file>
+
+<file path=ppt/slides/slide13.xml><?xml version="1.0" encoding="utf-8"?>
+<p:sld xmlns:a="http://schemas.openxmlformats.org/drawingml/2006/main" xmlns:r="http://schemas.openxmlformats.org/officeDocument/2006/relationships" xmlns:p="http://schemas.openxmlformats.org/presentationml/2006/main">
+  <p:cSld>
+    <p:spTree>
+      <p:nvGrpSpPr>
+        <p:cNvPr id="1" name=""/>
+        <p:cNvGrpSpPr/>
+        <p:nvPr/>
+      </p:nvGrpSpPr>
+      <p:grpSpPr>
+        <a:xfrm>
+          <a:off x="0" y="0"/>
+          <a:ext cx="0" cy="0"/>
+          <a:chOff x="0" y="0"/>
+          <a:chExt cx="0" cy="0"/>
+        </a:xfrm>
+      </p:grpSpPr>
+      <p:pic>
+        <p:nvPicPr>
+          <p:cNvPr id="21" name="Picture 20" descr="A graph with lines and a purple line&#10;&#10;AI-generated content may be incorrect.">
+            <a:extLst>
+              <a:ext uri="{FF2B5EF4-FFF2-40B4-BE49-F238E27FC236}">
+                <a16:creationId xmlns:a16="http://schemas.microsoft.com/office/drawing/2014/main" id="{C1618315-3733-22C3-5FAF-0A3CF869F73A}"/>
+              </a:ext>
+            </a:extLst>
+          </p:cNvPr>
+          <p:cNvPicPr>
+            <a:picLocks noChangeAspect="1"/>
+          </p:cNvPicPr>
+          <p:nvPr/>
+        </p:nvPicPr>
+        <p:blipFill>
+          <a:blip r:embed="rId2">
+            <a:extLst>
+              <a:ext uri="{28A0092B-C50C-407E-A947-70E740481C1C}">
+                <a14:useLocalDpi xmlns:a14="http://schemas.microsoft.com/office/drawing/2010/main" val="0"/>
+              </a:ext>
+            </a:extLst>
+          </a:blip>
+          <a:srcRect r="25529"/>
+          <a:stretch>
+            <a:fillRect/>
+          </a:stretch>
+        </p:blipFill>
+        <p:spPr>
+          <a:xfrm>
+            <a:off x="2913442" y="1011184"/>
+            <a:ext cx="4308508" cy="2157988"/>
+          </a:xfrm>
+          <a:prstGeom prst="rect">
+            <a:avLst/>
+          </a:prstGeom>
+        </p:spPr>
+      </p:pic>
+      <p:pic>
+        <p:nvPicPr>
+          <p:cNvPr id="27" name="Picture 26" descr="A graph of a line graph&#10;&#10;AI-generated content may be incorrect.">
+            <a:extLst>
+              <a:ext uri="{FF2B5EF4-FFF2-40B4-BE49-F238E27FC236}">
+                <a16:creationId xmlns:a16="http://schemas.microsoft.com/office/drawing/2014/main" id="{7F39FC47-4D7E-393F-4F45-F3C671DD832C}"/>
+              </a:ext>
+            </a:extLst>
+          </p:cNvPr>
+          <p:cNvPicPr>
+            <a:picLocks noChangeAspect="1"/>
+          </p:cNvPicPr>
+          <p:nvPr/>
+        </p:nvPicPr>
+        <p:blipFill>
+          <a:blip r:embed="rId3">
+            <a:extLst>
+              <a:ext uri="{28A0092B-C50C-407E-A947-70E740481C1C}">
+                <a14:useLocalDpi xmlns:a14="http://schemas.microsoft.com/office/drawing/2010/main" val="0"/>
+              </a:ext>
+            </a:extLst>
+          </a:blip>
+          <a:srcRect b="6230"/>
+          <a:stretch>
+            <a:fillRect/>
+          </a:stretch>
+        </p:blipFill>
+        <p:spPr>
+          <a:xfrm>
+            <a:off x="7221950" y="1011185"/>
+            <a:ext cx="4319025" cy="4049912"/>
+          </a:xfrm>
+          <a:prstGeom prst="rect">
+            <a:avLst/>
+          </a:prstGeom>
+        </p:spPr>
+      </p:pic>
+      <p:pic>
+        <p:nvPicPr>
+          <p:cNvPr id="29" name="Picture 28" descr="A graph of a function&#10;&#10;AI-generated content may be incorrect.">
+            <a:extLst>
+              <a:ext uri="{FF2B5EF4-FFF2-40B4-BE49-F238E27FC236}">
+                <a16:creationId xmlns:a16="http://schemas.microsoft.com/office/drawing/2014/main" id="{61883495-670E-67B3-6AAE-D17B53F30B38}"/>
+              </a:ext>
+            </a:extLst>
+          </p:cNvPr>
+          <p:cNvPicPr>
+            <a:picLocks noChangeAspect="1"/>
+          </p:cNvPicPr>
+          <p:nvPr/>
+        </p:nvPicPr>
+        <p:blipFill>
+          <a:blip r:embed="rId4">
+            <a:extLst>
+              <a:ext uri="{28A0092B-C50C-407E-A947-70E740481C1C}">
+                <a14:useLocalDpi xmlns:a14="http://schemas.microsoft.com/office/drawing/2010/main" val="0"/>
+              </a:ext>
+            </a:extLst>
+          </a:blip>
+          <a:srcRect r="25188" b="12330"/>
+          <a:stretch>
+            <a:fillRect/>
+          </a:stretch>
+        </p:blipFill>
+        <p:spPr>
+          <a:xfrm>
+            <a:off x="2824951" y="3169172"/>
+            <a:ext cx="4396999" cy="1891925"/>
+          </a:xfrm>
+          <a:prstGeom prst="rect">
+            <a:avLst/>
+          </a:prstGeom>
+        </p:spPr>
+      </p:pic>
+      <p:pic>
+        <p:nvPicPr>
+          <p:cNvPr id="30" name="Picture 29" descr="A graph of a function&#10;&#10;AI-generated content may be incorrect.">
+            <a:extLst>
+              <a:ext uri="{FF2B5EF4-FFF2-40B4-BE49-F238E27FC236}">
+                <a16:creationId xmlns:a16="http://schemas.microsoft.com/office/drawing/2014/main" id="{F937F207-2BFD-CD2C-6794-D905880DA711}"/>
+              </a:ext>
+            </a:extLst>
+          </p:cNvPr>
+          <p:cNvPicPr>
+            <a:picLocks noChangeAspect="1"/>
+          </p:cNvPicPr>
+          <p:nvPr/>
+        </p:nvPicPr>
+        <p:blipFill>
+          <a:blip r:embed="rId4">
+            <a:extLst>
+              <a:ext uri="{28A0092B-C50C-407E-A947-70E740481C1C}">
+                <a14:useLocalDpi xmlns:a14="http://schemas.microsoft.com/office/drawing/2010/main" val="0"/>
+              </a:ext>
+            </a:extLst>
+          </a:blip>
+          <a:srcRect l="74390" t="13705" b="28402"/>
+          <a:stretch>
+            <a:fillRect/>
+          </a:stretch>
+        </p:blipFill>
+        <p:spPr>
+          <a:xfrm>
+            <a:off x="7876287" y="1164904"/>
+            <a:ext cx="1505175" cy="1249326"/>
+          </a:xfrm>
+          <a:prstGeom prst="rect">
+            <a:avLst/>
+          </a:prstGeom>
+        </p:spPr>
+      </p:pic>
+      <p:cxnSp>
+        <p:nvCxnSpPr>
+          <p:cNvPr id="31" name="Straight Arrow Connector 30">
+            <a:extLst>
+              <a:ext uri="{FF2B5EF4-FFF2-40B4-BE49-F238E27FC236}">
+                <a16:creationId xmlns:a16="http://schemas.microsoft.com/office/drawing/2014/main" id="{55BCDD0C-B3B7-FCF6-3AF8-992FFB98506E}"/>
+              </a:ext>
+            </a:extLst>
+          </p:cNvPr>
+          <p:cNvCxnSpPr>
+            <a:cxnSpLocks/>
+          </p:cNvCxnSpPr>
+          <p:nvPr/>
+        </p:nvCxnSpPr>
+        <p:spPr>
+          <a:xfrm>
+            <a:off x="5409880" y="4546381"/>
+            <a:ext cx="630000" cy="0"/>
+          </a:xfrm>
+          <a:prstGeom prst="straightConnector1">
+            <a:avLst/>
+          </a:prstGeom>
+          <a:ln>
+            <a:solidFill>
+              <a:srgbClr val="92D050"/>
+            </a:solidFill>
+            <a:headEnd type="none" w="med" len="med"/>
+            <a:tailEnd type="triangle" w="med" len="med"/>
+          </a:ln>
+        </p:spPr>
+        <p:style>
+          <a:lnRef idx="2">
+            <a:schemeClr val="accent1"/>
+          </a:lnRef>
+          <a:fillRef idx="0">
+            <a:schemeClr val="accent1"/>
+          </a:fillRef>
+          <a:effectRef idx="1">
+            <a:schemeClr val="accent1"/>
+          </a:effectRef>
+          <a:fontRef idx="minor">
+            <a:schemeClr val="tx1"/>
+          </a:fontRef>
+        </p:style>
+      </p:cxnSp>
+      <p:cxnSp>
+        <p:nvCxnSpPr>
+          <p:cNvPr id="37" name="Straight Arrow Connector 36">
+            <a:extLst>
+              <a:ext uri="{FF2B5EF4-FFF2-40B4-BE49-F238E27FC236}">
+                <a16:creationId xmlns:a16="http://schemas.microsoft.com/office/drawing/2014/main" id="{F2ADAEB0-3AC4-81DF-A126-365DC50B5976}"/>
+              </a:ext>
+            </a:extLst>
+          </p:cNvPr>
+          <p:cNvCxnSpPr>
+            <a:cxnSpLocks/>
+          </p:cNvCxnSpPr>
+          <p:nvPr/>
+        </p:nvCxnSpPr>
+        <p:spPr>
+          <a:xfrm>
+            <a:off x="9814241" y="4351309"/>
+            <a:ext cx="619063" cy="0"/>
+          </a:xfrm>
+          <a:prstGeom prst="straightConnector1">
+            <a:avLst/>
+          </a:prstGeom>
+          <a:ln>
+            <a:solidFill>
+              <a:srgbClr val="92D050"/>
+            </a:solidFill>
+            <a:headEnd type="none" w="med" len="med"/>
+            <a:tailEnd type="triangle" w="med" len="med"/>
+          </a:ln>
+        </p:spPr>
+        <p:style>
+          <a:lnRef idx="2">
+            <a:schemeClr val="accent1"/>
+          </a:lnRef>
+          <a:fillRef idx="0">
+            <a:schemeClr val="accent1"/>
+          </a:fillRef>
+          <a:effectRef idx="1">
+            <a:schemeClr val="accent1"/>
+          </a:effectRef>
+          <a:fontRef idx="minor">
+            <a:schemeClr val="tx1"/>
+          </a:fontRef>
+        </p:style>
+      </p:cxnSp>
+      <p:cxnSp>
+        <p:nvCxnSpPr>
+          <p:cNvPr id="38" name="Straight Arrow Connector 37">
+            <a:extLst>
+              <a:ext uri="{FF2B5EF4-FFF2-40B4-BE49-F238E27FC236}">
+                <a16:creationId xmlns:a16="http://schemas.microsoft.com/office/drawing/2014/main" id="{0CC209EC-0DFD-D6FA-1403-90DA7649F3B7}"/>
+              </a:ext>
+            </a:extLst>
+          </p:cNvPr>
+          <p:cNvCxnSpPr>
+            <a:cxnSpLocks/>
+          </p:cNvCxnSpPr>
+          <p:nvPr/>
+        </p:nvCxnSpPr>
+        <p:spPr>
+          <a:xfrm flipV="1">
+            <a:off x="9798339" y="2528921"/>
+            <a:ext cx="0" cy="568800"/>
+          </a:xfrm>
+          <a:prstGeom prst="straightConnector1">
+            <a:avLst/>
+          </a:prstGeom>
+          <a:ln>
+            <a:solidFill>
+              <a:srgbClr val="92D050"/>
+            </a:solidFill>
+            <a:headEnd type="none" w="med" len="med"/>
+            <a:tailEnd type="triangle" w="med" len="med"/>
+          </a:ln>
+        </p:spPr>
+        <p:style>
+          <a:lnRef idx="2">
+            <a:schemeClr val="accent1"/>
+          </a:lnRef>
+          <a:fillRef idx="0">
+            <a:schemeClr val="accent1"/>
+          </a:fillRef>
+          <a:effectRef idx="1">
+            <a:schemeClr val="accent1"/>
+          </a:effectRef>
+          <a:fontRef idx="minor">
+            <a:schemeClr val="tx1"/>
+          </a:fontRef>
+        </p:style>
+      </p:cxnSp>
+      <p:pic>
+        <p:nvPicPr>
+          <p:cNvPr id="43" name="Picture 42" descr="A graph with lines and numbers&#10;&#10;AI-generated content may be incorrect.">
+            <a:extLst>
+              <a:ext uri="{FF2B5EF4-FFF2-40B4-BE49-F238E27FC236}">
+                <a16:creationId xmlns:a16="http://schemas.microsoft.com/office/drawing/2014/main" id="{58B11B9E-9EC0-D95D-E5B3-451FA94677E8}"/>
+              </a:ext>
+            </a:extLst>
+          </p:cNvPr>
+          <p:cNvPicPr>
+            <a:picLocks noChangeAspect="1"/>
+          </p:cNvPicPr>
+          <p:nvPr/>
+        </p:nvPicPr>
+        <p:blipFill>
+          <a:blip r:embed="rId5">
+            <a:extLst>
+              <a:ext uri="{28A0092B-C50C-407E-A947-70E740481C1C}">
+                <a14:useLocalDpi xmlns:a14="http://schemas.microsoft.com/office/drawing/2010/main" val="0"/>
+              </a:ext>
+            </a:extLst>
+          </a:blip>
+          <a:srcRect l="27960" t="87813" r="25719" b="-142"/>
+          <a:stretch>
+            <a:fillRect/>
+          </a:stretch>
+        </p:blipFill>
+        <p:spPr>
+          <a:xfrm>
+            <a:off x="3795823" y="5061099"/>
+            <a:ext cx="2583712" cy="266059"/>
+          </a:xfrm>
+          <a:prstGeom prst="rect">
+            <a:avLst/>
+          </a:prstGeom>
+        </p:spPr>
+      </p:pic>
+      <p:pic>
+        <p:nvPicPr>
+          <p:cNvPr id="44" name="Picture 43" descr="A graph with lines and numbers&#10;&#10;AI-generated content may be incorrect.">
+            <a:extLst>
+              <a:ext uri="{FF2B5EF4-FFF2-40B4-BE49-F238E27FC236}">
+                <a16:creationId xmlns:a16="http://schemas.microsoft.com/office/drawing/2014/main" id="{3791E071-2366-42AC-2605-FB83D92B5BEE}"/>
+              </a:ext>
+            </a:extLst>
+          </p:cNvPr>
+          <p:cNvPicPr>
+            <a:picLocks noChangeAspect="1"/>
+          </p:cNvPicPr>
+          <p:nvPr/>
+        </p:nvPicPr>
+        <p:blipFill>
+          <a:blip r:embed="rId5">
+            <a:extLst>
+              <a:ext uri="{28A0092B-C50C-407E-A947-70E740481C1C}">
+                <a14:useLocalDpi xmlns:a14="http://schemas.microsoft.com/office/drawing/2010/main" val="0"/>
+              </a:ext>
+            </a:extLst>
+          </a:blip>
+          <a:srcRect l="27960" t="87813" r="25719" b="-142"/>
+          <a:stretch>
+            <a:fillRect/>
+          </a:stretch>
+        </p:blipFill>
+        <p:spPr>
+          <a:xfrm>
+            <a:off x="8182891" y="5061099"/>
+            <a:ext cx="2583712" cy="266059"/>
+          </a:xfrm>
+          <a:prstGeom prst="rect">
+            <a:avLst/>
+          </a:prstGeom>
+        </p:spPr>
+      </p:pic>
+      <p:cxnSp>
+        <p:nvCxnSpPr>
+          <p:cNvPr id="2" name="Straight Arrow Connector 1">
+            <a:extLst>
+              <a:ext uri="{FF2B5EF4-FFF2-40B4-BE49-F238E27FC236}">
+                <a16:creationId xmlns:a16="http://schemas.microsoft.com/office/drawing/2014/main" id="{BE222E97-C9C1-3F8B-5EED-0782FA411984}"/>
+              </a:ext>
+            </a:extLst>
+          </p:cNvPr>
+          <p:cNvCxnSpPr>
+            <a:cxnSpLocks/>
+          </p:cNvCxnSpPr>
+          <p:nvPr/>
+        </p:nvCxnSpPr>
+        <p:spPr>
+          <a:xfrm flipH="1">
+            <a:off x="6064535" y="4546381"/>
+            <a:ext cx="630000" cy="0"/>
+          </a:xfrm>
+          <a:prstGeom prst="straightConnector1">
+            <a:avLst/>
+          </a:prstGeom>
+          <a:ln>
+            <a:solidFill>
+              <a:srgbClr val="92D050"/>
+            </a:solidFill>
+            <a:headEnd type="none" w="med" len="med"/>
+            <a:tailEnd type="triangle" w="med" len="med"/>
+          </a:ln>
+        </p:spPr>
+        <p:style>
+          <a:lnRef idx="2">
+            <a:schemeClr val="accent1"/>
+          </a:lnRef>
+          <a:fillRef idx="0">
+            <a:schemeClr val="accent1"/>
+          </a:fillRef>
+          <a:effectRef idx="1">
+            <a:schemeClr val="accent1"/>
+          </a:effectRef>
+          <a:fontRef idx="minor">
+            <a:schemeClr val="tx1"/>
+          </a:fontRef>
+        </p:style>
+      </p:cxnSp>
+      <p:cxnSp>
+        <p:nvCxnSpPr>
+          <p:cNvPr id="3" name="Straight Arrow Connector 2">
+            <a:extLst>
+              <a:ext uri="{FF2B5EF4-FFF2-40B4-BE49-F238E27FC236}">
+                <a16:creationId xmlns:a16="http://schemas.microsoft.com/office/drawing/2014/main" id="{B7CECA05-63EF-1280-25E2-1631AE07CCBE}"/>
+              </a:ext>
+            </a:extLst>
+          </p:cNvPr>
+          <p:cNvCxnSpPr>
+            <a:cxnSpLocks/>
+          </p:cNvCxnSpPr>
+          <p:nvPr/>
+        </p:nvCxnSpPr>
+        <p:spPr>
+          <a:xfrm flipH="1">
+            <a:off x="10457071" y="4351309"/>
+            <a:ext cx="619063" cy="0"/>
+          </a:xfrm>
+          <a:prstGeom prst="straightConnector1">
+            <a:avLst/>
+          </a:prstGeom>
+          <a:ln>
+            <a:solidFill>
+              <a:srgbClr val="92D050"/>
+            </a:solidFill>
+            <a:headEnd type="none" w="med" len="med"/>
+            <a:tailEnd type="triangle" w="med" len="med"/>
+          </a:ln>
+        </p:spPr>
+        <p:style>
+          <a:lnRef idx="2">
+            <a:schemeClr val="accent1"/>
+          </a:lnRef>
+          <a:fillRef idx="0">
+            <a:schemeClr val="accent1"/>
+          </a:fillRef>
+          <a:effectRef idx="1">
+            <a:schemeClr val="accent1"/>
+          </a:effectRef>
+          <a:fontRef idx="minor">
+            <a:schemeClr val="tx1"/>
+          </a:fontRef>
+        </p:style>
+      </p:cxnSp>
+      <p:cxnSp>
+        <p:nvCxnSpPr>
+          <p:cNvPr id="4" name="Straight Arrow Connector 3">
+            <a:extLst>
+              <a:ext uri="{FF2B5EF4-FFF2-40B4-BE49-F238E27FC236}">
+                <a16:creationId xmlns:a16="http://schemas.microsoft.com/office/drawing/2014/main" id="{D59C41E2-B9A9-237D-B6F1-B8352AB8C656}"/>
+              </a:ext>
+            </a:extLst>
+          </p:cNvPr>
+          <p:cNvCxnSpPr>
+            <a:cxnSpLocks/>
+          </p:cNvCxnSpPr>
+          <p:nvPr/>
+        </p:nvCxnSpPr>
+        <p:spPr>
+          <a:xfrm>
+            <a:off x="9795185" y="3041056"/>
+            <a:ext cx="0" cy="568800"/>
+          </a:xfrm>
+          <a:prstGeom prst="straightConnector1">
+            <a:avLst/>
+          </a:prstGeom>
+          <a:ln>
+            <a:solidFill>
+              <a:srgbClr val="92D050"/>
+            </a:solidFill>
+            <a:headEnd type="none" w="med" len="med"/>
+            <a:tailEnd type="triangle" w="med" len="med"/>
+          </a:ln>
+        </p:spPr>
+        <p:style>
+          <a:lnRef idx="2">
+            <a:schemeClr val="accent1"/>
+          </a:lnRef>
+          <a:fillRef idx="0">
+            <a:schemeClr val="accent1"/>
+          </a:fillRef>
+          <a:effectRef idx="1">
+            <a:schemeClr val="accent1"/>
+          </a:effectRef>
+          <a:fontRef idx="minor">
+            <a:schemeClr val="tx1"/>
+          </a:fontRef>
+        </p:style>
+      </p:cxnSp>
+    </p:spTree>
+    <p:extLst>
+      <p:ext uri="{BB962C8B-B14F-4D97-AF65-F5344CB8AC3E}">
+        <p14:creationId xmlns:p14="http://schemas.microsoft.com/office/powerpoint/2010/main" val="3763269829"/>
+      </p:ext>
+    </p:extLst>
+  </p:cSld>
+  <p:clrMapOvr>
+    <a:masterClrMapping/>
+  </p:clrMapOvr>
+</p:sld>
+</file>
+
+<file path=ppt/slides/slide14.xml><?xml version="1.0" encoding="utf-8"?>
+<p:sld xmlns:a="http://schemas.openxmlformats.org/drawingml/2006/main" xmlns:r="http://schemas.openxmlformats.org/officeDocument/2006/relationships" xmlns:p="http://schemas.openxmlformats.org/presentationml/2006/main">
+  <p:cSld>
+    <p:spTree>
+      <p:nvGrpSpPr>
+        <p:cNvPr id="1" name=""/>
+        <p:cNvGrpSpPr/>
+        <p:nvPr/>
+      </p:nvGrpSpPr>
+      <p:grpSpPr>
+        <a:xfrm>
+          <a:off x="0" y="0"/>
+          <a:ext cx="0" cy="0"/>
+          <a:chOff x="0" y="0"/>
+          <a:chExt cx="0" cy="0"/>
+        </a:xfrm>
+      </p:grpSpPr>
+      <p:pic>
+        <p:nvPicPr>
+          <p:cNvPr id="7" name="Picture 6" descr="A graph with lines and curves&#10;&#10;AI-generated content may be incorrect.">
+            <a:extLst>
+              <a:ext uri="{FF2B5EF4-FFF2-40B4-BE49-F238E27FC236}">
+                <a16:creationId xmlns:a16="http://schemas.microsoft.com/office/drawing/2014/main" id="{C024BA5C-118A-EE94-8A6E-8289661CC7E2}"/>
+              </a:ext>
+            </a:extLst>
+          </p:cNvPr>
+          <p:cNvPicPr>
+            <a:picLocks noChangeAspect="1"/>
+          </p:cNvPicPr>
+          <p:nvPr/>
+        </p:nvPicPr>
+        <p:blipFill>
+          <a:blip r:embed="rId2">
+            <a:extLst>
+              <a:ext uri="{28A0092B-C50C-407E-A947-70E740481C1C}">
+                <a14:useLocalDpi xmlns:a14="http://schemas.microsoft.com/office/drawing/2010/main" val="0"/>
+              </a:ext>
+            </a:extLst>
+          </a:blip>
+          <a:stretch>
+            <a:fillRect/>
+          </a:stretch>
+        </p:blipFill>
+        <p:spPr>
+          <a:xfrm>
+            <a:off x="3713203" y="118313"/>
+            <a:ext cx="6477013" cy="2157988"/>
+          </a:xfrm>
+          <a:prstGeom prst="rect">
+            <a:avLst/>
+          </a:prstGeom>
+        </p:spPr>
+      </p:pic>
+      <p:pic>
+        <p:nvPicPr>
+          <p:cNvPr id="13" name="Picture 12" descr="A graph with lines and a line&#10;&#10;AI-generated content may be incorrect.">
+            <a:extLst>
+              <a:ext uri="{FF2B5EF4-FFF2-40B4-BE49-F238E27FC236}">
+                <a16:creationId xmlns:a16="http://schemas.microsoft.com/office/drawing/2014/main" id="{9BD3326C-AB88-4450-7C8B-E33C708D6273}"/>
+              </a:ext>
+            </a:extLst>
+          </p:cNvPr>
+          <p:cNvPicPr>
+            <a:picLocks noChangeAspect="1"/>
+          </p:cNvPicPr>
+          <p:nvPr/>
+        </p:nvPicPr>
+        <p:blipFill>
+          <a:blip r:embed="rId3">
+            <a:extLst>
+              <a:ext uri="{28A0092B-C50C-407E-A947-70E740481C1C}">
+                <a14:useLocalDpi xmlns:a14="http://schemas.microsoft.com/office/drawing/2010/main" val="0"/>
+              </a:ext>
+            </a:extLst>
+          </a:blip>
+          <a:stretch>
+            <a:fillRect/>
+          </a:stretch>
+        </p:blipFill>
+        <p:spPr>
+          <a:xfrm>
+            <a:off x="3819532" y="2360642"/>
+            <a:ext cx="5313835" cy="2157988"/>
+          </a:xfrm>
+          <a:prstGeom prst="rect">
+            <a:avLst/>
+          </a:prstGeom>
+        </p:spPr>
+      </p:pic>
+      <p:cxnSp>
+        <p:nvCxnSpPr>
+          <p:cNvPr id="15" name="Straight Connector 14">
+            <a:extLst>
+              <a:ext uri="{FF2B5EF4-FFF2-40B4-BE49-F238E27FC236}">
+                <a16:creationId xmlns:a16="http://schemas.microsoft.com/office/drawing/2014/main" id="{3C858815-C5A3-9F7E-97EB-D63AC10CA888}"/>
+              </a:ext>
+            </a:extLst>
+          </p:cNvPr>
+          <p:cNvCxnSpPr>
+            <a:cxnSpLocks/>
+          </p:cNvCxnSpPr>
+          <p:nvPr/>
+        </p:nvCxnSpPr>
+        <p:spPr>
+          <a:xfrm>
+            <a:off x="4380611" y="3498110"/>
+            <a:ext cx="4465677" cy="0"/>
+          </a:xfrm>
+          <a:prstGeom prst="line">
+            <a:avLst/>
+          </a:prstGeom>
+          <a:ln>
+            <a:solidFill>
+              <a:srgbClr val="92D050"/>
+            </a:solidFill>
+            <a:prstDash val="dash"/>
+          </a:ln>
+        </p:spPr>
+        <p:style>
+          <a:lnRef idx="2">
+            <a:schemeClr val="accent1"/>
+          </a:lnRef>
+          <a:fillRef idx="0">
+            <a:schemeClr val="accent1"/>
+          </a:fillRef>
+          <a:effectRef idx="1">
+            <a:schemeClr val="accent1"/>
+          </a:effectRef>
+          <a:fontRef idx="minor">
+            <a:schemeClr val="tx1"/>
+          </a:fontRef>
+        </p:style>
+      </p:cxnSp>
+      <p:cxnSp>
+        <p:nvCxnSpPr>
+          <p:cNvPr id="17" name="Straight Connector 16">
+            <a:extLst>
+              <a:ext uri="{FF2B5EF4-FFF2-40B4-BE49-F238E27FC236}">
+                <a16:creationId xmlns:a16="http://schemas.microsoft.com/office/drawing/2014/main" id="{21BBC9F3-DD87-76E7-5FC7-B4B2B59966AF}"/>
+              </a:ext>
+            </a:extLst>
+          </p:cNvPr>
+          <p:cNvCxnSpPr>
+            <a:cxnSpLocks/>
+          </p:cNvCxnSpPr>
+          <p:nvPr/>
+        </p:nvCxnSpPr>
+        <p:spPr>
+          <a:xfrm>
+            <a:off x="6025111" y="269571"/>
+            <a:ext cx="0" cy="3217906"/>
+          </a:xfrm>
+          <a:prstGeom prst="line">
+            <a:avLst/>
+          </a:prstGeom>
+          <a:ln>
+            <a:solidFill>
+              <a:srgbClr val="92D050"/>
+            </a:solidFill>
+            <a:prstDash val="dash"/>
+          </a:ln>
+        </p:spPr>
+        <p:style>
+          <a:lnRef idx="2">
+            <a:schemeClr val="accent1"/>
+          </a:lnRef>
+          <a:fillRef idx="0">
+            <a:schemeClr val="accent1"/>
+          </a:fillRef>
+          <a:effectRef idx="1">
+            <a:schemeClr val="accent1"/>
+          </a:effectRef>
+          <a:fontRef idx="minor">
+            <a:schemeClr val="tx1"/>
+          </a:fontRef>
+        </p:style>
+      </p:cxnSp>
+      <p:cxnSp>
+        <p:nvCxnSpPr>
+          <p:cNvPr id="20" name="Straight Connector 19">
+            <a:extLst>
+              <a:ext uri="{FF2B5EF4-FFF2-40B4-BE49-F238E27FC236}">
+                <a16:creationId xmlns:a16="http://schemas.microsoft.com/office/drawing/2014/main" id="{4C340B99-2233-A3A8-43DF-12E27074E951}"/>
+              </a:ext>
+            </a:extLst>
+          </p:cNvPr>
+          <p:cNvCxnSpPr>
+            <a:cxnSpLocks/>
+          </p:cNvCxnSpPr>
+          <p:nvPr/>
+        </p:nvCxnSpPr>
+        <p:spPr>
+          <a:xfrm>
+            <a:off x="7963780" y="280204"/>
+            <a:ext cx="0" cy="3207273"/>
+          </a:xfrm>
+          <a:prstGeom prst="line">
+            <a:avLst/>
+          </a:prstGeom>
+          <a:ln>
+            <a:solidFill>
+              <a:srgbClr val="92D050"/>
+            </a:solidFill>
+            <a:prstDash val="dash"/>
+          </a:ln>
+        </p:spPr>
+        <p:style>
+          <a:lnRef idx="2">
+            <a:schemeClr val="accent1"/>
+          </a:lnRef>
+          <a:fillRef idx="0">
+            <a:schemeClr val="accent1"/>
+          </a:fillRef>
+          <a:effectRef idx="1">
+            <a:schemeClr val="accent1"/>
+          </a:effectRef>
+          <a:fontRef idx="minor">
+            <a:schemeClr val="tx1"/>
+          </a:fontRef>
+        </p:style>
+      </p:cxnSp>
+      <p:cxnSp>
+        <p:nvCxnSpPr>
+          <p:cNvPr id="23" name="Straight Connector 22">
+            <a:extLst>
+              <a:ext uri="{FF2B5EF4-FFF2-40B4-BE49-F238E27FC236}">
+                <a16:creationId xmlns:a16="http://schemas.microsoft.com/office/drawing/2014/main" id="{CB72C1C3-7A63-35B7-B7B4-EBD23572ECF6}"/>
+              </a:ext>
+            </a:extLst>
+          </p:cNvPr>
+          <p:cNvCxnSpPr>
+            <a:cxnSpLocks/>
+          </p:cNvCxnSpPr>
+          <p:nvPr/>
+        </p:nvCxnSpPr>
+        <p:spPr>
+          <a:xfrm>
+            <a:off x="6627623" y="290837"/>
+            <a:ext cx="0" cy="3207273"/>
+          </a:xfrm>
+          <a:prstGeom prst="line">
+            <a:avLst/>
+          </a:prstGeom>
+          <a:ln>
+            <a:solidFill>
+              <a:srgbClr val="92D050"/>
+            </a:solidFill>
+            <a:prstDash val="dash"/>
+          </a:ln>
+        </p:spPr>
+        <p:style>
+          <a:lnRef idx="2">
+            <a:schemeClr val="accent1"/>
+          </a:lnRef>
+          <a:fillRef idx="0">
+            <a:schemeClr val="accent1"/>
+          </a:fillRef>
+          <a:effectRef idx="1">
+            <a:schemeClr val="accent1"/>
+          </a:effectRef>
+          <a:fontRef idx="minor">
+            <a:schemeClr val="tx1"/>
+          </a:fontRef>
+        </p:style>
+      </p:cxnSp>
+    </p:spTree>
+    <p:extLst>
+      <p:ext uri="{BB962C8B-B14F-4D97-AF65-F5344CB8AC3E}">
+        <p14:creationId xmlns:p14="http://schemas.microsoft.com/office/powerpoint/2010/main" val="1075247424"/>
       </p:ext>
     </p:extLst>
   </p:cSld>
@@ -13480,6 +15151,2421 @@
 </p:sld>
 </file>
 
+<file path=ppt/slides/slide4.xml><?xml version="1.0" encoding="utf-8"?>
+<p:sld xmlns:a="http://schemas.openxmlformats.org/drawingml/2006/main" xmlns:r="http://schemas.openxmlformats.org/officeDocument/2006/relationships" xmlns:p="http://schemas.openxmlformats.org/presentationml/2006/main">
+  <p:cSld>
+    <p:spTree>
+      <p:nvGrpSpPr>
+        <p:cNvPr id="1" name=""/>
+        <p:cNvGrpSpPr/>
+        <p:nvPr/>
+      </p:nvGrpSpPr>
+      <p:grpSpPr>
+        <a:xfrm>
+          <a:off x="0" y="0"/>
+          <a:ext cx="0" cy="0"/>
+          <a:chOff x="0" y="0"/>
+          <a:chExt cx="0" cy="0"/>
+        </a:xfrm>
+      </p:grpSpPr>
+      <p:pic>
+        <p:nvPicPr>
+          <p:cNvPr id="27" name="Picture 26" descr="A black and white square with white squares&#10;&#10;AI-generated content may be incorrect.">
+            <a:extLst>
+              <a:ext uri="{FF2B5EF4-FFF2-40B4-BE49-F238E27FC236}">
+                <a16:creationId xmlns:a16="http://schemas.microsoft.com/office/drawing/2014/main" id="{F89FC958-7365-4D1F-FBAE-0F0BA929254A}"/>
+              </a:ext>
+            </a:extLst>
+          </p:cNvPr>
+          <p:cNvPicPr>
+            <a:picLocks noChangeAspect="1"/>
+          </p:cNvPicPr>
+          <p:nvPr/>
+        </p:nvPicPr>
+        <p:blipFill>
+          <a:blip r:embed="rId3">
+            <a:extLst>
+              <a:ext uri="{28A0092B-C50C-407E-A947-70E740481C1C}">
+                <a14:useLocalDpi xmlns:a14="http://schemas.microsoft.com/office/drawing/2010/main" val="0"/>
+              </a:ext>
+            </a:extLst>
+          </a:blip>
+          <a:stretch>
+            <a:fillRect/>
+          </a:stretch>
+        </p:blipFill>
+        <p:spPr>
+          <a:xfrm>
+            <a:off x="-1711981" y="-646903"/>
+            <a:ext cx="8451960" cy="8451960"/>
+          </a:xfrm>
+          <a:prstGeom prst="rect">
+            <a:avLst/>
+          </a:prstGeom>
+        </p:spPr>
+      </p:pic>
+      <p:pic>
+        <p:nvPicPr>
+          <p:cNvPr id="18" name="Picture 17" descr="A group of colorful lines&#10;&#10;AI-generated content may be incorrect.">
+            <a:extLst>
+              <a:ext uri="{FF2B5EF4-FFF2-40B4-BE49-F238E27FC236}">
+                <a16:creationId xmlns:a16="http://schemas.microsoft.com/office/drawing/2014/main" id="{DBCFE30E-CC0C-D697-D8A4-48553B74C3B2}"/>
+              </a:ext>
+            </a:extLst>
+          </p:cNvPr>
+          <p:cNvPicPr>
+            <a:picLocks noChangeAspect="1"/>
+          </p:cNvPicPr>
+          <p:nvPr/>
+        </p:nvPicPr>
+        <p:blipFill>
+          <a:blip r:embed="rId4">
+            <a:clrChange>
+              <a:clrFrom>
+                <a:srgbClr val="FFFFFF"/>
+              </a:clrFrom>
+              <a:clrTo>
+                <a:srgbClr val="FFFFFF">
+                  <a:alpha val="0"/>
+                </a:srgbClr>
+              </a:clrTo>
+            </a:clrChange>
+            <a:extLst>
+              <a:ext uri="{28A0092B-C50C-407E-A947-70E740481C1C}">
+                <a14:useLocalDpi xmlns:a14="http://schemas.microsoft.com/office/drawing/2010/main" val="0"/>
+              </a:ext>
+            </a:extLst>
+          </a:blip>
+          <a:stretch>
+            <a:fillRect/>
+          </a:stretch>
+        </p:blipFill>
+        <p:spPr>
+          <a:xfrm>
+            <a:off x="0" y="1060704"/>
+            <a:ext cx="5047488" cy="5047488"/>
+          </a:xfrm>
+          <a:prstGeom prst="rect">
+            <a:avLst/>
+          </a:prstGeom>
+        </p:spPr>
+      </p:pic>
+      <p:pic>
+        <p:nvPicPr>
+          <p:cNvPr id="26" name="Picture 25" descr="A grid of white lines on a black background&#10;&#10;AI-generated content may be incorrect.">
+            <a:extLst>
+              <a:ext uri="{FF2B5EF4-FFF2-40B4-BE49-F238E27FC236}">
+                <a16:creationId xmlns:a16="http://schemas.microsoft.com/office/drawing/2014/main" id="{AB045698-22D9-587A-A459-4F3DA57079A9}"/>
+              </a:ext>
+            </a:extLst>
+          </p:cNvPr>
+          <p:cNvPicPr>
+            <a:picLocks noChangeAspect="1"/>
+          </p:cNvPicPr>
+          <p:nvPr/>
+        </p:nvPicPr>
+        <p:blipFill>
+          <a:blip r:embed="rId5">
+            <a:extLst>
+              <a:ext uri="{28A0092B-C50C-407E-A947-70E740481C1C}">
+                <a14:useLocalDpi xmlns:a14="http://schemas.microsoft.com/office/drawing/2010/main" val="0"/>
+              </a:ext>
+            </a:extLst>
+          </a:blip>
+          <a:stretch>
+            <a:fillRect/>
+          </a:stretch>
+        </p:blipFill>
+        <p:spPr>
+          <a:xfrm>
+            <a:off x="7543241" y="259515"/>
+            <a:ext cx="8451960" cy="6338969"/>
+          </a:xfrm>
+          <a:prstGeom prst="rect">
+            <a:avLst/>
+          </a:prstGeom>
+        </p:spPr>
+      </p:pic>
+      <p:cxnSp>
+        <p:nvCxnSpPr>
+          <p:cNvPr id="9" name="Straight Arrow Connector 8">
+            <a:extLst>
+              <a:ext uri="{FF2B5EF4-FFF2-40B4-BE49-F238E27FC236}">
+                <a16:creationId xmlns:a16="http://schemas.microsoft.com/office/drawing/2014/main" id="{6A79639E-7E3E-21E8-0A94-686CF1A34257}"/>
+              </a:ext>
+            </a:extLst>
+          </p:cNvPr>
+          <p:cNvCxnSpPr/>
+          <p:nvPr/>
+        </p:nvCxnSpPr>
+        <p:spPr>
+          <a:xfrm>
+            <a:off x="-1711981" y="8523514"/>
+            <a:ext cx="8451960" cy="0"/>
+          </a:xfrm>
+          <a:prstGeom prst="straightConnector1">
+            <a:avLst/>
+          </a:prstGeom>
+          <a:ln w="152400">
+            <a:tailEnd type="triangle"/>
+          </a:ln>
+        </p:spPr>
+        <p:style>
+          <a:lnRef idx="2">
+            <a:schemeClr val="accent1"/>
+          </a:lnRef>
+          <a:fillRef idx="0">
+            <a:schemeClr val="accent1"/>
+          </a:fillRef>
+          <a:effectRef idx="1">
+            <a:schemeClr val="accent1"/>
+          </a:effectRef>
+          <a:fontRef idx="minor">
+            <a:schemeClr val="tx1"/>
+          </a:fontRef>
+        </p:style>
+      </p:cxnSp>
+      <p:cxnSp>
+        <p:nvCxnSpPr>
+          <p:cNvPr id="10" name="Straight Arrow Connector 9">
+            <a:extLst>
+              <a:ext uri="{FF2B5EF4-FFF2-40B4-BE49-F238E27FC236}">
+                <a16:creationId xmlns:a16="http://schemas.microsoft.com/office/drawing/2014/main" id="{7EE14B73-84BF-4A6E-6CA8-1F9B6EFABB52}"/>
+              </a:ext>
+            </a:extLst>
+          </p:cNvPr>
+          <p:cNvCxnSpPr>
+            <a:cxnSpLocks/>
+          </p:cNvCxnSpPr>
+          <p:nvPr/>
+        </p:nvCxnSpPr>
+        <p:spPr>
+          <a:xfrm flipV="1">
+            <a:off x="-2322223" y="-717007"/>
+            <a:ext cx="0" cy="8522064"/>
+          </a:xfrm>
+          <a:prstGeom prst="straightConnector1">
+            <a:avLst/>
+          </a:prstGeom>
+          <a:ln w="152400">
+            <a:tailEnd type="triangle"/>
+          </a:ln>
+        </p:spPr>
+        <p:style>
+          <a:lnRef idx="2">
+            <a:schemeClr val="accent1"/>
+          </a:lnRef>
+          <a:fillRef idx="0">
+            <a:schemeClr val="accent1"/>
+          </a:fillRef>
+          <a:effectRef idx="1">
+            <a:schemeClr val="accent1"/>
+          </a:effectRef>
+          <a:fontRef idx="minor">
+            <a:schemeClr val="tx1"/>
+          </a:fontRef>
+        </p:style>
+      </p:cxnSp>
+      <p:sp>
+        <p:nvSpPr>
+          <p:cNvPr id="11" name="TextBox 10">
+            <a:extLst>
+              <a:ext uri="{FF2B5EF4-FFF2-40B4-BE49-F238E27FC236}">
+                <a16:creationId xmlns:a16="http://schemas.microsoft.com/office/drawing/2014/main" id="{8531D8C8-4A97-EE8A-3685-41C533BB7BF1}"/>
+              </a:ext>
+            </a:extLst>
+          </p:cNvPr>
+          <p:cNvSpPr txBox="1"/>
+          <p:nvPr/>
+        </p:nvSpPr>
+        <p:spPr>
+          <a:xfrm>
+            <a:off x="6491353" y="8523514"/>
+            <a:ext cx="497252" cy="938719"/>
+          </a:xfrm>
+          <a:prstGeom prst="rect">
+            <a:avLst/>
+          </a:prstGeom>
+          <a:noFill/>
+        </p:spPr>
+        <p:txBody>
+          <a:bodyPr wrap="none" rtlCol="0">
+            <a:spAutoFit/>
+          </a:bodyPr>
+          <a:lstStyle/>
+          <a:p>
+            <a:r>
+              <a:rPr lang="de-DE" sz="5500" dirty="0"/>
+              <a:t>x</a:t>
+            </a:r>
+          </a:p>
+        </p:txBody>
+      </p:sp>
+      <p:sp>
+        <p:nvSpPr>
+          <p:cNvPr id="12" name="TextBox 11">
+            <a:extLst>
+              <a:ext uri="{FF2B5EF4-FFF2-40B4-BE49-F238E27FC236}">
+                <a16:creationId xmlns:a16="http://schemas.microsoft.com/office/drawing/2014/main" id="{6ACF9088-80EE-1F8F-3CB1-9B438D2F688C}"/>
+              </a:ext>
+            </a:extLst>
+          </p:cNvPr>
+          <p:cNvSpPr txBox="1"/>
+          <p:nvPr/>
+        </p:nvSpPr>
+        <p:spPr>
+          <a:xfrm>
+            <a:off x="-3018907" y="-1186367"/>
+            <a:ext cx="503664" cy="938719"/>
+          </a:xfrm>
+          <a:prstGeom prst="rect">
+            <a:avLst/>
+          </a:prstGeom>
+          <a:noFill/>
+        </p:spPr>
+        <p:txBody>
+          <a:bodyPr wrap="none" rtlCol="0">
+            <a:spAutoFit/>
+          </a:bodyPr>
+          <a:lstStyle/>
+          <a:p>
+            <a:r>
+              <a:rPr lang="de-DE" sz="5500" dirty="0"/>
+              <a:t>y</a:t>
+            </a:r>
+          </a:p>
+        </p:txBody>
+      </p:sp>
+    </p:spTree>
+    <p:extLst>
+      <p:ext uri="{BB962C8B-B14F-4D97-AF65-F5344CB8AC3E}">
+        <p14:creationId xmlns:p14="http://schemas.microsoft.com/office/powerpoint/2010/main" val="3605349293"/>
+      </p:ext>
+    </p:extLst>
+  </p:cSld>
+  <p:clrMapOvr>
+    <a:masterClrMapping/>
+  </p:clrMapOvr>
+</p:sld>
+</file>
+
+<file path=ppt/slides/slide5.xml><?xml version="1.0" encoding="utf-8"?>
+<p:sld xmlns:a="http://schemas.openxmlformats.org/drawingml/2006/main" xmlns:r="http://schemas.openxmlformats.org/officeDocument/2006/relationships" xmlns:p="http://schemas.openxmlformats.org/presentationml/2006/main">
+  <p:cSld>
+    <p:spTree>
+      <p:nvGrpSpPr>
+        <p:cNvPr id="1" name=""/>
+        <p:cNvGrpSpPr/>
+        <p:nvPr/>
+      </p:nvGrpSpPr>
+      <p:grpSpPr>
+        <a:xfrm>
+          <a:off x="0" y="0"/>
+          <a:ext cx="0" cy="0"/>
+          <a:chOff x="0" y="0"/>
+          <a:chExt cx="0" cy="0"/>
+        </a:xfrm>
+      </p:grpSpPr>
+      <p:pic>
+        <p:nvPicPr>
+          <p:cNvPr id="4" name="Picture 3" descr="A black and white square with white squares&#10;&#10;AI-generated content may be incorrect.">
+            <a:extLst>
+              <a:ext uri="{FF2B5EF4-FFF2-40B4-BE49-F238E27FC236}">
+                <a16:creationId xmlns:a16="http://schemas.microsoft.com/office/drawing/2014/main" id="{4234F0BD-95DC-A793-F275-A14276E21243}"/>
+              </a:ext>
+            </a:extLst>
+          </p:cNvPr>
+          <p:cNvPicPr>
+            <a:picLocks noChangeAspect="1"/>
+          </p:cNvPicPr>
+          <p:nvPr/>
+        </p:nvPicPr>
+        <p:blipFill>
+          <a:blip r:embed="rId2">
+            <a:extLst>
+              <a:ext uri="{28A0092B-C50C-407E-A947-70E740481C1C}">
+                <a14:useLocalDpi xmlns:a14="http://schemas.microsoft.com/office/drawing/2010/main" val="0"/>
+              </a:ext>
+            </a:extLst>
+          </a:blip>
+          <a:stretch>
+            <a:fillRect/>
+          </a:stretch>
+        </p:blipFill>
+        <p:spPr>
+          <a:xfrm>
+            <a:off x="-1711981" y="-646903"/>
+            <a:ext cx="8451960" cy="8451960"/>
+          </a:xfrm>
+          <a:prstGeom prst="rect">
+            <a:avLst/>
+          </a:prstGeom>
+        </p:spPr>
+      </p:pic>
+      <p:cxnSp>
+        <p:nvCxnSpPr>
+          <p:cNvPr id="6" name="Straight Arrow Connector 5">
+            <a:extLst>
+              <a:ext uri="{FF2B5EF4-FFF2-40B4-BE49-F238E27FC236}">
+                <a16:creationId xmlns:a16="http://schemas.microsoft.com/office/drawing/2014/main" id="{7B7CE1A7-C8EE-71A2-1CE3-E2A5098D9849}"/>
+              </a:ext>
+            </a:extLst>
+          </p:cNvPr>
+          <p:cNvCxnSpPr>
+            <a:cxnSpLocks/>
+          </p:cNvCxnSpPr>
+          <p:nvPr/>
+        </p:nvCxnSpPr>
+        <p:spPr>
+          <a:xfrm>
+            <a:off x="-1711981" y="8523514"/>
+            <a:ext cx="9419067" cy="0"/>
+          </a:xfrm>
+          <a:prstGeom prst="straightConnector1">
+            <a:avLst/>
+          </a:prstGeom>
+          <a:ln w="152400">
+            <a:tailEnd type="triangle"/>
+          </a:ln>
+        </p:spPr>
+        <p:style>
+          <a:lnRef idx="2">
+            <a:schemeClr val="accent1"/>
+          </a:lnRef>
+          <a:fillRef idx="0">
+            <a:schemeClr val="accent1"/>
+          </a:fillRef>
+          <a:effectRef idx="1">
+            <a:schemeClr val="accent1"/>
+          </a:effectRef>
+          <a:fontRef idx="minor">
+            <a:schemeClr val="tx1"/>
+          </a:fontRef>
+        </p:style>
+      </p:cxnSp>
+      <p:cxnSp>
+        <p:nvCxnSpPr>
+          <p:cNvPr id="7" name="Straight Arrow Connector 6">
+            <a:extLst>
+              <a:ext uri="{FF2B5EF4-FFF2-40B4-BE49-F238E27FC236}">
+                <a16:creationId xmlns:a16="http://schemas.microsoft.com/office/drawing/2014/main" id="{A541F7DF-1EA2-F560-46B8-4772E6E10775}"/>
+              </a:ext>
+            </a:extLst>
+          </p:cNvPr>
+          <p:cNvCxnSpPr>
+            <a:cxnSpLocks/>
+          </p:cNvCxnSpPr>
+          <p:nvPr/>
+        </p:nvCxnSpPr>
+        <p:spPr>
+          <a:xfrm flipV="1">
+            <a:off x="-2322223" y="-1763486"/>
+            <a:ext cx="0" cy="9568543"/>
+          </a:xfrm>
+          <a:prstGeom prst="straightConnector1">
+            <a:avLst/>
+          </a:prstGeom>
+          <a:ln w="152400">
+            <a:tailEnd type="triangle"/>
+          </a:ln>
+        </p:spPr>
+        <p:style>
+          <a:lnRef idx="2">
+            <a:schemeClr val="accent1"/>
+          </a:lnRef>
+          <a:fillRef idx="0">
+            <a:schemeClr val="accent1"/>
+          </a:fillRef>
+          <a:effectRef idx="1">
+            <a:schemeClr val="accent1"/>
+          </a:effectRef>
+          <a:fontRef idx="minor">
+            <a:schemeClr val="tx1"/>
+          </a:fontRef>
+        </p:style>
+      </p:cxnSp>
+      <p:sp>
+        <p:nvSpPr>
+          <p:cNvPr id="8" name="TextBox 7">
+            <a:extLst>
+              <a:ext uri="{FF2B5EF4-FFF2-40B4-BE49-F238E27FC236}">
+                <a16:creationId xmlns:a16="http://schemas.microsoft.com/office/drawing/2014/main" id="{E44A2792-5E72-7FCF-7C3E-F8023103510F}"/>
+              </a:ext>
+            </a:extLst>
+          </p:cNvPr>
+          <p:cNvSpPr txBox="1"/>
+          <p:nvPr/>
+        </p:nvSpPr>
+        <p:spPr>
+          <a:xfrm>
+            <a:off x="6491353" y="8523514"/>
+            <a:ext cx="497252" cy="938719"/>
+          </a:xfrm>
+          <a:prstGeom prst="rect">
+            <a:avLst/>
+          </a:prstGeom>
+          <a:noFill/>
+        </p:spPr>
+        <p:txBody>
+          <a:bodyPr wrap="none" rtlCol="0">
+            <a:spAutoFit/>
+          </a:bodyPr>
+          <a:lstStyle/>
+          <a:p>
+            <a:r>
+              <a:rPr lang="de-DE" sz="5500" dirty="0"/>
+              <a:t>x</a:t>
+            </a:r>
+          </a:p>
+        </p:txBody>
+      </p:sp>
+      <p:sp>
+        <p:nvSpPr>
+          <p:cNvPr id="9" name="TextBox 8">
+            <a:extLst>
+              <a:ext uri="{FF2B5EF4-FFF2-40B4-BE49-F238E27FC236}">
+                <a16:creationId xmlns:a16="http://schemas.microsoft.com/office/drawing/2014/main" id="{B8DB45EC-765D-685E-54E0-8EE320110C7A}"/>
+              </a:ext>
+            </a:extLst>
+          </p:cNvPr>
+          <p:cNvSpPr txBox="1"/>
+          <p:nvPr/>
+        </p:nvSpPr>
+        <p:spPr>
+          <a:xfrm>
+            <a:off x="-3018907" y="-1186367"/>
+            <a:ext cx="503664" cy="938719"/>
+          </a:xfrm>
+          <a:prstGeom prst="rect">
+            <a:avLst/>
+          </a:prstGeom>
+          <a:noFill/>
+        </p:spPr>
+        <p:txBody>
+          <a:bodyPr wrap="none" rtlCol="0">
+            <a:spAutoFit/>
+          </a:bodyPr>
+          <a:lstStyle/>
+          <a:p>
+            <a:r>
+              <a:rPr lang="de-DE" sz="5500" dirty="0"/>
+              <a:t>y</a:t>
+            </a:r>
+          </a:p>
+        </p:txBody>
+      </p:sp>
+    </p:spTree>
+    <p:extLst>
+      <p:ext uri="{BB962C8B-B14F-4D97-AF65-F5344CB8AC3E}">
+        <p14:creationId xmlns:p14="http://schemas.microsoft.com/office/powerpoint/2010/main" val="1708658079"/>
+      </p:ext>
+    </p:extLst>
+  </p:cSld>
+  <p:clrMapOvr>
+    <a:masterClrMapping/>
+  </p:clrMapOvr>
+</p:sld>
+</file>
+
+<file path=ppt/slides/slide6.xml><?xml version="1.0" encoding="utf-8"?>
+<p:sld xmlns:a="http://schemas.openxmlformats.org/drawingml/2006/main" xmlns:r="http://schemas.openxmlformats.org/officeDocument/2006/relationships" xmlns:p="http://schemas.openxmlformats.org/presentationml/2006/main">
+  <p:cSld>
+    <p:spTree>
+      <p:nvGrpSpPr>
+        <p:cNvPr id="1" name=""/>
+        <p:cNvGrpSpPr/>
+        <p:nvPr/>
+      </p:nvGrpSpPr>
+      <p:grpSpPr>
+        <a:xfrm>
+          <a:off x="0" y="0"/>
+          <a:ext cx="0" cy="0"/>
+          <a:chOff x="0" y="0"/>
+          <a:chExt cx="0" cy="0"/>
+        </a:xfrm>
+      </p:grpSpPr>
+      <p:pic>
+        <p:nvPicPr>
+          <p:cNvPr id="4" name="Picture 3" descr="A black and white square with white squares&#10;&#10;AI-generated content may be incorrect.">
+            <a:extLst>
+              <a:ext uri="{FF2B5EF4-FFF2-40B4-BE49-F238E27FC236}">
+                <a16:creationId xmlns:a16="http://schemas.microsoft.com/office/drawing/2014/main" id="{B4182946-B6E7-BC6F-AFBA-1BC49CB178DA}"/>
+              </a:ext>
+            </a:extLst>
+          </p:cNvPr>
+          <p:cNvPicPr>
+            <a:picLocks noChangeAspect="1"/>
+          </p:cNvPicPr>
+          <p:nvPr/>
+        </p:nvPicPr>
+        <p:blipFill>
+          <a:blip r:embed="rId2">
+            <a:extLst>
+              <a:ext uri="{28A0092B-C50C-407E-A947-70E740481C1C}">
+                <a14:useLocalDpi xmlns:a14="http://schemas.microsoft.com/office/drawing/2010/main" val="0"/>
+              </a:ext>
+            </a:extLst>
+          </a:blip>
+          <a:stretch>
+            <a:fillRect/>
+          </a:stretch>
+        </p:blipFill>
+        <p:spPr>
+          <a:xfrm>
+            <a:off x="4321739" y="2177143"/>
+            <a:ext cx="2345542" cy="2345542"/>
+          </a:xfrm>
+          <a:prstGeom prst="rect">
+            <a:avLst/>
+          </a:prstGeom>
+        </p:spPr>
+      </p:pic>
+      <p:sp>
+        <p:nvSpPr>
+          <p:cNvPr id="5" name="Isosceles Triangle 4">
+            <a:extLst>
+              <a:ext uri="{FF2B5EF4-FFF2-40B4-BE49-F238E27FC236}">
+                <a16:creationId xmlns:a16="http://schemas.microsoft.com/office/drawing/2014/main" id="{C7058C1F-72F6-9AF5-E470-3C255886F924}"/>
+              </a:ext>
+            </a:extLst>
+          </p:cNvPr>
+          <p:cNvSpPr/>
+          <p:nvPr/>
+        </p:nvSpPr>
+        <p:spPr>
+          <a:xfrm>
+            <a:off x="4321739" y="4734692"/>
+            <a:ext cx="2345542" cy="469815"/>
+          </a:xfrm>
+          <a:prstGeom prst="triangle">
+            <a:avLst>
+              <a:gd name="adj" fmla="val 100000"/>
+            </a:avLst>
+          </a:prstGeom>
+          <a:solidFill>
+            <a:srgbClr val="0070C0"/>
+          </a:solidFill>
+          <a:ln>
+            <a:noFill/>
+          </a:ln>
+        </p:spPr>
+        <p:style>
+          <a:lnRef idx="2">
+            <a:schemeClr val="accent1">
+              <a:shade val="15000"/>
+            </a:schemeClr>
+          </a:lnRef>
+          <a:fillRef idx="1">
+            <a:schemeClr val="accent1"/>
+          </a:fillRef>
+          <a:effectRef idx="0">
+            <a:schemeClr val="accent1"/>
+          </a:effectRef>
+          <a:fontRef idx="minor">
+            <a:schemeClr val="lt1"/>
+          </a:fontRef>
+        </p:style>
+        <p:txBody>
+          <a:bodyPr rtlCol="0" anchor="ctr"/>
+          <a:lstStyle/>
+          <a:p>
+            <a:pPr algn="ctr"/>
+            <a:endParaRPr lang="de-DE">
+              <a:solidFill>
+                <a:schemeClr val="accent1"/>
+              </a:solidFill>
+            </a:endParaRPr>
+          </a:p>
+        </p:txBody>
+      </p:sp>
+      <mc:AlternateContent xmlns:mc="http://schemas.openxmlformats.org/markup-compatibility/2006" xmlns:a14="http://schemas.microsoft.com/office/drawing/2010/main">
+        <mc:Choice Requires="a14">
+          <p:sp>
+            <p:nvSpPr>
+              <p:cNvPr id="7" name="TextBox 6">
+                <a:extLst>
+                  <a:ext uri="{FF2B5EF4-FFF2-40B4-BE49-F238E27FC236}">
+                    <a16:creationId xmlns:a16="http://schemas.microsoft.com/office/drawing/2014/main" id="{EEEDF624-6410-45CB-FB31-35DAAB234DBE}"/>
+                  </a:ext>
+                </a:extLst>
+              </p:cNvPr>
+              <p:cNvSpPr txBox="1"/>
+              <p:nvPr/>
+            </p:nvSpPr>
+            <p:spPr>
+              <a:xfrm>
+                <a:off x="5041197" y="5216459"/>
+                <a:ext cx="906626" cy="400110"/>
+              </a:xfrm>
+              <a:prstGeom prst="rect">
+                <a:avLst/>
+              </a:prstGeom>
+              <a:noFill/>
+              <a:ln>
+                <a:noFill/>
+              </a:ln>
+            </p:spPr>
+            <p:txBody>
+              <a:bodyPr wrap="square" rtlCol="0">
+                <a:spAutoFit/>
+              </a:bodyPr>
+              <a:lstStyle/>
+              <a:p>
+                <a:pPr/>
+                <a14:m>
+                  <m:oMathPara xmlns:m="http://schemas.openxmlformats.org/officeDocument/2006/math">
+                    <m:oMathParaPr>
+                      <m:jc m:val="centerGroup"/>
+                    </m:oMathParaPr>
+                    <m:oMath xmlns:m="http://schemas.openxmlformats.org/officeDocument/2006/math">
+                      <m:sSub>
+                        <m:sSubPr>
+                          <m:ctrlPr>
+                            <a:rPr lang="de-DE" sz="2000" i="1" smtClean="0">
+                              <a:solidFill>
+                                <a:schemeClr val="tx1"/>
+                              </a:solidFill>
+                              <a:latin typeface="Cambria Math" panose="02040503050406030204" pitchFamily="18" charset="0"/>
+                            </a:rPr>
+                          </m:ctrlPr>
+                        </m:sSubPr>
+                        <m:e>
+                          <m:r>
+                            <m:rPr>
+                              <m:sty m:val="p"/>
+                            </m:rPr>
+                            <a:rPr lang="de-DE" sz="2000" i="1">
+                              <a:solidFill>
+                                <a:schemeClr val="tx1"/>
+                              </a:solidFill>
+                              <a:latin typeface="Cambria Math" panose="02040503050406030204" pitchFamily="18" charset="0"/>
+                            </a:rPr>
+                            <m:t>Δ</m:t>
+                          </m:r>
+                          <m:r>
+                            <a:rPr lang="de-DE" sz="2000" i="1">
+                              <a:solidFill>
+                                <a:schemeClr val="tx1"/>
+                              </a:solidFill>
+                              <a:latin typeface="Cambria Math" panose="02040503050406030204" pitchFamily="18" charset="0"/>
+                            </a:rPr>
+                            <m:t>𝑓</m:t>
+                          </m:r>
+                        </m:e>
+                        <m:sub>
+                          <m:r>
+                            <a:rPr lang="de-DE" sz="2000" b="0" i="1" smtClean="0">
+                              <a:solidFill>
+                                <a:schemeClr val="tx1"/>
+                              </a:solidFill>
+                              <a:latin typeface="Cambria Math" panose="02040503050406030204" pitchFamily="18" charset="0"/>
+                            </a:rPr>
+                            <m:t>𝑥</m:t>
+                          </m:r>
+                        </m:sub>
+                      </m:sSub>
+                    </m:oMath>
+                  </m:oMathPara>
+                </a14:m>
+                <a:endParaRPr lang="de-DE" sz="2000" dirty="0">
+                  <a:solidFill>
+                    <a:schemeClr val="tx1"/>
+                  </a:solidFill>
+                </a:endParaRPr>
+              </a:p>
+            </p:txBody>
+          </p:sp>
+        </mc:Choice>
+        <mc:Fallback xmlns="">
+          <p:sp>
+            <p:nvSpPr>
+              <p:cNvPr id="7" name="TextBox 6">
+                <a:extLst>
+                  <a:ext uri="{FF2B5EF4-FFF2-40B4-BE49-F238E27FC236}">
+                    <a16:creationId xmlns:a16="http://schemas.microsoft.com/office/drawing/2014/main" id="{EEEDF624-6410-45CB-FB31-35DAAB234DBE}"/>
+                  </a:ext>
+                </a:extLst>
+              </p:cNvPr>
+              <p:cNvSpPr txBox="1">
+                <a:spLocks noRot="1" noChangeAspect="1" noMove="1" noResize="1" noEditPoints="1" noAdjustHandles="1" noChangeArrowheads="1" noChangeShapeType="1" noTextEdit="1"/>
+              </p:cNvSpPr>
+              <p:nvPr/>
+            </p:nvSpPr>
+            <p:spPr>
+              <a:xfrm>
+                <a:off x="5041197" y="5216459"/>
+                <a:ext cx="906626" cy="400110"/>
+              </a:xfrm>
+              <a:prstGeom prst="rect">
+                <a:avLst/>
+              </a:prstGeom>
+              <a:blipFill>
+                <a:blip r:embed="rId3"/>
+                <a:stretch>
+                  <a:fillRect b="-15385"/>
+                </a:stretch>
+              </a:blipFill>
+              <a:ln>
+                <a:noFill/>
+              </a:ln>
+            </p:spPr>
+            <p:txBody>
+              <a:bodyPr/>
+              <a:lstStyle/>
+              <a:p>
+                <a:r>
+                  <a:rPr lang="de-DE">
+                    <a:noFill/>
+                  </a:rPr>
+                  <a:t> </a:t>
+                </a:r>
+              </a:p>
+            </p:txBody>
+          </p:sp>
+        </mc:Fallback>
+      </mc:AlternateContent>
+      <p:sp>
+        <p:nvSpPr>
+          <p:cNvPr id="12" name="Isosceles Triangle 11">
+            <a:extLst>
+              <a:ext uri="{FF2B5EF4-FFF2-40B4-BE49-F238E27FC236}">
+                <a16:creationId xmlns:a16="http://schemas.microsoft.com/office/drawing/2014/main" id="{F0651CD9-8AB1-49DF-D1CD-4D86A2557DEC}"/>
+              </a:ext>
+            </a:extLst>
+          </p:cNvPr>
+          <p:cNvSpPr/>
+          <p:nvPr/>
+        </p:nvSpPr>
+        <p:spPr>
+          <a:xfrm rot="16200000">
+            <a:off x="2579738" y="3115006"/>
+            <a:ext cx="2345542" cy="469815"/>
+          </a:xfrm>
+          <a:prstGeom prst="triangle">
+            <a:avLst>
+              <a:gd name="adj" fmla="val 100000"/>
+            </a:avLst>
+          </a:prstGeom>
+          <a:solidFill>
+            <a:srgbClr val="0070C0"/>
+          </a:solidFill>
+          <a:ln>
+            <a:noFill/>
+          </a:ln>
+        </p:spPr>
+        <p:style>
+          <a:lnRef idx="2">
+            <a:schemeClr val="accent1">
+              <a:shade val="15000"/>
+            </a:schemeClr>
+          </a:lnRef>
+          <a:fillRef idx="1">
+            <a:schemeClr val="accent1"/>
+          </a:fillRef>
+          <a:effectRef idx="0">
+            <a:schemeClr val="accent1"/>
+          </a:effectRef>
+          <a:fontRef idx="minor">
+            <a:schemeClr val="lt1"/>
+          </a:fontRef>
+        </p:style>
+        <p:txBody>
+          <a:bodyPr rtlCol="0" anchor="ctr"/>
+          <a:lstStyle/>
+          <a:p>
+            <a:pPr algn="ctr"/>
+            <a:endParaRPr lang="de-DE">
+              <a:solidFill>
+                <a:schemeClr val="accent1"/>
+              </a:solidFill>
+            </a:endParaRPr>
+          </a:p>
+        </p:txBody>
+      </p:sp>
+      <mc:AlternateContent xmlns:mc="http://schemas.openxmlformats.org/markup-compatibility/2006" xmlns:a14="http://schemas.microsoft.com/office/drawing/2010/main">
+        <mc:Choice Requires="a14">
+          <p:sp>
+            <p:nvSpPr>
+              <p:cNvPr id="13" name="TextBox 12">
+                <a:extLst>
+                  <a:ext uri="{FF2B5EF4-FFF2-40B4-BE49-F238E27FC236}">
+                    <a16:creationId xmlns:a16="http://schemas.microsoft.com/office/drawing/2014/main" id="{4F4B2AC8-2F46-741E-3905-985D2E6567EC}"/>
+                  </a:ext>
+                </a:extLst>
+              </p:cNvPr>
+              <p:cNvSpPr txBox="1"/>
+              <p:nvPr/>
+            </p:nvSpPr>
+            <p:spPr>
+              <a:xfrm>
+                <a:off x="3139369" y="3137771"/>
+                <a:ext cx="614655" cy="424283"/>
+              </a:xfrm>
+              <a:prstGeom prst="rect">
+                <a:avLst/>
+              </a:prstGeom>
+              <a:noFill/>
+              <a:ln>
+                <a:noFill/>
+              </a:ln>
+            </p:spPr>
+            <p:txBody>
+              <a:bodyPr wrap="none" rtlCol="0">
+                <a:spAutoFit/>
+              </a:bodyPr>
+              <a:lstStyle/>
+              <a:p>
+                <a:pPr/>
+                <a14:m>
+                  <m:oMathPara xmlns:m="http://schemas.openxmlformats.org/officeDocument/2006/math">
+                    <m:oMathParaPr>
+                      <m:jc m:val="centerGroup"/>
+                    </m:oMathParaPr>
+                    <m:oMath xmlns:m="http://schemas.openxmlformats.org/officeDocument/2006/math">
+                      <m:sSub>
+                        <m:sSubPr>
+                          <m:ctrlPr>
+                            <a:rPr lang="de-DE" sz="2000" i="1" smtClean="0">
+                              <a:solidFill>
+                                <a:schemeClr val="tx1"/>
+                              </a:solidFill>
+                              <a:latin typeface="Cambria Math" panose="02040503050406030204" pitchFamily="18" charset="0"/>
+                            </a:rPr>
+                          </m:ctrlPr>
+                        </m:sSubPr>
+                        <m:e>
+                          <m:r>
+                            <m:rPr>
+                              <m:sty m:val="p"/>
+                            </m:rPr>
+                            <a:rPr lang="de-DE" sz="2000" i="1">
+                              <a:solidFill>
+                                <a:schemeClr val="tx1"/>
+                              </a:solidFill>
+                              <a:latin typeface="Cambria Math" panose="02040503050406030204" pitchFamily="18" charset="0"/>
+                            </a:rPr>
+                            <m:t>Δ</m:t>
+                          </m:r>
+                          <m:r>
+                            <a:rPr lang="de-DE" sz="2000" i="1">
+                              <a:solidFill>
+                                <a:schemeClr val="tx1"/>
+                              </a:solidFill>
+                              <a:latin typeface="Cambria Math" panose="02040503050406030204" pitchFamily="18" charset="0"/>
+                            </a:rPr>
+                            <m:t>𝑓</m:t>
+                          </m:r>
+                        </m:e>
+                        <m:sub>
+                          <m:r>
+                            <a:rPr lang="de-DE" sz="2000" b="0" i="1" smtClean="0">
+                              <a:solidFill>
+                                <a:schemeClr val="tx1"/>
+                              </a:solidFill>
+                              <a:latin typeface="Cambria Math" panose="02040503050406030204" pitchFamily="18" charset="0"/>
+                            </a:rPr>
+                            <m:t>𝑦</m:t>
+                          </m:r>
+                        </m:sub>
+                      </m:sSub>
+                    </m:oMath>
+                  </m:oMathPara>
+                </a14:m>
+                <a:endParaRPr lang="de-DE" sz="2000" dirty="0">
+                  <a:solidFill>
+                    <a:schemeClr val="tx1"/>
+                  </a:solidFill>
+                </a:endParaRPr>
+              </a:p>
+            </p:txBody>
+          </p:sp>
+        </mc:Choice>
+        <mc:Fallback xmlns="">
+          <p:sp>
+            <p:nvSpPr>
+              <p:cNvPr id="13" name="TextBox 12">
+                <a:extLst>
+                  <a:ext uri="{FF2B5EF4-FFF2-40B4-BE49-F238E27FC236}">
+                    <a16:creationId xmlns:a16="http://schemas.microsoft.com/office/drawing/2014/main" id="{4F4B2AC8-2F46-741E-3905-985D2E6567EC}"/>
+                  </a:ext>
+                </a:extLst>
+              </p:cNvPr>
+              <p:cNvSpPr txBox="1">
+                <a:spLocks noRot="1" noChangeAspect="1" noMove="1" noResize="1" noEditPoints="1" noAdjustHandles="1" noChangeArrowheads="1" noChangeShapeType="1" noTextEdit="1"/>
+              </p:cNvSpPr>
+              <p:nvPr/>
+            </p:nvSpPr>
+            <p:spPr>
+              <a:xfrm>
+                <a:off x="3139369" y="3137771"/>
+                <a:ext cx="614655" cy="424283"/>
+              </a:xfrm>
+              <a:prstGeom prst="rect">
+                <a:avLst/>
+              </a:prstGeom>
+              <a:blipFill>
+                <a:blip r:embed="rId4"/>
+                <a:stretch>
+                  <a:fillRect b="-10145"/>
+                </a:stretch>
+              </a:blipFill>
+              <a:ln>
+                <a:noFill/>
+              </a:ln>
+            </p:spPr>
+            <p:txBody>
+              <a:bodyPr/>
+              <a:lstStyle/>
+              <a:p>
+                <a:r>
+                  <a:rPr lang="de-DE">
+                    <a:noFill/>
+                  </a:rPr>
+                  <a:t> </a:t>
+                </a:r>
+              </a:p>
+            </p:txBody>
+          </p:sp>
+        </mc:Fallback>
+      </mc:AlternateContent>
+      <p:pic>
+        <p:nvPicPr>
+          <p:cNvPr id="15" name="Picture 14" descr="A black and white pixelated square&#10;&#10;AI-generated content may be incorrect.">
+            <a:extLst>
+              <a:ext uri="{FF2B5EF4-FFF2-40B4-BE49-F238E27FC236}">
+                <a16:creationId xmlns:a16="http://schemas.microsoft.com/office/drawing/2014/main" id="{161C4F50-A3EC-8FCB-0213-69E3EDD27CC9}"/>
+              </a:ext>
+            </a:extLst>
+          </p:cNvPr>
+          <p:cNvPicPr>
+            <a:picLocks noChangeAspect="1"/>
+          </p:cNvPicPr>
+          <p:nvPr/>
+        </p:nvPicPr>
+        <p:blipFill>
+          <a:blip r:embed="rId5">
+            <a:extLst>
+              <a:ext uri="{28A0092B-C50C-407E-A947-70E740481C1C}">
+                <a14:useLocalDpi xmlns:a14="http://schemas.microsoft.com/office/drawing/2010/main" val="0"/>
+              </a:ext>
+            </a:extLst>
+          </a:blip>
+          <a:stretch>
+            <a:fillRect/>
+          </a:stretch>
+        </p:blipFill>
+        <p:spPr>
+          <a:xfrm>
+            <a:off x="7944827" y="2092281"/>
+            <a:ext cx="2877318" cy="2877318"/>
+          </a:xfrm>
+          <a:prstGeom prst="rect">
+            <a:avLst/>
+          </a:prstGeom>
+        </p:spPr>
+      </p:pic>
+    </p:spTree>
+    <p:extLst>
+      <p:ext uri="{BB962C8B-B14F-4D97-AF65-F5344CB8AC3E}">
+        <p14:creationId xmlns:p14="http://schemas.microsoft.com/office/powerpoint/2010/main" val="1739966096"/>
+      </p:ext>
+    </p:extLst>
+  </p:cSld>
+  <p:clrMapOvr>
+    <a:masterClrMapping/>
+  </p:clrMapOvr>
+</p:sld>
+</file>
+
+<file path=ppt/slides/slide7.xml><?xml version="1.0" encoding="utf-8"?>
+<p:sld xmlns:a="http://schemas.openxmlformats.org/drawingml/2006/main" xmlns:r="http://schemas.openxmlformats.org/officeDocument/2006/relationships" xmlns:p="http://schemas.openxmlformats.org/presentationml/2006/main">
+  <p:cSld>
+    <p:spTree>
+      <p:nvGrpSpPr>
+        <p:cNvPr id="1" name=""/>
+        <p:cNvGrpSpPr/>
+        <p:nvPr/>
+      </p:nvGrpSpPr>
+      <p:grpSpPr>
+        <a:xfrm>
+          <a:off x="0" y="0"/>
+          <a:ext cx="0" cy="0"/>
+          <a:chOff x="0" y="0"/>
+          <a:chExt cx="0" cy="0"/>
+        </a:xfrm>
+      </p:grpSpPr>
+      <p:pic>
+        <p:nvPicPr>
+          <p:cNvPr id="6" name="Picture 5" descr="A black and white pixelated square&#10;&#10;AI-generated content may be incorrect.">
+            <a:extLst>
+              <a:ext uri="{FF2B5EF4-FFF2-40B4-BE49-F238E27FC236}">
+                <a16:creationId xmlns:a16="http://schemas.microsoft.com/office/drawing/2014/main" id="{CAF3C418-B9A2-C4B7-69C0-4E6D32E4194E}"/>
+              </a:ext>
+            </a:extLst>
+          </p:cNvPr>
+          <p:cNvPicPr>
+            <a:picLocks noChangeAspect="1"/>
+          </p:cNvPicPr>
+          <p:nvPr/>
+        </p:nvPicPr>
+        <p:blipFill>
+          <a:blip r:embed="rId2">
+            <a:extLst>
+              <a:ext uri="{28A0092B-C50C-407E-A947-70E740481C1C}">
+                <a14:useLocalDpi xmlns:a14="http://schemas.microsoft.com/office/drawing/2010/main" val="0"/>
+              </a:ext>
+            </a:extLst>
+          </a:blip>
+          <a:stretch>
+            <a:fillRect/>
+          </a:stretch>
+        </p:blipFill>
+        <p:spPr>
+          <a:xfrm>
+            <a:off x="4189353" y="3799857"/>
+            <a:ext cx="2877318" cy="2877318"/>
+          </a:xfrm>
+          <a:prstGeom prst="rect">
+            <a:avLst/>
+          </a:prstGeom>
+        </p:spPr>
+      </p:pic>
+      <p:pic>
+        <p:nvPicPr>
+          <p:cNvPr id="8" name="Picture 7" descr="A black and white pixelated square&#10;&#10;AI-generated content may be incorrect.">
+            <a:extLst>
+              <a:ext uri="{FF2B5EF4-FFF2-40B4-BE49-F238E27FC236}">
+                <a16:creationId xmlns:a16="http://schemas.microsoft.com/office/drawing/2014/main" id="{0AD76CED-0C10-4D75-A226-43FC5F950C2A}"/>
+              </a:ext>
+            </a:extLst>
+          </p:cNvPr>
+          <p:cNvPicPr>
+            <a:picLocks noChangeAspect="1"/>
+          </p:cNvPicPr>
+          <p:nvPr/>
+        </p:nvPicPr>
+        <p:blipFill>
+          <a:blip r:embed="rId3">
+            <a:extLst>
+              <a:ext uri="{28A0092B-C50C-407E-A947-70E740481C1C}">
+                <a14:useLocalDpi xmlns:a14="http://schemas.microsoft.com/office/drawing/2010/main" val="0"/>
+              </a:ext>
+            </a:extLst>
+          </a:blip>
+          <a:stretch>
+            <a:fillRect/>
+          </a:stretch>
+        </p:blipFill>
+        <p:spPr>
+          <a:xfrm>
+            <a:off x="931134" y="551682"/>
+            <a:ext cx="2877318" cy="2877318"/>
+          </a:xfrm>
+          <a:prstGeom prst="rect">
+            <a:avLst/>
+          </a:prstGeom>
+        </p:spPr>
+      </p:pic>
+      <p:pic>
+        <p:nvPicPr>
+          <p:cNvPr id="12" name="Picture 11" descr="A black and white pixelated square&#10;&#10;AI-generated content may be incorrect.">
+            <a:extLst>
+              <a:ext uri="{FF2B5EF4-FFF2-40B4-BE49-F238E27FC236}">
+                <a16:creationId xmlns:a16="http://schemas.microsoft.com/office/drawing/2014/main" id="{2E61BD55-7A6D-B52E-EB93-C6A147CA7203}"/>
+              </a:ext>
+            </a:extLst>
+          </p:cNvPr>
+          <p:cNvPicPr>
+            <a:picLocks noChangeAspect="1"/>
+          </p:cNvPicPr>
+          <p:nvPr/>
+        </p:nvPicPr>
+        <p:blipFill>
+          <a:blip r:embed="rId4">
+            <a:extLst>
+              <a:ext uri="{28A0092B-C50C-407E-A947-70E740481C1C}">
+                <a14:useLocalDpi xmlns:a14="http://schemas.microsoft.com/office/drawing/2010/main" val="0"/>
+              </a:ext>
+            </a:extLst>
+          </a:blip>
+          <a:stretch>
+            <a:fillRect/>
+          </a:stretch>
+        </p:blipFill>
+        <p:spPr>
+          <a:xfrm>
+            <a:off x="4189353" y="551682"/>
+            <a:ext cx="2877318" cy="2877318"/>
+          </a:xfrm>
+          <a:prstGeom prst="rect">
+            <a:avLst/>
+          </a:prstGeom>
+        </p:spPr>
+      </p:pic>
+      <p:pic>
+        <p:nvPicPr>
+          <p:cNvPr id="14" name="Picture 13" descr="A black and white pixelated square&#10;&#10;AI-generated content may be incorrect.">
+            <a:extLst>
+              <a:ext uri="{FF2B5EF4-FFF2-40B4-BE49-F238E27FC236}">
+                <a16:creationId xmlns:a16="http://schemas.microsoft.com/office/drawing/2014/main" id="{FC59AED1-95B8-EC4A-F17F-6A723004EA89}"/>
+              </a:ext>
+            </a:extLst>
+          </p:cNvPr>
+          <p:cNvPicPr>
+            <a:picLocks noChangeAspect="1"/>
+          </p:cNvPicPr>
+          <p:nvPr/>
+        </p:nvPicPr>
+        <p:blipFill>
+          <a:blip r:embed="rId5">
+            <a:extLst>
+              <a:ext uri="{28A0092B-C50C-407E-A947-70E740481C1C}">
+                <a14:useLocalDpi xmlns:a14="http://schemas.microsoft.com/office/drawing/2010/main" val="0"/>
+              </a:ext>
+            </a:extLst>
+          </a:blip>
+          <a:stretch>
+            <a:fillRect/>
+          </a:stretch>
+        </p:blipFill>
+        <p:spPr>
+          <a:xfrm>
+            <a:off x="931134" y="3799857"/>
+            <a:ext cx="2877318" cy="2877318"/>
+          </a:xfrm>
+          <a:prstGeom prst="rect">
+            <a:avLst/>
+          </a:prstGeom>
+        </p:spPr>
+      </p:pic>
+      <p:pic>
+        <p:nvPicPr>
+          <p:cNvPr id="16" name="Picture 15" descr="A black and white pixelated square&#10;&#10;AI-generated content may be incorrect.">
+            <a:extLst>
+              <a:ext uri="{FF2B5EF4-FFF2-40B4-BE49-F238E27FC236}">
+                <a16:creationId xmlns:a16="http://schemas.microsoft.com/office/drawing/2014/main" id="{3C017610-7187-5AB6-90F5-0BDFE564F722}"/>
+              </a:ext>
+            </a:extLst>
+          </p:cNvPr>
+          <p:cNvPicPr>
+            <a:picLocks noChangeAspect="1"/>
+          </p:cNvPicPr>
+          <p:nvPr/>
+        </p:nvPicPr>
+        <p:blipFill>
+          <a:blip r:embed="rId6">
+            <a:extLst>
+              <a:ext uri="{28A0092B-C50C-407E-A947-70E740481C1C}">
+                <a14:useLocalDpi xmlns:a14="http://schemas.microsoft.com/office/drawing/2010/main" val="0"/>
+              </a:ext>
+            </a:extLst>
+          </a:blip>
+          <a:stretch>
+            <a:fillRect/>
+          </a:stretch>
+        </p:blipFill>
+        <p:spPr>
+          <a:xfrm>
+            <a:off x="7447572" y="3802563"/>
+            <a:ext cx="2877318" cy="2877318"/>
+          </a:xfrm>
+          <a:prstGeom prst="rect">
+            <a:avLst/>
+          </a:prstGeom>
+        </p:spPr>
+      </p:pic>
+      <p:pic>
+        <p:nvPicPr>
+          <p:cNvPr id="20" name="Picture 19" descr="A black and white pixelated square&#10;&#10;AI-generated content may be incorrect.">
+            <a:extLst>
+              <a:ext uri="{FF2B5EF4-FFF2-40B4-BE49-F238E27FC236}">
+                <a16:creationId xmlns:a16="http://schemas.microsoft.com/office/drawing/2014/main" id="{E5F9FCD1-FF6C-3AA0-D173-5A771F93AEF3}"/>
+              </a:ext>
+            </a:extLst>
+          </p:cNvPr>
+          <p:cNvPicPr>
+            <a:picLocks noChangeAspect="1"/>
+          </p:cNvPicPr>
+          <p:nvPr/>
+        </p:nvPicPr>
+        <p:blipFill>
+          <a:blip r:embed="rId7">
+            <a:extLst>
+              <a:ext uri="{28A0092B-C50C-407E-A947-70E740481C1C}">
+                <a14:useLocalDpi xmlns:a14="http://schemas.microsoft.com/office/drawing/2010/main" val="0"/>
+              </a:ext>
+            </a:extLst>
+          </a:blip>
+          <a:stretch>
+            <a:fillRect/>
+          </a:stretch>
+        </p:blipFill>
+        <p:spPr>
+          <a:xfrm>
+            <a:off x="7447572" y="551682"/>
+            <a:ext cx="2877318" cy="2877318"/>
+          </a:xfrm>
+          <a:prstGeom prst="rect">
+            <a:avLst/>
+          </a:prstGeom>
+        </p:spPr>
+      </p:pic>
+      <p:cxnSp>
+        <p:nvCxnSpPr>
+          <p:cNvPr id="22" name="Straight Connector 21">
+            <a:extLst>
+              <a:ext uri="{FF2B5EF4-FFF2-40B4-BE49-F238E27FC236}">
+                <a16:creationId xmlns:a16="http://schemas.microsoft.com/office/drawing/2014/main" id="{A6298A49-1BB8-B363-5568-E3DD75F7D688}"/>
+              </a:ext>
+            </a:extLst>
+          </p:cNvPr>
+          <p:cNvCxnSpPr/>
+          <p:nvPr/>
+        </p:nvCxnSpPr>
+        <p:spPr>
+          <a:xfrm>
+            <a:off x="7507564" y="3542429"/>
+            <a:ext cx="3198657" cy="2971800"/>
+          </a:xfrm>
+          <a:prstGeom prst="line">
+            <a:avLst/>
+          </a:prstGeom>
+          <a:ln w="76200">
+            <a:solidFill>
+              <a:srgbClr val="FF0000"/>
+            </a:solidFill>
+          </a:ln>
+        </p:spPr>
+        <p:style>
+          <a:lnRef idx="2">
+            <a:schemeClr val="accent1"/>
+          </a:lnRef>
+          <a:fillRef idx="0">
+            <a:schemeClr val="accent1"/>
+          </a:fillRef>
+          <a:effectRef idx="1">
+            <a:schemeClr val="accent1"/>
+          </a:effectRef>
+          <a:fontRef idx="minor">
+            <a:schemeClr val="tx1"/>
+          </a:fontRef>
+        </p:style>
+      </p:cxnSp>
+      <p:cxnSp>
+        <p:nvCxnSpPr>
+          <p:cNvPr id="23" name="Straight Connector 22">
+            <a:extLst>
+              <a:ext uri="{FF2B5EF4-FFF2-40B4-BE49-F238E27FC236}">
+                <a16:creationId xmlns:a16="http://schemas.microsoft.com/office/drawing/2014/main" id="{6423B773-293E-5CF2-720C-FBB70CF0E5F1}"/>
+              </a:ext>
+            </a:extLst>
+          </p:cNvPr>
+          <p:cNvCxnSpPr>
+            <a:cxnSpLocks/>
+          </p:cNvCxnSpPr>
+          <p:nvPr/>
+        </p:nvCxnSpPr>
+        <p:spPr>
+          <a:xfrm rot="16200000">
+            <a:off x="7507564" y="3542429"/>
+            <a:ext cx="3198657" cy="2971800"/>
+          </a:xfrm>
+          <a:prstGeom prst="line">
+            <a:avLst/>
+          </a:prstGeom>
+          <a:ln w="76200">
+            <a:solidFill>
+              <a:srgbClr val="FF0000"/>
+            </a:solidFill>
+          </a:ln>
+        </p:spPr>
+        <p:style>
+          <a:lnRef idx="2">
+            <a:schemeClr val="accent1"/>
+          </a:lnRef>
+          <a:fillRef idx="0">
+            <a:schemeClr val="accent1"/>
+          </a:fillRef>
+          <a:effectRef idx="1">
+            <a:schemeClr val="accent1"/>
+          </a:effectRef>
+          <a:fontRef idx="minor">
+            <a:schemeClr val="tx1"/>
+          </a:fontRef>
+        </p:style>
+      </p:cxnSp>
+      <p:cxnSp>
+        <p:nvCxnSpPr>
+          <p:cNvPr id="25" name="Straight Connector 24">
+            <a:extLst>
+              <a:ext uri="{FF2B5EF4-FFF2-40B4-BE49-F238E27FC236}">
+                <a16:creationId xmlns:a16="http://schemas.microsoft.com/office/drawing/2014/main" id="{51EA2EBE-D20B-513E-1CAA-42EBA9E82B01}"/>
+              </a:ext>
+            </a:extLst>
+          </p:cNvPr>
+          <p:cNvCxnSpPr/>
+          <p:nvPr/>
+        </p:nvCxnSpPr>
+        <p:spPr>
+          <a:xfrm>
+            <a:off x="4235234" y="3542429"/>
+            <a:ext cx="3198657" cy="2971800"/>
+          </a:xfrm>
+          <a:prstGeom prst="line">
+            <a:avLst/>
+          </a:prstGeom>
+          <a:ln w="76200">
+            <a:solidFill>
+              <a:srgbClr val="FF0000"/>
+            </a:solidFill>
+          </a:ln>
+        </p:spPr>
+        <p:style>
+          <a:lnRef idx="2">
+            <a:schemeClr val="accent1"/>
+          </a:lnRef>
+          <a:fillRef idx="0">
+            <a:schemeClr val="accent1"/>
+          </a:fillRef>
+          <a:effectRef idx="1">
+            <a:schemeClr val="accent1"/>
+          </a:effectRef>
+          <a:fontRef idx="minor">
+            <a:schemeClr val="tx1"/>
+          </a:fontRef>
+        </p:style>
+      </p:cxnSp>
+      <p:cxnSp>
+        <p:nvCxnSpPr>
+          <p:cNvPr id="26" name="Straight Connector 25">
+            <a:extLst>
+              <a:ext uri="{FF2B5EF4-FFF2-40B4-BE49-F238E27FC236}">
+                <a16:creationId xmlns:a16="http://schemas.microsoft.com/office/drawing/2014/main" id="{199B7127-BAFE-9900-00F5-A3FFC7259493}"/>
+              </a:ext>
+            </a:extLst>
+          </p:cNvPr>
+          <p:cNvCxnSpPr>
+            <a:cxnSpLocks/>
+          </p:cNvCxnSpPr>
+          <p:nvPr/>
+        </p:nvCxnSpPr>
+        <p:spPr>
+          <a:xfrm rot="16200000">
+            <a:off x="4235234" y="3542429"/>
+            <a:ext cx="3198657" cy="2971800"/>
+          </a:xfrm>
+          <a:prstGeom prst="line">
+            <a:avLst/>
+          </a:prstGeom>
+          <a:ln w="76200">
+            <a:solidFill>
+              <a:srgbClr val="FF0000"/>
+            </a:solidFill>
+          </a:ln>
+        </p:spPr>
+        <p:style>
+          <a:lnRef idx="2">
+            <a:schemeClr val="accent1"/>
+          </a:lnRef>
+          <a:fillRef idx="0">
+            <a:schemeClr val="accent1"/>
+          </a:fillRef>
+          <a:effectRef idx="1">
+            <a:schemeClr val="accent1"/>
+          </a:effectRef>
+          <a:fontRef idx="minor">
+            <a:schemeClr val="tx1"/>
+          </a:fontRef>
+        </p:style>
+      </p:cxnSp>
+    </p:spTree>
+    <p:extLst>
+      <p:ext uri="{BB962C8B-B14F-4D97-AF65-F5344CB8AC3E}">
+        <p14:creationId xmlns:p14="http://schemas.microsoft.com/office/powerpoint/2010/main" val="3134903272"/>
+      </p:ext>
+    </p:extLst>
+  </p:cSld>
+  <p:clrMapOvr>
+    <a:masterClrMapping/>
+  </p:clrMapOvr>
+</p:sld>
+</file>
+
+<file path=ppt/slides/slide8.xml><?xml version="1.0" encoding="utf-8"?>
+<p:sld xmlns:a="http://schemas.openxmlformats.org/drawingml/2006/main" xmlns:r="http://schemas.openxmlformats.org/officeDocument/2006/relationships" xmlns:p="http://schemas.openxmlformats.org/presentationml/2006/main">
+  <p:cSld>
+    <p:spTree>
+      <p:nvGrpSpPr>
+        <p:cNvPr id="1" name=""/>
+        <p:cNvGrpSpPr/>
+        <p:nvPr/>
+      </p:nvGrpSpPr>
+      <p:grpSpPr>
+        <a:xfrm>
+          <a:off x="0" y="0"/>
+          <a:ext cx="0" cy="0"/>
+          <a:chOff x="0" y="0"/>
+          <a:chExt cx="0" cy="0"/>
+        </a:xfrm>
+      </p:grpSpPr>
+      <p:pic>
+        <p:nvPicPr>
+          <p:cNvPr id="29" name="Picture 28" descr="A black and white square with white squares&#10;&#10;AI-generated content may be incorrect.">
+            <a:extLst>
+              <a:ext uri="{FF2B5EF4-FFF2-40B4-BE49-F238E27FC236}">
+                <a16:creationId xmlns:a16="http://schemas.microsoft.com/office/drawing/2014/main" id="{D6DB9F16-F82D-E321-77BA-3E3099DAB6AF}"/>
+              </a:ext>
+            </a:extLst>
+          </p:cNvPr>
+          <p:cNvPicPr>
+            <a:picLocks noChangeAspect="1"/>
+          </p:cNvPicPr>
+          <p:nvPr/>
+        </p:nvPicPr>
+        <p:blipFill>
+          <a:blip r:embed="rId3">
+            <a:extLst>
+              <a:ext uri="{28A0092B-C50C-407E-A947-70E740481C1C}">
+                <a14:useLocalDpi xmlns:a14="http://schemas.microsoft.com/office/drawing/2010/main" val="0"/>
+              </a:ext>
+            </a:extLst>
+          </a:blip>
+          <a:stretch>
+            <a:fillRect/>
+          </a:stretch>
+        </p:blipFill>
+        <p:spPr>
+          <a:xfrm>
+            <a:off x="-3135994" y="-2398728"/>
+            <a:ext cx="11037119" cy="11037119"/>
+          </a:xfrm>
+          <a:prstGeom prst="rect">
+            <a:avLst/>
+          </a:prstGeom>
+        </p:spPr>
+      </p:pic>
+      <p:pic>
+        <p:nvPicPr>
+          <p:cNvPr id="15" name="Picture 14" descr="A group of colorful lines&#10;&#10;AI-generated content may be incorrect.">
+            <a:extLst>
+              <a:ext uri="{FF2B5EF4-FFF2-40B4-BE49-F238E27FC236}">
+                <a16:creationId xmlns:a16="http://schemas.microsoft.com/office/drawing/2014/main" id="{E7F222F1-AC64-AC0B-640E-AD1C7D376C37}"/>
+              </a:ext>
+            </a:extLst>
+          </p:cNvPr>
+          <p:cNvPicPr>
+            <a:picLocks noChangeAspect="1"/>
+          </p:cNvPicPr>
+          <p:nvPr/>
+        </p:nvPicPr>
+        <p:blipFill>
+          <a:blip r:embed="rId4">
+            <a:clrChange>
+              <a:clrFrom>
+                <a:srgbClr val="FFFFFF"/>
+              </a:clrFrom>
+              <a:clrTo>
+                <a:srgbClr val="FFFFFF">
+                  <a:alpha val="0"/>
+                </a:srgbClr>
+              </a:clrTo>
+            </a:clrChange>
+            <a:extLst>
+              <a:ext uri="{28A0092B-C50C-407E-A947-70E740481C1C}">
+                <a14:useLocalDpi xmlns:a14="http://schemas.microsoft.com/office/drawing/2010/main" val="0"/>
+              </a:ext>
+            </a:extLst>
+          </a:blip>
+          <a:stretch>
+            <a:fillRect/>
+          </a:stretch>
+        </p:blipFill>
+        <p:spPr>
+          <a:xfrm>
+            <a:off x="-912000" y="-178539"/>
+            <a:ext cx="6561686" cy="6561686"/>
+          </a:xfrm>
+          <a:prstGeom prst="rect">
+            <a:avLst/>
+          </a:prstGeom>
+        </p:spPr>
+      </p:pic>
+      <p:pic>
+        <p:nvPicPr>
+          <p:cNvPr id="23" name="Picture 22" descr="A grid with a black background&#10;&#10;AI-generated content may be incorrect.">
+            <a:extLst>
+              <a:ext uri="{FF2B5EF4-FFF2-40B4-BE49-F238E27FC236}">
+                <a16:creationId xmlns:a16="http://schemas.microsoft.com/office/drawing/2014/main" id="{E9C41F2B-177B-04AF-EC48-9535A80C4C96}"/>
+              </a:ext>
+            </a:extLst>
+          </p:cNvPr>
+          <p:cNvPicPr>
+            <a:picLocks noChangeAspect="1"/>
+          </p:cNvPicPr>
+          <p:nvPr/>
+        </p:nvPicPr>
+        <p:blipFill>
+          <a:blip r:embed="rId5">
+            <a:extLst>
+              <a:ext uri="{28A0092B-C50C-407E-A947-70E740481C1C}">
+                <a14:useLocalDpi xmlns:a14="http://schemas.microsoft.com/office/drawing/2010/main" val="0"/>
+              </a:ext>
+            </a:extLst>
+          </a:blip>
+          <a:stretch>
+            <a:fillRect/>
+          </a:stretch>
+        </p:blipFill>
+        <p:spPr>
+          <a:xfrm>
+            <a:off x="8525913" y="1279556"/>
+            <a:ext cx="13648285" cy="10236212"/>
+          </a:xfrm>
+          <a:prstGeom prst="rect">
+            <a:avLst/>
+          </a:prstGeom>
+        </p:spPr>
+      </p:pic>
+      <p:sp>
+        <p:nvSpPr>
+          <p:cNvPr id="24" name="TextBox 23">
+            <a:extLst>
+              <a:ext uri="{FF2B5EF4-FFF2-40B4-BE49-F238E27FC236}">
+                <a16:creationId xmlns:a16="http://schemas.microsoft.com/office/drawing/2014/main" id="{B99C5A29-5E23-CFF6-4ABD-84327E94AEAC}"/>
+              </a:ext>
+            </a:extLst>
+          </p:cNvPr>
+          <p:cNvSpPr txBox="1"/>
+          <p:nvPr/>
+        </p:nvSpPr>
+        <p:spPr>
+          <a:xfrm>
+            <a:off x="-6923878" y="9668107"/>
+            <a:ext cx="4050482" cy="1754326"/>
+          </a:xfrm>
+          <a:prstGeom prst="rect">
+            <a:avLst/>
+          </a:prstGeom>
+          <a:noFill/>
+        </p:spPr>
+        <p:txBody>
+          <a:bodyPr wrap="square" rtlCol="0">
+            <a:spAutoFit/>
+          </a:bodyPr>
+          <a:lstStyle/>
+          <a:p>
+            <a:r>
+              <a:rPr lang="de-DE" sz="5400" b="1" dirty="0"/>
+              <a:t>Signal per column</a:t>
+            </a:r>
+          </a:p>
+        </p:txBody>
+      </p:sp>
+      <p:sp>
+        <p:nvSpPr>
+          <p:cNvPr id="26" name="TextBox 25">
+            <a:extLst>
+              <a:ext uri="{FF2B5EF4-FFF2-40B4-BE49-F238E27FC236}">
+                <a16:creationId xmlns:a16="http://schemas.microsoft.com/office/drawing/2014/main" id="{4BB1DB91-9FCE-C57B-5D16-A1D33DCB72ED}"/>
+              </a:ext>
+            </a:extLst>
+          </p:cNvPr>
+          <p:cNvSpPr txBox="1"/>
+          <p:nvPr/>
+        </p:nvSpPr>
+        <p:spPr>
+          <a:xfrm>
+            <a:off x="12678362" y="356226"/>
+            <a:ext cx="5343386" cy="923330"/>
+          </a:xfrm>
+          <a:prstGeom prst="rect">
+            <a:avLst/>
+          </a:prstGeom>
+          <a:noFill/>
+        </p:spPr>
+        <p:txBody>
+          <a:bodyPr wrap="none" rtlCol="0">
+            <a:spAutoFit/>
+          </a:bodyPr>
+          <a:lstStyle/>
+          <a:p>
+            <a:r>
+              <a:rPr lang="de-DE" sz="5400" b="1" dirty="0"/>
+              <a:t>Measured signal</a:t>
+            </a:r>
+          </a:p>
+        </p:txBody>
+      </p:sp>
+      <p:sp>
+        <p:nvSpPr>
+          <p:cNvPr id="27" name="TextBox 26">
+            <a:extLst>
+              <a:ext uri="{FF2B5EF4-FFF2-40B4-BE49-F238E27FC236}">
+                <a16:creationId xmlns:a16="http://schemas.microsoft.com/office/drawing/2014/main" id="{77D4BFFD-974A-C9CC-3FBC-28142916974D}"/>
+              </a:ext>
+            </a:extLst>
+          </p:cNvPr>
+          <p:cNvSpPr txBox="1"/>
+          <p:nvPr/>
+        </p:nvSpPr>
+        <p:spPr>
+          <a:xfrm>
+            <a:off x="-6923878" y="12519093"/>
+            <a:ext cx="3493970" cy="923330"/>
+          </a:xfrm>
+          <a:prstGeom prst="rect">
+            <a:avLst/>
+          </a:prstGeom>
+          <a:noFill/>
+        </p:spPr>
+        <p:txBody>
+          <a:bodyPr wrap="none" rtlCol="0">
+            <a:spAutoFit/>
+          </a:bodyPr>
+          <a:lstStyle/>
+          <a:p>
+            <a:r>
+              <a:rPr lang="de-DE" sz="5400" b="1" dirty="0"/>
+              <a:t>Frequency</a:t>
+            </a:r>
+          </a:p>
+        </p:txBody>
+      </p:sp>
+      <p:pic>
+        <p:nvPicPr>
+          <p:cNvPr id="33" name="Picture 32" descr="A black and white rectangles&#10;&#10;AI-generated content may be incorrect.">
+            <a:extLst>
+              <a:ext uri="{FF2B5EF4-FFF2-40B4-BE49-F238E27FC236}">
+                <a16:creationId xmlns:a16="http://schemas.microsoft.com/office/drawing/2014/main" id="{21F38570-F616-5133-49AB-E3D3C0493664}"/>
+              </a:ext>
+            </a:extLst>
+          </p:cNvPr>
+          <p:cNvPicPr>
+            <a:picLocks noChangeAspect="1"/>
+          </p:cNvPicPr>
+          <p:nvPr/>
+        </p:nvPicPr>
+        <p:blipFill>
+          <a:blip r:embed="rId6">
+            <a:extLst>
+              <a:ext uri="{28A0092B-C50C-407E-A947-70E740481C1C}">
+                <a14:useLocalDpi xmlns:a14="http://schemas.microsoft.com/office/drawing/2010/main" val="0"/>
+              </a:ext>
+            </a:extLst>
+          </a:blip>
+          <a:srcRect t="42064" b="42212"/>
+          <a:stretch>
+            <a:fillRect/>
+          </a:stretch>
+        </p:blipFill>
+        <p:spPr>
+          <a:xfrm>
+            <a:off x="-3135994" y="9381539"/>
+            <a:ext cx="11037119" cy="2134229"/>
+          </a:xfrm>
+          <a:prstGeom prst="rect">
+            <a:avLst/>
+          </a:prstGeom>
+        </p:spPr>
+      </p:pic>
+      <p:pic>
+        <p:nvPicPr>
+          <p:cNvPr id="7" name="Picture 6" descr="A yellow line on a white background&#10;&#10;AI-generated content may be incorrect.">
+            <a:extLst>
+              <a:ext uri="{FF2B5EF4-FFF2-40B4-BE49-F238E27FC236}">
+                <a16:creationId xmlns:a16="http://schemas.microsoft.com/office/drawing/2014/main" id="{73D484D0-2A93-5F4F-E8FA-5B291C231987}"/>
+              </a:ext>
+            </a:extLst>
+          </p:cNvPr>
+          <p:cNvPicPr>
+            <a:picLocks noChangeAspect="1"/>
+          </p:cNvPicPr>
+          <p:nvPr/>
+        </p:nvPicPr>
+        <p:blipFill>
+          <a:blip r:embed="rId7">
+            <a:clrChange>
+              <a:clrFrom>
+                <a:srgbClr val="FFFFFF"/>
+              </a:clrFrom>
+              <a:clrTo>
+                <a:srgbClr val="FFFFFF">
+                  <a:alpha val="0"/>
+                </a:srgbClr>
+              </a:clrTo>
+            </a:clrChange>
+            <a:extLst>
+              <a:ext uri="{28A0092B-C50C-407E-A947-70E740481C1C}">
+                <a14:useLocalDpi xmlns:a14="http://schemas.microsoft.com/office/drawing/2010/main" val="0"/>
+              </a:ext>
+            </a:extLst>
+          </a:blip>
+          <a:stretch>
+            <a:fillRect/>
+          </a:stretch>
+        </p:blipFill>
+        <p:spPr>
+          <a:xfrm>
+            <a:off x="-1042628" y="9272948"/>
+            <a:ext cx="6692314" cy="2414016"/>
+          </a:xfrm>
+          <a:prstGeom prst="rect">
+            <a:avLst/>
+          </a:prstGeom>
+        </p:spPr>
+      </p:pic>
+      <p:sp>
+        <p:nvSpPr>
+          <p:cNvPr id="25" name="Isosceles Triangle 24">
+            <a:extLst>
+              <a:ext uri="{FF2B5EF4-FFF2-40B4-BE49-F238E27FC236}">
+                <a16:creationId xmlns:a16="http://schemas.microsoft.com/office/drawing/2014/main" id="{57BC236B-785C-49BE-E09D-BCEEB109FB15}"/>
+              </a:ext>
+            </a:extLst>
+          </p:cNvPr>
+          <p:cNvSpPr/>
+          <p:nvPr/>
+        </p:nvSpPr>
+        <p:spPr>
+          <a:xfrm>
+            <a:off x="-3149716" y="12229644"/>
+            <a:ext cx="11037118" cy="1502228"/>
+          </a:xfrm>
+          <a:prstGeom prst="triangle">
+            <a:avLst>
+              <a:gd name="adj" fmla="val 100000"/>
+            </a:avLst>
+          </a:prstGeom>
+          <a:solidFill>
+            <a:schemeClr val="accent1">
+              <a:lumMod val="75000"/>
+            </a:schemeClr>
+          </a:solidFill>
+          <a:ln>
+            <a:noFill/>
+          </a:ln>
+        </p:spPr>
+        <p:style>
+          <a:lnRef idx="2">
+            <a:schemeClr val="accent1">
+              <a:shade val="15000"/>
+            </a:schemeClr>
+          </a:lnRef>
+          <a:fillRef idx="1">
+            <a:schemeClr val="accent1"/>
+          </a:fillRef>
+          <a:effectRef idx="0">
+            <a:schemeClr val="accent1"/>
+          </a:effectRef>
+          <a:fontRef idx="minor">
+            <a:schemeClr val="lt1"/>
+          </a:fontRef>
+        </p:style>
+        <p:txBody>
+          <a:bodyPr rtlCol="0" anchor="ctr"/>
+          <a:lstStyle/>
+          <a:p>
+            <a:pPr algn="ctr"/>
+            <a:endParaRPr lang="de-DE">
+              <a:solidFill>
+                <a:schemeClr val="accent1"/>
+              </a:solidFill>
+            </a:endParaRPr>
+          </a:p>
+        </p:txBody>
+      </p:sp>
+    </p:spTree>
+    <p:extLst>
+      <p:ext uri="{BB962C8B-B14F-4D97-AF65-F5344CB8AC3E}">
+        <p14:creationId xmlns:p14="http://schemas.microsoft.com/office/powerpoint/2010/main" val="1490451566"/>
+      </p:ext>
+    </p:extLst>
+  </p:cSld>
+  <p:clrMapOvr>
+    <a:masterClrMapping/>
+  </p:clrMapOvr>
+</p:sld>
+</file>
+
+<file path=ppt/slides/slide9.xml><?xml version="1.0" encoding="utf-8"?>
+<p:sld xmlns:a="http://schemas.openxmlformats.org/drawingml/2006/main" xmlns:r="http://schemas.openxmlformats.org/officeDocument/2006/relationships" xmlns:p="http://schemas.openxmlformats.org/presentationml/2006/main">
+  <p:cSld>
+    <p:spTree>
+      <p:nvGrpSpPr>
+        <p:cNvPr id="1" name=""/>
+        <p:cNvGrpSpPr/>
+        <p:nvPr/>
+      </p:nvGrpSpPr>
+      <p:grpSpPr>
+        <a:xfrm>
+          <a:off x="0" y="0"/>
+          <a:ext cx="0" cy="0"/>
+          <a:chOff x="0" y="0"/>
+          <a:chExt cx="0" cy="0"/>
+        </a:xfrm>
+      </p:grpSpPr>
+      <p:sp>
+        <p:nvSpPr>
+          <p:cNvPr id="4" name="Isosceles Triangle 3">
+            <a:extLst>
+              <a:ext uri="{FF2B5EF4-FFF2-40B4-BE49-F238E27FC236}">
+                <a16:creationId xmlns:a16="http://schemas.microsoft.com/office/drawing/2014/main" id="{8864BC73-4045-0194-9454-E70145171C3F}"/>
+              </a:ext>
+            </a:extLst>
+          </p:cNvPr>
+          <p:cNvSpPr/>
+          <p:nvPr/>
+        </p:nvSpPr>
+        <p:spPr>
+          <a:xfrm>
+            <a:off x="187583" y="625642"/>
+            <a:ext cx="11037118" cy="4956142"/>
+          </a:xfrm>
+          <a:prstGeom prst="triangle">
+            <a:avLst>
+              <a:gd name="adj" fmla="val 100000"/>
+            </a:avLst>
+          </a:prstGeom>
+          <a:solidFill>
+            <a:schemeClr val="accent1">
+              <a:lumMod val="20000"/>
+              <a:lumOff val="80000"/>
+            </a:schemeClr>
+          </a:solidFill>
+          <a:ln>
+            <a:noFill/>
+          </a:ln>
+        </p:spPr>
+        <p:style>
+          <a:lnRef idx="2">
+            <a:schemeClr val="accent1">
+              <a:shade val="15000"/>
+            </a:schemeClr>
+          </a:lnRef>
+          <a:fillRef idx="1">
+            <a:schemeClr val="accent1"/>
+          </a:fillRef>
+          <a:effectRef idx="0">
+            <a:schemeClr val="accent1"/>
+          </a:effectRef>
+          <a:fontRef idx="minor">
+            <a:schemeClr val="lt1"/>
+          </a:fontRef>
+        </p:style>
+        <p:txBody>
+          <a:bodyPr rtlCol="0" anchor="ctr"/>
+          <a:lstStyle/>
+          <a:p>
+            <a:pPr algn="ctr"/>
+            <a:endParaRPr lang="de-DE">
+              <a:solidFill>
+                <a:schemeClr val="accent1"/>
+              </a:solidFill>
+            </a:endParaRPr>
+          </a:p>
+        </p:txBody>
+      </p:sp>
+      <mc:AlternateContent xmlns:mc="http://schemas.openxmlformats.org/markup-compatibility/2006" xmlns:a14="http://schemas.microsoft.com/office/drawing/2010/main">
+        <mc:Choice Requires="a14">
+          <p:sp>
+            <p:nvSpPr>
+              <p:cNvPr id="5" name="TextBox 4">
+                <a:extLst>
+                  <a:ext uri="{FF2B5EF4-FFF2-40B4-BE49-F238E27FC236}">
+                    <a16:creationId xmlns:a16="http://schemas.microsoft.com/office/drawing/2014/main" id="{FC21FF2A-CDFA-400E-E6ED-7A86E1A3A9EE}"/>
+                  </a:ext>
+                </a:extLst>
+              </p:cNvPr>
+              <p:cNvSpPr txBox="1"/>
+              <p:nvPr/>
+            </p:nvSpPr>
+            <p:spPr>
+              <a:xfrm>
+                <a:off x="675166" y="5581784"/>
+                <a:ext cx="1056892" cy="861774"/>
+              </a:xfrm>
+              <a:prstGeom prst="rect">
+                <a:avLst/>
+              </a:prstGeom>
+              <a:noFill/>
+            </p:spPr>
+            <p:txBody>
+              <a:bodyPr wrap="none" rtlCol="0">
+                <a:spAutoFit/>
+              </a:bodyPr>
+              <a:lstStyle/>
+              <a:p>
+                <a:pPr/>
+                <a14:m>
+                  <m:oMathPara xmlns:m="http://schemas.openxmlformats.org/officeDocument/2006/math">
+                    <m:oMathParaPr>
+                      <m:jc m:val="centerGroup"/>
+                    </m:oMathParaPr>
+                    <m:oMath xmlns:m="http://schemas.openxmlformats.org/officeDocument/2006/math">
+                      <m:r>
+                        <m:rPr>
+                          <m:sty m:val="p"/>
+                        </m:rPr>
+                        <a:rPr lang="de-DE" sz="5000" i="1" smtClean="0">
+                          <a:solidFill>
+                            <a:schemeClr val="accent3"/>
+                          </a:solidFill>
+                          <a:latin typeface="Cambria Math" panose="02040503050406030204" pitchFamily="18" charset="0"/>
+                        </a:rPr>
+                        <m:t>Δ</m:t>
+                      </m:r>
+                      <m:r>
+                        <a:rPr lang="de-DE" sz="5000" i="1" smtClean="0">
+                          <a:solidFill>
+                            <a:schemeClr val="accent3"/>
+                          </a:solidFill>
+                          <a:latin typeface="Cambria Math" panose="02040503050406030204" pitchFamily="18" charset="0"/>
+                        </a:rPr>
+                        <m:t>𝑥</m:t>
+                      </m:r>
+                    </m:oMath>
+                  </m:oMathPara>
+                </a14:m>
+                <a:endParaRPr lang="de-DE" sz="5000" dirty="0">
+                  <a:solidFill>
+                    <a:schemeClr val="accent3"/>
+                  </a:solidFill>
+                </a:endParaRPr>
+              </a:p>
+            </p:txBody>
+          </p:sp>
+        </mc:Choice>
+        <mc:Fallback xmlns="">
+          <p:sp>
+            <p:nvSpPr>
+              <p:cNvPr id="5" name="TextBox 4">
+                <a:extLst>
+                  <a:ext uri="{FF2B5EF4-FFF2-40B4-BE49-F238E27FC236}">
+                    <a16:creationId xmlns:a16="http://schemas.microsoft.com/office/drawing/2014/main" id="{FC21FF2A-CDFA-400E-E6ED-7A86E1A3A9EE}"/>
+                  </a:ext>
+                </a:extLst>
+              </p:cNvPr>
+              <p:cNvSpPr txBox="1">
+                <a:spLocks noRot="1" noChangeAspect="1" noMove="1" noResize="1" noEditPoints="1" noAdjustHandles="1" noChangeArrowheads="1" noChangeShapeType="1" noTextEdit="1"/>
+              </p:cNvSpPr>
+              <p:nvPr/>
+            </p:nvSpPr>
+            <p:spPr>
+              <a:xfrm>
+                <a:off x="675166" y="5581784"/>
+                <a:ext cx="1056892" cy="861774"/>
+              </a:xfrm>
+              <a:prstGeom prst="rect">
+                <a:avLst/>
+              </a:prstGeom>
+              <a:blipFill>
+                <a:blip r:embed="rId2"/>
+                <a:stretch>
+                  <a:fillRect/>
+                </a:stretch>
+              </a:blipFill>
+            </p:spPr>
+            <p:txBody>
+              <a:bodyPr/>
+              <a:lstStyle/>
+              <a:p>
+                <a:r>
+                  <a:rPr lang="de-DE">
+                    <a:noFill/>
+                  </a:rPr>
+                  <a:t> </a:t>
+                </a:r>
+              </a:p>
+            </p:txBody>
+          </p:sp>
+        </mc:Fallback>
+      </mc:AlternateContent>
+      <mc:AlternateContent xmlns:mc="http://schemas.openxmlformats.org/markup-compatibility/2006" xmlns:a14="http://schemas.microsoft.com/office/drawing/2010/main">
+        <mc:Choice Requires="a14">
+          <p:sp>
+            <p:nvSpPr>
+              <p:cNvPr id="7" name="TextBox 6">
+                <a:extLst>
+                  <a:ext uri="{FF2B5EF4-FFF2-40B4-BE49-F238E27FC236}">
+                    <a16:creationId xmlns:a16="http://schemas.microsoft.com/office/drawing/2014/main" id="{103AFB47-2B91-98A3-37D3-1C37D1AE6CA6}"/>
+                  </a:ext>
+                </a:extLst>
+              </p:cNvPr>
+              <p:cNvSpPr txBox="1"/>
+              <p:nvPr/>
+            </p:nvSpPr>
+            <p:spPr>
+              <a:xfrm>
+                <a:off x="2450128" y="4643028"/>
+                <a:ext cx="1067472" cy="861774"/>
+              </a:xfrm>
+              <a:prstGeom prst="rect">
+                <a:avLst/>
+              </a:prstGeom>
+              <a:noFill/>
+            </p:spPr>
+            <p:txBody>
+              <a:bodyPr wrap="none" rtlCol="0">
+                <a:spAutoFit/>
+              </a:bodyPr>
+              <a:lstStyle/>
+              <a:p>
+                <a:pPr/>
+                <a14:m>
+                  <m:oMathPara xmlns:m="http://schemas.openxmlformats.org/officeDocument/2006/math">
+                    <m:oMathParaPr>
+                      <m:jc m:val="centerGroup"/>
+                    </m:oMathParaPr>
+                    <m:oMath xmlns:m="http://schemas.openxmlformats.org/officeDocument/2006/math">
+                      <m:r>
+                        <m:rPr>
+                          <m:sty m:val="p"/>
+                        </m:rPr>
+                        <a:rPr lang="de-DE" sz="5000" i="1" smtClean="0">
+                          <a:solidFill>
+                            <a:srgbClr val="FF0000"/>
+                          </a:solidFill>
+                          <a:latin typeface="Cambria Math" panose="02040503050406030204" pitchFamily="18" charset="0"/>
+                        </a:rPr>
+                        <m:t>Δ</m:t>
+                      </m:r>
+                      <m:r>
+                        <a:rPr lang="de-DE" sz="5000" b="0" i="1" smtClean="0">
+                          <a:solidFill>
+                            <a:srgbClr val="FF0000"/>
+                          </a:solidFill>
+                          <a:latin typeface="Cambria Math" panose="02040503050406030204" pitchFamily="18" charset="0"/>
+                        </a:rPr>
+                        <m:t>𝑓</m:t>
+                      </m:r>
+                    </m:oMath>
+                  </m:oMathPara>
+                </a14:m>
+                <a:endParaRPr lang="de-DE" sz="5000" dirty="0">
+                  <a:solidFill>
+                    <a:srgbClr val="FF0000"/>
+                  </a:solidFill>
+                </a:endParaRPr>
+              </a:p>
+            </p:txBody>
+          </p:sp>
+        </mc:Choice>
+        <mc:Fallback xmlns="">
+          <p:sp>
+            <p:nvSpPr>
+              <p:cNvPr id="7" name="TextBox 6">
+                <a:extLst>
+                  <a:ext uri="{FF2B5EF4-FFF2-40B4-BE49-F238E27FC236}">
+                    <a16:creationId xmlns:a16="http://schemas.microsoft.com/office/drawing/2014/main" id="{103AFB47-2B91-98A3-37D3-1C37D1AE6CA6}"/>
+                  </a:ext>
+                </a:extLst>
+              </p:cNvPr>
+              <p:cNvSpPr txBox="1">
+                <a:spLocks noRot="1" noChangeAspect="1" noMove="1" noResize="1" noEditPoints="1" noAdjustHandles="1" noChangeArrowheads="1" noChangeShapeType="1" noTextEdit="1"/>
+              </p:cNvSpPr>
+              <p:nvPr/>
+            </p:nvSpPr>
+            <p:spPr>
+              <a:xfrm>
+                <a:off x="2450128" y="4643028"/>
+                <a:ext cx="1067472" cy="861774"/>
+              </a:xfrm>
+              <a:prstGeom prst="rect">
+                <a:avLst/>
+              </a:prstGeom>
+              <a:blipFill>
+                <a:blip r:embed="rId3"/>
+                <a:stretch>
+                  <a:fillRect/>
+                </a:stretch>
+              </a:blipFill>
+            </p:spPr>
+            <p:txBody>
+              <a:bodyPr/>
+              <a:lstStyle/>
+              <a:p>
+                <a:r>
+                  <a:rPr lang="de-DE">
+                    <a:noFill/>
+                  </a:rPr>
+                  <a:t> </a:t>
+                </a:r>
+              </a:p>
+            </p:txBody>
+          </p:sp>
+        </mc:Fallback>
+      </mc:AlternateContent>
+      <p:cxnSp>
+        <p:nvCxnSpPr>
+          <p:cNvPr id="9" name="Straight Arrow Connector 8">
+            <a:extLst>
+              <a:ext uri="{FF2B5EF4-FFF2-40B4-BE49-F238E27FC236}">
+                <a16:creationId xmlns:a16="http://schemas.microsoft.com/office/drawing/2014/main" id="{935B09BC-7FCD-A8FF-3772-5C9673A40C59}"/>
+              </a:ext>
+            </a:extLst>
+          </p:cNvPr>
+          <p:cNvCxnSpPr>
+            <a:cxnSpLocks/>
+          </p:cNvCxnSpPr>
+          <p:nvPr/>
+        </p:nvCxnSpPr>
+        <p:spPr>
+          <a:xfrm flipV="1">
+            <a:off x="195340" y="5581784"/>
+            <a:ext cx="2254788" cy="32994"/>
+          </a:xfrm>
+          <a:prstGeom prst="straightConnector1">
+            <a:avLst/>
+          </a:prstGeom>
+          <a:ln w="57150">
+            <a:solidFill>
+              <a:srgbClr val="00B050"/>
+            </a:solidFill>
+            <a:tailEnd type="triangle"/>
+          </a:ln>
+        </p:spPr>
+        <p:style>
+          <a:lnRef idx="2">
+            <a:schemeClr val="accent1"/>
+          </a:lnRef>
+          <a:fillRef idx="0">
+            <a:schemeClr val="accent1"/>
+          </a:fillRef>
+          <a:effectRef idx="1">
+            <a:schemeClr val="accent1"/>
+          </a:effectRef>
+          <a:fontRef idx="minor">
+            <a:schemeClr val="tx1"/>
+          </a:fontRef>
+        </p:style>
+      </p:cxnSp>
+      <p:sp>
+        <p:nvSpPr>
+          <p:cNvPr id="10" name="TextBox 9">
+            <a:extLst>
+              <a:ext uri="{FF2B5EF4-FFF2-40B4-BE49-F238E27FC236}">
+                <a16:creationId xmlns:a16="http://schemas.microsoft.com/office/drawing/2014/main" id="{3D7D3161-B718-332D-9E43-B029E2C89A46}"/>
+              </a:ext>
+            </a:extLst>
+          </p:cNvPr>
+          <p:cNvSpPr txBox="1"/>
+          <p:nvPr/>
+        </p:nvSpPr>
+        <p:spPr>
+          <a:xfrm>
+            <a:off x="10547143" y="5533085"/>
+            <a:ext cx="1355115" cy="861774"/>
+          </a:xfrm>
+          <a:prstGeom prst="rect">
+            <a:avLst/>
+          </a:prstGeom>
+          <a:noFill/>
+        </p:spPr>
+        <p:txBody>
+          <a:bodyPr wrap="none" rtlCol="0">
+            <a:spAutoFit/>
+          </a:bodyPr>
+          <a:lstStyle/>
+          <a:p>
+            <a:r>
+              <a:rPr lang="de-DE" sz="5000" dirty="0">
+                <a:solidFill>
+                  <a:schemeClr val="accent3"/>
+                </a:solidFill>
+              </a:rPr>
+              <a:t>FOV</a:t>
+            </a:r>
+          </a:p>
+        </p:txBody>
+      </p:sp>
+      <p:cxnSp>
+        <p:nvCxnSpPr>
+          <p:cNvPr id="16" name="Straight Arrow Connector 15">
+            <a:extLst>
+              <a:ext uri="{FF2B5EF4-FFF2-40B4-BE49-F238E27FC236}">
+                <a16:creationId xmlns:a16="http://schemas.microsoft.com/office/drawing/2014/main" id="{E8D9F1A2-0FC2-DCB5-479E-A73BAD2A4700}"/>
+              </a:ext>
+            </a:extLst>
+          </p:cNvPr>
+          <p:cNvCxnSpPr>
+            <a:cxnSpLocks/>
+          </p:cNvCxnSpPr>
+          <p:nvPr/>
+        </p:nvCxnSpPr>
+        <p:spPr>
+          <a:xfrm flipV="1">
+            <a:off x="2450128" y="4566046"/>
+            <a:ext cx="0" cy="1015738"/>
+          </a:xfrm>
+          <a:prstGeom prst="straightConnector1">
+            <a:avLst/>
+          </a:prstGeom>
+          <a:ln w="57150">
+            <a:solidFill>
+              <a:srgbClr val="FF0000"/>
+            </a:solidFill>
+            <a:tailEnd type="triangle"/>
+          </a:ln>
+        </p:spPr>
+        <p:style>
+          <a:lnRef idx="2">
+            <a:schemeClr val="accent1"/>
+          </a:lnRef>
+          <a:fillRef idx="0">
+            <a:schemeClr val="accent1"/>
+          </a:fillRef>
+          <a:effectRef idx="1">
+            <a:schemeClr val="accent1"/>
+          </a:effectRef>
+          <a:fontRef idx="minor">
+            <a:schemeClr val="tx1"/>
+          </a:fontRef>
+        </p:style>
+      </p:cxnSp>
+      <mc:AlternateContent xmlns:mc="http://schemas.openxmlformats.org/markup-compatibility/2006" xmlns:a14="http://schemas.microsoft.com/office/drawing/2010/main">
+        <mc:Choice Requires="a14">
+          <p:sp>
+            <p:nvSpPr>
+              <p:cNvPr id="22" name="TextBox 21">
+                <a:extLst>
+                  <a:ext uri="{FF2B5EF4-FFF2-40B4-BE49-F238E27FC236}">
+                    <a16:creationId xmlns:a16="http://schemas.microsoft.com/office/drawing/2014/main" id="{3A574E5A-385A-2256-0D90-42A7AC385D7B}"/>
+                  </a:ext>
+                </a:extLst>
+              </p:cNvPr>
+              <p:cNvSpPr txBox="1"/>
+              <p:nvPr/>
+            </p:nvSpPr>
+            <p:spPr>
+              <a:xfrm>
+                <a:off x="11195590" y="32254"/>
+                <a:ext cx="1413336" cy="861774"/>
+              </a:xfrm>
+              <a:prstGeom prst="rect">
+                <a:avLst/>
+              </a:prstGeom>
+              <a:noFill/>
+            </p:spPr>
+            <p:txBody>
+              <a:bodyPr wrap="none" rtlCol="0">
+                <a:spAutoFit/>
+              </a:bodyPr>
+              <a:lstStyle/>
+              <a:p>
+                <a:pPr/>
+                <a14:m>
+                  <m:oMathPara xmlns:m="http://schemas.openxmlformats.org/officeDocument/2006/math">
+                    <m:oMathParaPr>
+                      <m:jc m:val="centerGroup"/>
+                    </m:oMathParaPr>
+                    <m:oMath xmlns:m="http://schemas.openxmlformats.org/officeDocument/2006/math">
+                      <m:sSub>
+                        <m:sSubPr>
+                          <m:ctrlPr>
+                            <a:rPr lang="de-DE" sz="5000" i="1" dirty="0" smtClean="0">
+                              <a:solidFill>
+                                <a:srgbClr val="FF0000"/>
+                              </a:solidFill>
+                              <a:latin typeface="Cambria Math" panose="02040503050406030204" pitchFamily="18" charset="0"/>
+                            </a:rPr>
+                          </m:ctrlPr>
+                        </m:sSubPr>
+                        <m:e>
+                          <m:r>
+                            <a:rPr lang="de-DE" sz="5000" b="0" i="1" dirty="0" smtClean="0">
+                              <a:solidFill>
+                                <a:srgbClr val="FF0000"/>
+                              </a:solidFill>
+                              <a:latin typeface="Cambria Math" panose="02040503050406030204" pitchFamily="18" charset="0"/>
+                            </a:rPr>
+                            <m:t>𝑓</m:t>
+                          </m:r>
+                        </m:e>
+                        <m:sub>
+                          <m:r>
+                            <m:rPr>
+                              <m:sty m:val="p"/>
+                            </m:rPr>
+                            <a:rPr lang="de-DE" sz="5000" b="0" i="0" dirty="0" smtClean="0">
+                              <a:solidFill>
+                                <a:srgbClr val="FF0000"/>
+                              </a:solidFill>
+                              <a:latin typeface="Cambria Math" panose="02040503050406030204" pitchFamily="18" charset="0"/>
+                            </a:rPr>
+                            <m:t>max</m:t>
+                          </m:r>
+                        </m:sub>
+                      </m:sSub>
+                    </m:oMath>
+                  </m:oMathPara>
+                </a14:m>
+                <a:endParaRPr lang="de-DE" sz="5000" dirty="0">
+                  <a:solidFill>
+                    <a:srgbClr val="FF0000"/>
+                  </a:solidFill>
+                </a:endParaRPr>
+              </a:p>
+            </p:txBody>
+          </p:sp>
+        </mc:Choice>
+        <mc:Fallback xmlns="">
+          <p:sp>
+            <p:nvSpPr>
+              <p:cNvPr id="22" name="TextBox 21">
+                <a:extLst>
+                  <a:ext uri="{FF2B5EF4-FFF2-40B4-BE49-F238E27FC236}">
+                    <a16:creationId xmlns:a16="http://schemas.microsoft.com/office/drawing/2014/main" id="{3A574E5A-385A-2256-0D90-42A7AC385D7B}"/>
+                  </a:ext>
+                </a:extLst>
+              </p:cNvPr>
+              <p:cNvSpPr txBox="1">
+                <a:spLocks noRot="1" noChangeAspect="1" noMove="1" noResize="1" noEditPoints="1" noAdjustHandles="1" noChangeArrowheads="1" noChangeShapeType="1" noTextEdit="1"/>
+              </p:cNvSpPr>
+              <p:nvPr/>
+            </p:nvSpPr>
+            <p:spPr>
+              <a:xfrm>
+                <a:off x="11195590" y="32254"/>
+                <a:ext cx="1413336" cy="861774"/>
+              </a:xfrm>
+              <a:prstGeom prst="rect">
+                <a:avLst/>
+              </a:prstGeom>
+              <a:blipFill>
+                <a:blip r:embed="rId4"/>
+                <a:stretch>
+                  <a:fillRect/>
+                </a:stretch>
+              </a:blipFill>
+            </p:spPr>
+            <p:txBody>
+              <a:bodyPr/>
+              <a:lstStyle/>
+              <a:p>
+                <a:r>
+                  <a:rPr lang="de-DE">
+                    <a:noFill/>
+                  </a:rPr>
+                  <a:t> </a:t>
+                </a:r>
+              </a:p>
+            </p:txBody>
+          </p:sp>
+        </mc:Fallback>
+      </mc:AlternateContent>
+    </p:spTree>
+    <p:extLst>
+      <p:ext uri="{BB962C8B-B14F-4D97-AF65-F5344CB8AC3E}">
+        <p14:creationId xmlns:p14="http://schemas.microsoft.com/office/powerpoint/2010/main" val="3165273129"/>
+      </p:ext>
+    </p:extLst>
+  </p:cSld>
+  <p:clrMapOvr>
+    <a:masterClrMapping/>
+  </p:clrMapOvr>
+</p:sld>
+</file>
+
 <file path=ppt/theme/theme1.xml><?xml version="1.0" encoding="utf-8"?>
 <a:theme xmlns:a="http://schemas.openxmlformats.org/drawingml/2006/main" name="Office Theme">
   <a:themeElements>

--- a/figures/figures.pptx
+++ b/figures/figures.pptx
@@ -2907,7 +2907,7 @@
           <a:p>
             <a:fld id="{8CF8B62D-F47B-43DC-854F-884833B98021}" type="datetimeFigureOut">
               <a:rPr lang="de-DE" smtClean="0"/>
-              <a:t>12.08.2025</a:t>
+              <a:t>14.08.2025</a:t>
             </a:fld>
             <a:endParaRPr lang="de-DE"/>
           </a:p>
@@ -3576,7 +3576,7 @@
           <a:p>
             <a:fld id="{3146589B-F63A-42CD-B487-02649808258F}" type="datetimeFigureOut">
               <a:rPr lang="de-DE" smtClean="0"/>
-              <a:t>12.08.2025</a:t>
+              <a:t>14.08.2025</a:t>
             </a:fld>
             <a:endParaRPr lang="de-DE"/>
           </a:p>
@@ -3776,7 +3776,7 @@
           <a:p>
             <a:fld id="{3146589B-F63A-42CD-B487-02649808258F}" type="datetimeFigureOut">
               <a:rPr lang="de-DE" smtClean="0"/>
-              <a:t>12.08.2025</a:t>
+              <a:t>14.08.2025</a:t>
             </a:fld>
             <a:endParaRPr lang="de-DE"/>
           </a:p>
@@ -3986,7 +3986,7 @@
           <a:p>
             <a:fld id="{3146589B-F63A-42CD-B487-02649808258F}" type="datetimeFigureOut">
               <a:rPr lang="de-DE" smtClean="0"/>
-              <a:t>12.08.2025</a:t>
+              <a:t>14.08.2025</a:t>
             </a:fld>
             <a:endParaRPr lang="de-DE"/>
           </a:p>
@@ -4186,7 +4186,7 @@
           <a:p>
             <a:fld id="{3146589B-F63A-42CD-B487-02649808258F}" type="datetimeFigureOut">
               <a:rPr lang="de-DE" smtClean="0"/>
-              <a:t>12.08.2025</a:t>
+              <a:t>14.08.2025</a:t>
             </a:fld>
             <a:endParaRPr lang="de-DE"/>
           </a:p>
@@ -4462,7 +4462,7 @@
           <a:p>
             <a:fld id="{3146589B-F63A-42CD-B487-02649808258F}" type="datetimeFigureOut">
               <a:rPr lang="de-DE" smtClean="0"/>
-              <a:t>12.08.2025</a:t>
+              <a:t>14.08.2025</a:t>
             </a:fld>
             <a:endParaRPr lang="de-DE"/>
           </a:p>
@@ -4730,7 +4730,7 @@
           <a:p>
             <a:fld id="{3146589B-F63A-42CD-B487-02649808258F}" type="datetimeFigureOut">
               <a:rPr lang="de-DE" smtClean="0"/>
-              <a:t>12.08.2025</a:t>
+              <a:t>14.08.2025</a:t>
             </a:fld>
             <a:endParaRPr lang="de-DE"/>
           </a:p>
@@ -5145,7 +5145,7 @@
           <a:p>
             <a:fld id="{3146589B-F63A-42CD-B487-02649808258F}" type="datetimeFigureOut">
               <a:rPr lang="de-DE" smtClean="0"/>
-              <a:t>12.08.2025</a:t>
+              <a:t>14.08.2025</a:t>
             </a:fld>
             <a:endParaRPr lang="de-DE"/>
           </a:p>
@@ -5287,7 +5287,7 @@
           <a:p>
             <a:fld id="{3146589B-F63A-42CD-B487-02649808258F}" type="datetimeFigureOut">
               <a:rPr lang="de-DE" smtClean="0"/>
-              <a:t>12.08.2025</a:t>
+              <a:t>14.08.2025</a:t>
             </a:fld>
             <a:endParaRPr lang="de-DE"/>
           </a:p>
@@ -5400,7 +5400,7 @@
           <a:p>
             <a:fld id="{3146589B-F63A-42CD-B487-02649808258F}" type="datetimeFigureOut">
               <a:rPr lang="de-DE" smtClean="0"/>
-              <a:t>12.08.2025</a:t>
+              <a:t>14.08.2025</a:t>
             </a:fld>
             <a:endParaRPr lang="de-DE"/>
           </a:p>
@@ -5713,7 +5713,7 @@
           <a:p>
             <a:fld id="{3146589B-F63A-42CD-B487-02649808258F}" type="datetimeFigureOut">
               <a:rPr lang="de-DE" smtClean="0"/>
-              <a:t>12.08.2025</a:t>
+              <a:t>14.08.2025</a:t>
             </a:fld>
             <a:endParaRPr lang="de-DE"/>
           </a:p>
@@ -6002,7 +6002,7 @@
           <a:p>
             <a:fld id="{3146589B-F63A-42CD-B487-02649808258F}" type="datetimeFigureOut">
               <a:rPr lang="de-DE" smtClean="0"/>
-              <a:t>12.08.2025</a:t>
+              <a:t>14.08.2025</a:t>
             </a:fld>
             <a:endParaRPr lang="de-DE"/>
           </a:p>
@@ -6245,7 +6245,7 @@
           <a:p>
             <a:fld id="{3146589B-F63A-42CD-B487-02649808258F}" type="datetimeFigureOut">
               <a:rPr lang="de-DE" smtClean="0"/>
-              <a:t>12.08.2025</a:t>
+              <a:t>14.08.2025</a:t>
             </a:fld>
             <a:endParaRPr lang="de-DE"/>
           </a:p>
@@ -15778,152 +15778,49 @@
           </a:p>
         </p:txBody>
       </p:sp>
-      <mc:AlternateContent xmlns:mc="http://schemas.openxmlformats.org/markup-compatibility/2006" xmlns:a14="http://schemas.microsoft.com/office/drawing/2010/main">
-        <mc:Choice Requires="a14">
-          <p:sp>
-            <p:nvSpPr>
-              <p:cNvPr id="7" name="TextBox 6">
-                <a:extLst>
-                  <a:ext uri="{FF2B5EF4-FFF2-40B4-BE49-F238E27FC236}">
-                    <a16:creationId xmlns:a16="http://schemas.microsoft.com/office/drawing/2014/main" id="{EEEDF624-6410-45CB-FB31-35DAAB234DBE}"/>
-                  </a:ext>
-                </a:extLst>
-              </p:cNvPr>
-              <p:cNvSpPr txBox="1"/>
-              <p:nvPr/>
-            </p:nvSpPr>
-            <p:spPr>
-              <a:xfrm>
-                <a:off x="5041197" y="5216459"/>
-                <a:ext cx="906626" cy="400110"/>
-              </a:xfrm>
-              <a:prstGeom prst="rect">
-                <a:avLst/>
-              </a:prstGeom>
-              <a:noFill/>
-              <a:ln>
-                <a:noFill/>
-              </a:ln>
-            </p:spPr>
-            <p:txBody>
-              <a:bodyPr wrap="square" rtlCol="0">
-                <a:spAutoFit/>
-              </a:bodyPr>
-              <a:lstStyle/>
-              <a:p>
-                <a:pPr/>
-                <a14:m>
-                  <m:oMathPara xmlns:m="http://schemas.openxmlformats.org/officeDocument/2006/math">
-                    <m:oMathParaPr>
-                      <m:jc m:val="centerGroup"/>
-                    </m:oMathParaPr>
-                    <m:oMath xmlns:m="http://schemas.openxmlformats.org/officeDocument/2006/math">
-                      <m:sSub>
-                        <m:sSubPr>
-                          <m:ctrlPr>
-                            <a:rPr lang="de-DE" sz="2000" i="1" smtClean="0">
-                              <a:solidFill>
-                                <a:schemeClr val="tx1"/>
-                              </a:solidFill>
-                              <a:latin typeface="Cambria Math" panose="02040503050406030204" pitchFamily="18" charset="0"/>
-                            </a:rPr>
-                          </m:ctrlPr>
-                        </m:sSubPr>
-                        <m:e>
-                          <m:r>
-                            <m:rPr>
-                              <m:sty m:val="p"/>
-                            </m:rPr>
-                            <a:rPr lang="de-DE" sz="2000" i="1">
-                              <a:solidFill>
-                                <a:schemeClr val="tx1"/>
-                              </a:solidFill>
-                              <a:latin typeface="Cambria Math" panose="02040503050406030204" pitchFamily="18" charset="0"/>
-                            </a:rPr>
-                            <m:t>Δ</m:t>
-                          </m:r>
-                          <m:r>
-                            <a:rPr lang="de-DE" sz="2000" i="1">
-                              <a:solidFill>
-                                <a:schemeClr val="tx1"/>
-                              </a:solidFill>
-                              <a:latin typeface="Cambria Math" panose="02040503050406030204" pitchFamily="18" charset="0"/>
-                            </a:rPr>
-                            <m:t>𝑓</m:t>
-                          </m:r>
-                        </m:e>
-                        <m:sub>
-                          <m:r>
-                            <a:rPr lang="de-DE" sz="2000" b="0" i="1" smtClean="0">
-                              <a:solidFill>
-                                <a:schemeClr val="tx1"/>
-                              </a:solidFill>
-                              <a:latin typeface="Cambria Math" panose="02040503050406030204" pitchFamily="18" charset="0"/>
-                            </a:rPr>
-                            <m:t>𝑥</m:t>
-                          </m:r>
-                        </m:sub>
-                      </m:sSub>
-                    </m:oMath>
-                  </m:oMathPara>
-                </a14:m>
-                <a:endParaRPr lang="de-DE" sz="2000" dirty="0">
-                  <a:solidFill>
-                    <a:schemeClr val="tx1"/>
-                  </a:solidFill>
-                </a:endParaRPr>
-              </a:p>
-            </p:txBody>
-          </p:sp>
-        </mc:Choice>
-        <mc:Fallback xmlns="">
-          <p:sp>
-            <p:nvSpPr>
-              <p:cNvPr id="7" name="TextBox 6">
-                <a:extLst>
-                  <a:ext uri="{FF2B5EF4-FFF2-40B4-BE49-F238E27FC236}">
-                    <a16:creationId xmlns:a16="http://schemas.microsoft.com/office/drawing/2014/main" id="{EEEDF624-6410-45CB-FB31-35DAAB234DBE}"/>
-                  </a:ext>
-                </a:extLst>
-              </p:cNvPr>
-              <p:cNvSpPr txBox="1">
-                <a:spLocks noRot="1" noChangeAspect="1" noMove="1" noResize="1" noEditPoints="1" noAdjustHandles="1" noChangeArrowheads="1" noChangeShapeType="1" noTextEdit="1"/>
-              </p:cNvSpPr>
-              <p:nvPr/>
-            </p:nvSpPr>
-            <p:spPr>
-              <a:xfrm>
-                <a:off x="5041197" y="5216459"/>
-                <a:ext cx="906626" cy="400110"/>
-              </a:xfrm>
-              <a:prstGeom prst="rect">
-                <a:avLst/>
-              </a:prstGeom>
-              <a:blipFill>
-                <a:blip r:embed="rId3"/>
-                <a:stretch>
-                  <a:fillRect b="-15385"/>
-                </a:stretch>
-              </a:blipFill>
-              <a:ln>
-                <a:noFill/>
-              </a:ln>
-            </p:spPr>
-            <p:txBody>
-              <a:bodyPr/>
-              <a:lstStyle/>
-              <a:p>
-                <a:r>
-                  <a:rPr lang="de-DE">
-                    <a:noFill/>
-                  </a:rPr>
-                  <a:t> </a:t>
-                </a:r>
-              </a:p>
-            </p:txBody>
-          </p:sp>
-        </mc:Fallback>
-      </mc:AlternateContent>
+      <p:sp>
+        <p:nvSpPr>
+          <p:cNvPr id="7" name="TextBox 6">
+            <a:extLst>
+              <a:ext uri="{FF2B5EF4-FFF2-40B4-BE49-F238E27FC236}">
+                <a16:creationId xmlns:a16="http://schemas.microsoft.com/office/drawing/2014/main" id="{EEEDF624-6410-45CB-FB31-35DAAB234DBE}"/>
+              </a:ext>
+            </a:extLst>
+          </p:cNvPr>
+          <p:cNvSpPr txBox="1"/>
+          <p:nvPr/>
+        </p:nvSpPr>
+        <p:spPr>
+          <a:xfrm>
+            <a:off x="4245428" y="5216459"/>
+            <a:ext cx="2612571" cy="400110"/>
+          </a:xfrm>
+          <a:prstGeom prst="rect">
+            <a:avLst/>
+          </a:prstGeom>
+          <a:noFill/>
+          <a:ln>
+            <a:noFill/>
+          </a:ln>
+        </p:spPr>
+        <p:txBody>
+          <a:bodyPr wrap="square" rtlCol="0">
+            <a:spAutoFit/>
+          </a:bodyPr>
+          <a:lstStyle/>
+          <a:p>
+            <a:pPr/>
+            <a:r>
+              <a:rPr lang="de-DE" sz="2000" dirty="0">
+                <a:solidFill>
+                  <a:schemeClr val="tx1"/>
+                </a:solidFill>
+              </a:rPr>
+              <a:t>Frequency encoding</a:t>
+            </a:r>
+          </a:p>
+        </p:txBody>
+      </p:sp>
       <p:sp>
         <p:nvSpPr>
           <p:cNvPr id="12" name="Isosceles Triangle 11">
@@ -15982,152 +15879,49 @@
           </a:p>
         </p:txBody>
       </p:sp>
-      <mc:AlternateContent xmlns:mc="http://schemas.openxmlformats.org/markup-compatibility/2006" xmlns:a14="http://schemas.microsoft.com/office/drawing/2010/main">
-        <mc:Choice Requires="a14">
-          <p:sp>
-            <p:nvSpPr>
-              <p:cNvPr id="13" name="TextBox 12">
-                <a:extLst>
-                  <a:ext uri="{FF2B5EF4-FFF2-40B4-BE49-F238E27FC236}">
-                    <a16:creationId xmlns:a16="http://schemas.microsoft.com/office/drawing/2014/main" id="{4F4B2AC8-2F46-741E-3905-985D2E6567EC}"/>
-                  </a:ext>
-                </a:extLst>
-              </p:cNvPr>
-              <p:cNvSpPr txBox="1"/>
-              <p:nvPr/>
-            </p:nvSpPr>
-            <p:spPr>
-              <a:xfrm>
-                <a:off x="3139369" y="3137771"/>
-                <a:ext cx="614655" cy="424283"/>
-              </a:xfrm>
-              <a:prstGeom prst="rect">
-                <a:avLst/>
-              </a:prstGeom>
-              <a:noFill/>
-              <a:ln>
-                <a:noFill/>
-              </a:ln>
-            </p:spPr>
-            <p:txBody>
-              <a:bodyPr wrap="none" rtlCol="0">
-                <a:spAutoFit/>
-              </a:bodyPr>
-              <a:lstStyle/>
-              <a:p>
-                <a:pPr/>
-                <a14:m>
-                  <m:oMathPara xmlns:m="http://schemas.openxmlformats.org/officeDocument/2006/math">
-                    <m:oMathParaPr>
-                      <m:jc m:val="centerGroup"/>
-                    </m:oMathParaPr>
-                    <m:oMath xmlns:m="http://schemas.openxmlformats.org/officeDocument/2006/math">
-                      <m:sSub>
-                        <m:sSubPr>
-                          <m:ctrlPr>
-                            <a:rPr lang="de-DE" sz="2000" i="1" smtClean="0">
-                              <a:solidFill>
-                                <a:schemeClr val="tx1"/>
-                              </a:solidFill>
-                              <a:latin typeface="Cambria Math" panose="02040503050406030204" pitchFamily="18" charset="0"/>
-                            </a:rPr>
-                          </m:ctrlPr>
-                        </m:sSubPr>
-                        <m:e>
-                          <m:r>
-                            <m:rPr>
-                              <m:sty m:val="p"/>
-                            </m:rPr>
-                            <a:rPr lang="de-DE" sz="2000" i="1">
-                              <a:solidFill>
-                                <a:schemeClr val="tx1"/>
-                              </a:solidFill>
-                              <a:latin typeface="Cambria Math" panose="02040503050406030204" pitchFamily="18" charset="0"/>
-                            </a:rPr>
-                            <m:t>Δ</m:t>
-                          </m:r>
-                          <m:r>
-                            <a:rPr lang="de-DE" sz="2000" i="1">
-                              <a:solidFill>
-                                <a:schemeClr val="tx1"/>
-                              </a:solidFill>
-                              <a:latin typeface="Cambria Math" panose="02040503050406030204" pitchFamily="18" charset="0"/>
-                            </a:rPr>
-                            <m:t>𝑓</m:t>
-                          </m:r>
-                        </m:e>
-                        <m:sub>
-                          <m:r>
-                            <a:rPr lang="de-DE" sz="2000" b="0" i="1" smtClean="0">
-                              <a:solidFill>
-                                <a:schemeClr val="tx1"/>
-                              </a:solidFill>
-                              <a:latin typeface="Cambria Math" panose="02040503050406030204" pitchFamily="18" charset="0"/>
-                            </a:rPr>
-                            <m:t>𝑦</m:t>
-                          </m:r>
-                        </m:sub>
-                      </m:sSub>
-                    </m:oMath>
-                  </m:oMathPara>
-                </a14:m>
-                <a:endParaRPr lang="de-DE" sz="2000" dirty="0">
-                  <a:solidFill>
-                    <a:schemeClr val="tx1"/>
-                  </a:solidFill>
-                </a:endParaRPr>
-              </a:p>
-            </p:txBody>
-          </p:sp>
-        </mc:Choice>
-        <mc:Fallback xmlns="">
-          <p:sp>
-            <p:nvSpPr>
-              <p:cNvPr id="13" name="TextBox 12">
-                <a:extLst>
-                  <a:ext uri="{FF2B5EF4-FFF2-40B4-BE49-F238E27FC236}">
-                    <a16:creationId xmlns:a16="http://schemas.microsoft.com/office/drawing/2014/main" id="{4F4B2AC8-2F46-741E-3905-985D2E6567EC}"/>
-                  </a:ext>
-                </a:extLst>
-              </p:cNvPr>
-              <p:cNvSpPr txBox="1">
-                <a:spLocks noRot="1" noChangeAspect="1" noMove="1" noResize="1" noEditPoints="1" noAdjustHandles="1" noChangeArrowheads="1" noChangeShapeType="1" noTextEdit="1"/>
-              </p:cNvSpPr>
-              <p:nvPr/>
-            </p:nvSpPr>
-            <p:spPr>
-              <a:xfrm>
-                <a:off x="3139369" y="3137771"/>
-                <a:ext cx="614655" cy="424283"/>
-              </a:xfrm>
-              <a:prstGeom prst="rect">
-                <a:avLst/>
-              </a:prstGeom>
-              <a:blipFill>
-                <a:blip r:embed="rId4"/>
-                <a:stretch>
-                  <a:fillRect b="-10145"/>
-                </a:stretch>
-              </a:blipFill>
-              <a:ln>
-                <a:noFill/>
-              </a:ln>
-            </p:spPr>
-            <p:txBody>
-              <a:bodyPr/>
-              <a:lstStyle/>
-              <a:p>
-                <a:r>
-                  <a:rPr lang="de-DE">
-                    <a:noFill/>
-                  </a:rPr>
-                  <a:t> </a:t>
-                </a:r>
-              </a:p>
-            </p:txBody>
-          </p:sp>
-        </mc:Fallback>
-      </mc:AlternateContent>
+      <p:sp>
+        <p:nvSpPr>
+          <p:cNvPr id="13" name="TextBox 12">
+            <a:extLst>
+              <a:ext uri="{FF2B5EF4-FFF2-40B4-BE49-F238E27FC236}">
+                <a16:creationId xmlns:a16="http://schemas.microsoft.com/office/drawing/2014/main" id="{4F4B2AC8-2F46-741E-3905-985D2E6567EC}"/>
+              </a:ext>
+            </a:extLst>
+          </p:cNvPr>
+          <p:cNvSpPr txBox="1"/>
+          <p:nvPr/>
+        </p:nvSpPr>
+        <p:spPr>
+          <a:xfrm rot="16200000">
+            <a:off x="2265328" y="3061571"/>
+            <a:ext cx="1944763" cy="400110"/>
+          </a:xfrm>
+          <a:prstGeom prst="rect">
+            <a:avLst/>
+          </a:prstGeom>
+          <a:noFill/>
+          <a:ln>
+            <a:noFill/>
+          </a:ln>
+        </p:spPr>
+        <p:txBody>
+          <a:bodyPr wrap="none" rtlCol="0">
+            <a:spAutoFit/>
+          </a:bodyPr>
+          <a:lstStyle/>
+          <a:p>
+            <a:pPr/>
+            <a:r>
+              <a:rPr lang="de-DE" sz="2000" dirty="0">
+                <a:solidFill>
+                  <a:schemeClr val="tx1"/>
+                </a:solidFill>
+              </a:rPr>
+              <a:t>Phase encoding</a:t>
+            </a:r>
+          </a:p>
+        </p:txBody>
+      </p:sp>
       <p:pic>
         <p:nvPicPr>
           <p:cNvPr id="15" name="Picture 14" descr="A black and white pixelated square&#10;&#10;AI-generated content may be incorrect.">
@@ -16143,7 +15937,7 @@
           <p:nvPr/>
         </p:nvPicPr>
         <p:blipFill>
-          <a:blip r:embed="rId5">
+          <a:blip r:embed="rId3">
             <a:extLst>
               <a:ext uri="{28A0092B-C50C-407E-A947-70E740481C1C}">
                 <a14:useLocalDpi xmlns:a14="http://schemas.microsoft.com/office/drawing/2010/main" val="0"/>
@@ -16196,10 +15990,10 @@
       </p:grpSpPr>
       <p:pic>
         <p:nvPicPr>
-          <p:cNvPr id="6" name="Picture 5" descr="A black and white pixelated square&#10;&#10;AI-generated content may be incorrect.">
+          <p:cNvPr id="3" name="Picture 2" descr="A black and white pixelated square&#10;&#10;AI-generated content may be incorrect.">
             <a:extLst>
               <a:ext uri="{FF2B5EF4-FFF2-40B4-BE49-F238E27FC236}">
-                <a16:creationId xmlns:a16="http://schemas.microsoft.com/office/drawing/2014/main" id="{CAF3C418-B9A2-C4B7-69C0-4E6D32E4194E}"/>
+                <a16:creationId xmlns:a16="http://schemas.microsoft.com/office/drawing/2014/main" id="{951207BA-DE99-FB52-5084-CF79A24650E6}"/>
               </a:ext>
             </a:extLst>
           </p:cNvPr>
@@ -16222,7 +16016,7 @@
         </p:blipFill>
         <p:spPr>
           <a:xfrm>
-            <a:off x="4189353" y="3799857"/>
+            <a:off x="4189353" y="3810743"/>
             <a:ext cx="2877318" cy="2877318"/>
           </a:xfrm>
           <a:prstGeom prst="rect">
